--- a/assets/slides/fa22/09-ADTs.pptx
+++ b/assets/slides/fa22/09-ADTs.pptx
@@ -5,53 +5,68 @@
     <p:sldMasterId id="2147483661" r:id="rId1"/>
   </p:sldMasterIdLst>
   <p:notesMasterIdLst>
-    <p:notesMasterId r:id="rId19"/>
+    <p:notesMasterId r:id="rId24"/>
   </p:notesMasterIdLst>
   <p:sldIdLst>
     <p:sldId id="290" r:id="rId2"/>
-    <p:sldId id="420" r:id="rId3"/>
-    <p:sldId id="261" r:id="rId4"/>
-    <p:sldId id="418" r:id="rId5"/>
-    <p:sldId id="414" r:id="rId6"/>
-    <p:sldId id="410" r:id="rId7"/>
-    <p:sldId id="264" r:id="rId8"/>
-    <p:sldId id="280" r:id="rId9"/>
-    <p:sldId id="265" r:id="rId10"/>
-    <p:sldId id="412" r:id="rId11"/>
-    <p:sldId id="281" r:id="rId12"/>
-    <p:sldId id="413" r:id="rId13"/>
-    <p:sldId id="267" r:id="rId14"/>
-    <p:sldId id="268" r:id="rId15"/>
-    <p:sldId id="270" r:id="rId16"/>
-    <p:sldId id="271" r:id="rId17"/>
-    <p:sldId id="417" r:id="rId18"/>
+    <p:sldId id="261" r:id="rId3"/>
+    <p:sldId id="409" r:id="rId4"/>
+    <p:sldId id="415" r:id="rId5"/>
+    <p:sldId id="419" r:id="rId6"/>
+    <p:sldId id="403" r:id="rId7"/>
+    <p:sldId id="404" r:id="rId8"/>
+    <p:sldId id="416" r:id="rId9"/>
+    <p:sldId id="418" r:id="rId10"/>
+    <p:sldId id="414" r:id="rId11"/>
+    <p:sldId id="410" r:id="rId12"/>
+    <p:sldId id="264" r:id="rId13"/>
+    <p:sldId id="280" r:id="rId14"/>
+    <p:sldId id="265" r:id="rId15"/>
+    <p:sldId id="412" r:id="rId16"/>
+    <p:sldId id="281" r:id="rId17"/>
+    <p:sldId id="413" r:id="rId18"/>
+    <p:sldId id="267" r:id="rId19"/>
+    <p:sldId id="268" r:id="rId20"/>
+    <p:sldId id="270" r:id="rId21"/>
+    <p:sldId id="271" r:id="rId22"/>
+    <p:sldId id="417" r:id="rId23"/>
   </p:sldIdLst>
   <p:sldSz cx="12192000" cy="6858000"/>
   <p:notesSz cx="6997700" cy="9194800"/>
   <p:embeddedFontLst>
     <p:embeddedFont>
+      <p:font typeface="FreightMicro Pro Book" panose="02000603020000020004" pitchFamily="2" charset="0"/>
+      <p:regular r:id="rId25"/>
+      <p:italic r:id="rId26"/>
+    </p:embeddedFont>
+    <p:embeddedFont>
+      <p:font typeface="FreightMicro Pro Medium" panose="02000603020000020004" pitchFamily="2" charset="0"/>
+      <p:regular r:id="rId27"/>
+      <p:italic r:id="rId28"/>
+    </p:embeddedFont>
+    <p:embeddedFont>
       <p:font typeface="FreightSans Pro Medium" panose="02000606030000020004" pitchFamily="2" charset="0"/>
-      <p:regular r:id="rId20"/>
-      <p:italic r:id="rId21"/>
+      <p:regular r:id="rId29"/>
+      <p:italic r:id="rId30"/>
     </p:embeddedFont>
     <p:embeddedFont>
       <p:font typeface="FreightSans Pro Semibold" panose="02000606030000020004" pitchFamily="2" charset="0"/>
-      <p:regular r:id="rId22"/>
-      <p:bold r:id="rId23"/>
-      <p:italic r:id="rId24"/>
-      <p:boldItalic r:id="rId25"/>
+      <p:regular r:id="rId31"/>
+      <p:bold r:id="rId32"/>
+      <p:italic r:id="rId33"/>
+      <p:boldItalic r:id="rId34"/>
     </p:embeddedFont>
     <p:embeddedFont>
       <p:font typeface="FreightText Pro Book" panose="02000603060000020004" pitchFamily="2" charset="0"/>
-      <p:regular r:id="rId26"/>
-      <p:italic r:id="rId27"/>
+      <p:regular r:id="rId35"/>
+      <p:italic r:id="rId36"/>
     </p:embeddedFont>
     <p:embeddedFont>
       <p:font typeface="Source Code Pro" panose="020B0509030403020204" pitchFamily="49" charset="77"/>
-      <p:regular r:id="rId28"/>
-      <p:bold r:id="rId29"/>
-      <p:italic r:id="rId30"/>
-      <p:boldItalic r:id="rId31"/>
+      <p:regular r:id="rId37"/>
+      <p:bold r:id="rId38"/>
+      <p:italic r:id="rId39"/>
+      <p:boldItalic r:id="rId40"/>
     </p:embeddedFont>
   </p:embeddedFontLst>
   <p:defaultTextStyle>
@@ -1626,14 +1641,14 @@
           <a:ln/>
           <a:extLst>
             <a:ext uri="{909E8E84-426E-40dd-AFC4-6F175D3DCCD1}">
-              <a14:hiddenFill xmlns="" xmlns:a14="http://schemas.microsoft.com/office/drawing/2010/main">
+              <a14:hiddenFill xmlns:a14="http://schemas.microsoft.com/office/drawing/2010/main" xmlns="">
                 <a:solidFill>
                   <a:srgbClr val="FFFFFF"/>
                 </a:solidFill>
               </a14:hiddenFill>
             </a:ext>
             <a:ext uri="{91240B29-F687-4f45-9708-019B960494DF}">
-              <a14:hiddenLine xmlns="" xmlns:a14="http://schemas.microsoft.com/office/drawing/2010/main" w="9525">
+              <a14:hiddenLine xmlns:a14="http://schemas.microsoft.com/office/drawing/2010/main" xmlns="" w="9525">
                 <a:solidFill>
                   <a:srgbClr val="000000"/>
                 </a:solidFill>
@@ -1801,14 +1816,14 @@
           <a:ln/>
           <a:extLst>
             <a:ext uri="{909E8E84-426E-40dd-AFC4-6F175D3DCCD1}">
-              <a14:hiddenFill xmlns="" xmlns:a14="http://schemas.microsoft.com/office/drawing/2010/main">
+              <a14:hiddenFill xmlns:a14="http://schemas.microsoft.com/office/drawing/2010/main" xmlns="">
                 <a:solidFill>
                   <a:srgbClr val="FFFFFF"/>
                 </a:solidFill>
               </a14:hiddenFill>
             </a:ext>
             <a:ext uri="{91240B29-F687-4f45-9708-019B960494DF}">
-              <a14:hiddenLine xmlns="" xmlns:a14="http://schemas.microsoft.com/office/drawing/2010/main" w="9525">
+              <a14:hiddenLine xmlns:a14="http://schemas.microsoft.com/office/drawing/2010/main" xmlns="" w="9525">
                 <a:solidFill>
                   <a:srgbClr val="000000"/>
                 </a:solidFill>
@@ -1818,7 +1833,7 @@
               </a14:hiddenLine>
             </a:ext>
             <a:ext uri="{FAA26D3D-D897-4be2-8F04-BA451C77F1D7}">
-              <ma14:placeholderFlag xmlns="" xmlns:ma14="http://schemas.microsoft.com/office/mac/drawingml/2011/main" val="1"/>
+              <ma14:placeholderFlag xmlns:ma14="http://schemas.microsoft.com/office/mac/drawingml/2011/main" xmlns="" val="1"/>
             </a:ext>
           </a:extLst>
         </p:spPr>
@@ -1848,6 +1863,442 @@
 </file>
 
 <file path=ppt/notesSlides/notesSlide10.xml><?xml version="1.0" encoding="utf-8"?>
+<p:notes xmlns:a="http://schemas.openxmlformats.org/drawingml/2006/main" xmlns:r="http://schemas.openxmlformats.org/officeDocument/2006/relationships" xmlns:p="http://schemas.openxmlformats.org/presentationml/2006/main" showMasterSp="0" showMasterPhAnim="0">
+  <p:cSld>
+    <p:spTree>
+      <p:nvGrpSpPr>
+        <p:cNvPr id="1" name="Shape 384"/>
+        <p:cNvGrpSpPr/>
+        <p:nvPr/>
+      </p:nvGrpSpPr>
+      <p:grpSpPr>
+        <a:xfrm>
+          <a:off x="0" y="0"/>
+          <a:ext cx="0" cy="0"/>
+          <a:chOff x="0" y="0"/>
+          <a:chExt cx="0" cy="0"/>
+        </a:xfrm>
+      </p:grpSpPr>
+      <p:sp>
+        <p:nvSpPr>
+          <p:cNvPr id="385" name="Google Shape;385;p26:notes"/>
+          <p:cNvSpPr txBox="1">
+            <a:spLocks noGrp="1"/>
+          </p:cNvSpPr>
+          <p:nvPr>
+            <p:ph type="body" idx="1"/>
+          </p:nvPr>
+        </p:nvSpPr>
+        <p:spPr>
+          <a:xfrm>
+            <a:off x="933450" y="4367213"/>
+            <a:ext cx="5130800" cy="4137025"/>
+          </a:xfrm>
+          <a:prstGeom prst="rect">
+            <a:avLst/>
+          </a:prstGeom>
+        </p:spPr>
+        <p:txBody>
+          <a:bodyPr spcFirstLastPara="1" wrap="square" lIns="92900" tIns="45725" rIns="92900" bIns="45725" anchor="t" anchorCtr="0">
+            <a:noAutofit/>
+          </a:bodyPr>
+          <a:lstStyle/>
+          <a:p>
+            <a:pPr marL="0" lvl="0" indent="0" algn="l" rtl="0">
+              <a:spcBef>
+                <a:spcPts val="480"/>
+              </a:spcBef>
+              <a:spcAft>
+                <a:spcPts val="0"/>
+              </a:spcAft>
+              <a:buNone/>
+            </a:pPr>
+            <a:endParaRPr/>
+          </a:p>
+        </p:txBody>
+      </p:sp>
+      <p:sp>
+        <p:nvSpPr>
+          <p:cNvPr id="386" name="Google Shape;386;p26:notes"/>
+          <p:cNvSpPr>
+            <a:spLocks noGrp="1" noRot="1" noChangeAspect="1"/>
+          </p:cNvSpPr>
+          <p:nvPr>
+            <p:ph type="sldImg" idx="2"/>
+          </p:nvPr>
+        </p:nvSpPr>
+        <p:spPr>
+          <a:xfrm>
+            <a:off x="777875" y="882650"/>
+            <a:ext cx="5441950" cy="3062288"/>
+          </a:xfrm>
+          <a:custGeom>
+            <a:avLst/>
+            <a:gdLst/>
+            <a:ahLst/>
+            <a:cxnLst/>
+            <a:rect l="l" t="t" r="r" b="b"/>
+            <a:pathLst>
+              <a:path w="120000" h="120000" extrusionOk="0">
+                <a:moveTo>
+                  <a:pt x="0" y="0"/>
+                </a:moveTo>
+                <a:lnTo>
+                  <a:pt x="120000" y="0"/>
+                </a:lnTo>
+                <a:lnTo>
+                  <a:pt x="120000" y="120000"/>
+                </a:lnTo>
+                <a:lnTo>
+                  <a:pt x="0" y="120000"/>
+                </a:lnTo>
+                <a:close/>
+              </a:path>
+            </a:pathLst>
+          </a:custGeom>
+        </p:spPr>
+      </p:sp>
+    </p:spTree>
+    <p:extLst>
+      <p:ext uri="{BB962C8B-B14F-4D97-AF65-F5344CB8AC3E}">
+        <p14:creationId xmlns:p14="http://schemas.microsoft.com/office/powerpoint/2010/main" val="3942102733"/>
+      </p:ext>
+    </p:extLst>
+  </p:cSld>
+  <p:clrMapOvr>
+    <a:masterClrMapping/>
+  </p:clrMapOvr>
+</p:notes>
+</file>
+
+<file path=ppt/notesSlides/notesSlide11.xml><?xml version="1.0" encoding="utf-8"?>
+<p:notes xmlns:a="http://schemas.openxmlformats.org/drawingml/2006/main" xmlns:r="http://schemas.openxmlformats.org/officeDocument/2006/relationships" xmlns:p="http://schemas.openxmlformats.org/presentationml/2006/main" showMasterSp="0" showMasterPhAnim="0">
+  <p:cSld>
+    <p:spTree>
+      <p:nvGrpSpPr>
+        <p:cNvPr id="1" name="Shape 239"/>
+        <p:cNvGrpSpPr/>
+        <p:nvPr/>
+      </p:nvGrpSpPr>
+      <p:grpSpPr>
+        <a:xfrm>
+          <a:off x="0" y="0"/>
+          <a:ext cx="0" cy="0"/>
+          <a:chOff x="0" y="0"/>
+          <a:chExt cx="0" cy="0"/>
+        </a:xfrm>
+      </p:grpSpPr>
+      <p:sp>
+        <p:nvSpPr>
+          <p:cNvPr id="240" name="Google Shape;240;p12:notes"/>
+          <p:cNvSpPr txBox="1">
+            <a:spLocks noGrp="1"/>
+          </p:cNvSpPr>
+          <p:nvPr>
+            <p:ph type="body" idx="1"/>
+          </p:nvPr>
+        </p:nvSpPr>
+        <p:spPr>
+          <a:xfrm>
+            <a:off x="933450" y="4367213"/>
+            <a:ext cx="5130800" cy="4137025"/>
+          </a:xfrm>
+          <a:prstGeom prst="rect">
+            <a:avLst/>
+          </a:prstGeom>
+        </p:spPr>
+        <p:txBody>
+          <a:bodyPr spcFirstLastPara="1" wrap="square" lIns="92900" tIns="45725" rIns="92900" bIns="45725" anchor="t" anchorCtr="0">
+            <a:noAutofit/>
+          </a:bodyPr>
+          <a:lstStyle/>
+          <a:p>
+            <a:pPr marL="0" lvl="0" indent="0" algn="l" rtl="0">
+              <a:spcBef>
+                <a:spcPts val="480"/>
+              </a:spcBef>
+              <a:spcAft>
+                <a:spcPts val="0"/>
+              </a:spcAft>
+              <a:buNone/>
+            </a:pPr>
+            <a:endParaRPr/>
+          </a:p>
+        </p:txBody>
+      </p:sp>
+      <p:sp>
+        <p:nvSpPr>
+          <p:cNvPr id="241" name="Google Shape;241;p12:notes"/>
+          <p:cNvSpPr>
+            <a:spLocks noGrp="1" noRot="1" noChangeAspect="1"/>
+          </p:cNvSpPr>
+          <p:nvPr>
+            <p:ph type="sldImg" idx="2"/>
+          </p:nvPr>
+        </p:nvSpPr>
+        <p:spPr>
+          <a:xfrm>
+            <a:off x="777875" y="882650"/>
+            <a:ext cx="5441950" cy="3062288"/>
+          </a:xfrm>
+          <a:custGeom>
+            <a:avLst/>
+            <a:gdLst/>
+            <a:ahLst/>
+            <a:cxnLst/>
+            <a:rect l="l" t="t" r="r" b="b"/>
+            <a:pathLst>
+              <a:path w="120000" h="120000" extrusionOk="0">
+                <a:moveTo>
+                  <a:pt x="0" y="0"/>
+                </a:moveTo>
+                <a:lnTo>
+                  <a:pt x="120000" y="0"/>
+                </a:lnTo>
+                <a:lnTo>
+                  <a:pt x="120000" y="120000"/>
+                </a:lnTo>
+                <a:lnTo>
+                  <a:pt x="0" y="120000"/>
+                </a:lnTo>
+                <a:close/>
+              </a:path>
+            </a:pathLst>
+          </a:custGeom>
+        </p:spPr>
+      </p:sp>
+    </p:spTree>
+    <p:extLst>
+      <p:ext uri="{BB962C8B-B14F-4D97-AF65-F5344CB8AC3E}">
+        <p14:creationId xmlns:p14="http://schemas.microsoft.com/office/powerpoint/2010/main" val="507904968"/>
+      </p:ext>
+    </p:extLst>
+  </p:cSld>
+  <p:clrMapOvr>
+    <a:masterClrMapping/>
+  </p:clrMapOvr>
+</p:notes>
+</file>
+
+<file path=ppt/notesSlides/notesSlide12.xml><?xml version="1.0" encoding="utf-8"?>
+<p:notes xmlns:a="http://schemas.openxmlformats.org/drawingml/2006/main" xmlns:r="http://schemas.openxmlformats.org/officeDocument/2006/relationships" xmlns:p="http://schemas.openxmlformats.org/presentationml/2006/main" showMasterSp="0" showMasterPhAnim="0">
+  <p:cSld>
+    <p:spTree>
+      <p:nvGrpSpPr>
+        <p:cNvPr id="1" name="Shape 249"/>
+        <p:cNvGrpSpPr/>
+        <p:nvPr/>
+      </p:nvGrpSpPr>
+      <p:grpSpPr>
+        <a:xfrm>
+          <a:off x="0" y="0"/>
+          <a:ext cx="0" cy="0"/>
+          <a:chOff x="0" y="0"/>
+          <a:chExt cx="0" cy="0"/>
+        </a:xfrm>
+      </p:grpSpPr>
+      <p:sp>
+        <p:nvSpPr>
+          <p:cNvPr id="250" name="Google Shape;250;p13:notes"/>
+          <p:cNvSpPr txBox="1">
+            <a:spLocks noGrp="1"/>
+          </p:cNvSpPr>
+          <p:nvPr>
+            <p:ph type="body" idx="1"/>
+          </p:nvPr>
+        </p:nvSpPr>
+        <p:spPr>
+          <a:xfrm>
+            <a:off x="933450" y="4367213"/>
+            <a:ext cx="5130800" cy="4137025"/>
+          </a:xfrm>
+          <a:prstGeom prst="rect">
+            <a:avLst/>
+          </a:prstGeom>
+        </p:spPr>
+        <p:txBody>
+          <a:bodyPr spcFirstLastPara="1" wrap="square" lIns="92900" tIns="45725" rIns="92900" bIns="45725" anchor="t" anchorCtr="0">
+            <a:noAutofit/>
+          </a:bodyPr>
+          <a:lstStyle/>
+          <a:p>
+            <a:pPr marL="0" lvl="0" indent="0" algn="l" rtl="0">
+              <a:spcBef>
+                <a:spcPts val="480"/>
+              </a:spcBef>
+              <a:spcAft>
+                <a:spcPts val="0"/>
+              </a:spcAft>
+              <a:buNone/>
+            </a:pPr>
+            <a:endParaRPr/>
+          </a:p>
+        </p:txBody>
+      </p:sp>
+      <p:sp>
+        <p:nvSpPr>
+          <p:cNvPr id="251" name="Google Shape;251;p13:notes"/>
+          <p:cNvSpPr>
+            <a:spLocks noGrp="1" noRot="1" noChangeAspect="1"/>
+          </p:cNvSpPr>
+          <p:nvPr>
+            <p:ph type="sldImg" idx="2"/>
+          </p:nvPr>
+        </p:nvSpPr>
+        <p:spPr>
+          <a:xfrm>
+            <a:off x="777875" y="882650"/>
+            <a:ext cx="5441950" cy="3062288"/>
+          </a:xfrm>
+          <a:custGeom>
+            <a:avLst/>
+            <a:gdLst/>
+            <a:ahLst/>
+            <a:cxnLst/>
+            <a:rect l="l" t="t" r="r" b="b"/>
+            <a:pathLst>
+              <a:path w="120000" h="120000" extrusionOk="0">
+                <a:moveTo>
+                  <a:pt x="0" y="0"/>
+                </a:moveTo>
+                <a:lnTo>
+                  <a:pt x="120000" y="0"/>
+                </a:lnTo>
+                <a:lnTo>
+                  <a:pt x="120000" y="120000"/>
+                </a:lnTo>
+                <a:lnTo>
+                  <a:pt x="0" y="120000"/>
+                </a:lnTo>
+                <a:close/>
+              </a:path>
+            </a:pathLst>
+          </a:custGeom>
+        </p:spPr>
+      </p:sp>
+    </p:spTree>
+    <p:extLst>
+      <p:ext uri="{BB962C8B-B14F-4D97-AF65-F5344CB8AC3E}">
+        <p14:creationId xmlns:p14="http://schemas.microsoft.com/office/powerpoint/2010/main" val="1608433645"/>
+      </p:ext>
+    </p:extLst>
+  </p:cSld>
+  <p:clrMapOvr>
+    <a:masterClrMapping/>
+  </p:clrMapOvr>
+</p:notes>
+</file>
+
+<file path=ppt/notesSlides/notesSlide13.xml><?xml version="1.0" encoding="utf-8"?>
+<p:notes xmlns:a="http://schemas.openxmlformats.org/drawingml/2006/main" xmlns:r="http://schemas.openxmlformats.org/officeDocument/2006/relationships" xmlns:p="http://schemas.openxmlformats.org/presentationml/2006/main" showMasterSp="0" showMasterPhAnim="0">
+  <p:cSld>
+    <p:spTree>
+      <p:nvGrpSpPr>
+        <p:cNvPr id="1" name="Shape 267"/>
+        <p:cNvGrpSpPr/>
+        <p:nvPr/>
+      </p:nvGrpSpPr>
+      <p:grpSpPr>
+        <a:xfrm>
+          <a:off x="0" y="0"/>
+          <a:ext cx="0" cy="0"/>
+          <a:chOff x="0" y="0"/>
+          <a:chExt cx="0" cy="0"/>
+        </a:xfrm>
+      </p:grpSpPr>
+      <p:sp>
+        <p:nvSpPr>
+          <p:cNvPr id="268" name="Google Shape;268;p15:notes"/>
+          <p:cNvSpPr txBox="1">
+            <a:spLocks noGrp="1"/>
+          </p:cNvSpPr>
+          <p:nvPr>
+            <p:ph type="body" idx="1"/>
+          </p:nvPr>
+        </p:nvSpPr>
+        <p:spPr>
+          <a:xfrm>
+            <a:off x="933450" y="4367213"/>
+            <a:ext cx="5130800" cy="4137025"/>
+          </a:xfrm>
+          <a:prstGeom prst="rect">
+            <a:avLst/>
+          </a:prstGeom>
+        </p:spPr>
+        <p:txBody>
+          <a:bodyPr spcFirstLastPara="1" wrap="square" lIns="92900" tIns="45725" rIns="92900" bIns="45725" anchor="t" anchorCtr="0">
+            <a:noAutofit/>
+          </a:bodyPr>
+          <a:lstStyle/>
+          <a:p>
+            <a:pPr marL="0" lvl="0" indent="0" algn="l" rtl="0">
+              <a:spcBef>
+                <a:spcPts val="480"/>
+              </a:spcBef>
+              <a:spcAft>
+                <a:spcPts val="0"/>
+              </a:spcAft>
+              <a:buNone/>
+            </a:pPr>
+            <a:endParaRPr/>
+          </a:p>
+        </p:txBody>
+      </p:sp>
+      <p:sp>
+        <p:nvSpPr>
+          <p:cNvPr id="269" name="Google Shape;269;p15:notes"/>
+          <p:cNvSpPr>
+            <a:spLocks noGrp="1" noRot="1" noChangeAspect="1"/>
+          </p:cNvSpPr>
+          <p:nvPr>
+            <p:ph type="sldImg" idx="2"/>
+          </p:nvPr>
+        </p:nvSpPr>
+        <p:spPr>
+          <a:xfrm>
+            <a:off x="777875" y="882650"/>
+            <a:ext cx="5441950" cy="3062288"/>
+          </a:xfrm>
+          <a:custGeom>
+            <a:avLst/>
+            <a:gdLst/>
+            <a:ahLst/>
+            <a:cxnLst/>
+            <a:rect l="l" t="t" r="r" b="b"/>
+            <a:pathLst>
+              <a:path w="120000" h="120000" extrusionOk="0">
+                <a:moveTo>
+                  <a:pt x="0" y="0"/>
+                </a:moveTo>
+                <a:lnTo>
+                  <a:pt x="120000" y="0"/>
+                </a:lnTo>
+                <a:lnTo>
+                  <a:pt x="120000" y="120000"/>
+                </a:lnTo>
+                <a:lnTo>
+                  <a:pt x="0" y="120000"/>
+                </a:lnTo>
+                <a:close/>
+              </a:path>
+            </a:pathLst>
+          </a:custGeom>
+        </p:spPr>
+      </p:sp>
+    </p:spTree>
+    <p:extLst>
+      <p:ext uri="{BB962C8B-B14F-4D97-AF65-F5344CB8AC3E}">
+        <p14:creationId xmlns:p14="http://schemas.microsoft.com/office/powerpoint/2010/main" val="1879068684"/>
+      </p:ext>
+    </p:extLst>
+  </p:cSld>
+  <p:clrMapOvr>
+    <a:masterClrMapping/>
+  </p:clrMapOvr>
+</p:notes>
+</file>
+
+<file path=ppt/notesSlides/notesSlide14.xml><?xml version="1.0" encoding="utf-8"?>
 <p:notes xmlns:a="http://schemas.openxmlformats.org/drawingml/2006/main" xmlns:r="http://schemas.openxmlformats.org/officeDocument/2006/relationships" xmlns:p="http://schemas.openxmlformats.org/presentationml/2006/main" showMasterSp="0" showMasterPhAnim="0">
   <p:cSld>
     <p:spTree>
@@ -2066,11 +2517,11 @@
 </file>
 
 <file path=ppt/notesSlides/notesSlide3.xml><?xml version="1.0" encoding="utf-8"?>
-<p:notes xmlns:a="http://schemas.openxmlformats.org/drawingml/2006/main" xmlns:r="http://schemas.openxmlformats.org/officeDocument/2006/relationships" xmlns:p="http://schemas.openxmlformats.org/presentationml/2006/main" showMasterSp="0" showMasterPhAnim="0">
+<p:notes xmlns:a="http://schemas.openxmlformats.org/drawingml/2006/main" xmlns:r="http://schemas.openxmlformats.org/officeDocument/2006/relationships" xmlns:p="http://schemas.openxmlformats.org/presentationml/2006/main">
   <p:cSld>
     <p:spTree>
       <p:nvGrpSpPr>
-        <p:cNvPr id="1" name="Shape 198"/>
+        <p:cNvPr id="1" name=""/>
         <p:cNvGrpSpPr/>
         <p:nvPr/>
       </p:nvGrpSpPr>
@@ -2084,7 +2535,131 @@
       </p:grpSpPr>
       <p:sp>
         <p:nvSpPr>
-          <p:cNvPr id="199" name="Google Shape;199;p9:notes"/>
+          <p:cNvPr id="189" name="TextShape 1"/>
+          <p:cNvSpPr txBox="1"/>
+          <p:nvPr/>
+        </p:nvSpPr>
+        <p:spPr>
+          <a:xfrm>
+            <a:off x="3983041" y="8763121"/>
+            <a:ext cx="3038040" cy="409320"/>
+          </a:xfrm>
+          <a:prstGeom prst="rect">
+            <a:avLst/>
+          </a:prstGeom>
+          <a:noFill/>
+          <a:ln>
+            <a:noFill/>
+          </a:ln>
+        </p:spPr>
+        <p:txBody>
+          <a:bodyPr lIns="17280" tIns="0" rIns="17280" bIns="0" anchor="b"/>
+          <a:lstStyle/>
+          <a:p>
+            <a:pPr>
+              <a:lnSpc>
+                <a:spcPct val="100000"/>
+              </a:lnSpc>
+            </a:pPr>
+            <a:fld id="{0DFD83B9-9663-45A3-A75D-FB9D87875DE1}" type="slidenum">
+              <a:rPr lang="en-US" sz="900" b="0" strike="noStrike" spc="-1">
+                <a:solidFill>
+                  <a:srgbClr val="000000"/>
+                </a:solidFill>
+                <a:uFill>
+                  <a:solidFill>
+                    <a:srgbClr val="FFFFFF"/>
+                  </a:solidFill>
+                </a:uFill>
+                <a:latin typeface="Times New Roman"/>
+                <a:ea typeface="ＭＳ Ｐゴシック"/>
+              </a:rPr>
+              <a:t>3</a:t>
+            </a:fld>
+            <a:endParaRPr lang="en-US" sz="2400" b="0" strike="noStrike" spc="-1">
+              <a:solidFill>
+                <a:srgbClr val="000000"/>
+              </a:solidFill>
+              <a:uFill>
+                <a:solidFill>
+                  <a:srgbClr val="FFFFFF"/>
+                </a:solidFill>
+              </a:uFill>
+              <a:latin typeface="Times New Roman"/>
+            </a:endParaRPr>
+          </a:p>
+        </p:txBody>
+      </p:sp>
+      <p:sp>
+        <p:nvSpPr>
+          <p:cNvPr id="190" name="PlaceHolder 2"/>
+          <p:cNvSpPr>
+            <a:spLocks noGrp="1"/>
+          </p:cNvSpPr>
+          <p:nvPr>
+            <p:ph type="body"/>
+          </p:nvPr>
+        </p:nvSpPr>
+        <p:spPr>
+          <a:xfrm>
+            <a:off x="933480" y="4367160"/>
+            <a:ext cx="5130360" cy="4136760"/>
+          </a:xfrm>
+          <a:prstGeom prst="rect">
+            <a:avLst/>
+          </a:prstGeom>
+        </p:spPr>
+        <p:txBody>
+          <a:bodyPr lIns="92880" rIns="92880"/>
+          <a:lstStyle/>
+          <a:p>
+            <a:endParaRPr lang="en-US" sz="2000" b="0" strike="noStrike" spc="-1">
+              <a:solidFill>
+                <a:srgbClr val="000000"/>
+              </a:solidFill>
+              <a:uFill>
+                <a:solidFill>
+                  <a:srgbClr val="FFFFFF"/>
+                </a:solidFill>
+              </a:uFill>
+              <a:latin typeface="Arial"/>
+            </a:endParaRPr>
+          </a:p>
+        </p:txBody>
+      </p:sp>
+    </p:spTree>
+    <p:extLst>
+      <p:ext uri="{BB962C8B-B14F-4D97-AF65-F5344CB8AC3E}">
+        <p14:creationId xmlns:p14="http://schemas.microsoft.com/office/powerpoint/2010/main" val="1920701145"/>
+      </p:ext>
+    </p:extLst>
+  </p:cSld>
+  <p:clrMapOvr>
+    <a:masterClrMapping/>
+  </p:clrMapOvr>
+</p:notes>
+</file>
+
+<file path=ppt/notesSlides/notesSlide4.xml><?xml version="1.0" encoding="utf-8"?>
+<p:notes xmlns:a="http://schemas.openxmlformats.org/drawingml/2006/main" xmlns:r="http://schemas.openxmlformats.org/officeDocument/2006/relationships" xmlns:p="http://schemas.openxmlformats.org/presentationml/2006/main" showMasterSp="0" showMasterPhAnim="0">
+  <p:cSld>
+    <p:spTree>
+      <p:nvGrpSpPr>
+        <p:cNvPr id="1" name="Shape 304"/>
+        <p:cNvGrpSpPr/>
+        <p:nvPr/>
+      </p:nvGrpSpPr>
+      <p:grpSpPr>
+        <a:xfrm>
+          <a:off x="0" y="0"/>
+          <a:ext cx="0" cy="0"/>
+          <a:chOff x="0" y="0"/>
+          <a:chExt cx="0" cy="0"/>
+        </a:xfrm>
+      </p:grpSpPr>
+      <p:sp>
+        <p:nvSpPr>
+          <p:cNvPr id="305" name="Google Shape;305;p19:notes"/>
           <p:cNvSpPr txBox="1">
             <a:spLocks noGrp="1"/>
           </p:cNvSpPr>
@@ -2094,7 +2669,7 @@
         </p:nvSpPr>
         <p:spPr>
           <a:xfrm>
-            <a:off x="933450" y="4367213"/>
+            <a:off x="933451" y="4367213"/>
             <a:ext cx="5130800" cy="4137025"/>
           </a:xfrm>
           <a:prstGeom prst="rect">
@@ -2122,7 +2697,7 @@
       </p:sp>
       <p:sp>
         <p:nvSpPr>
-          <p:cNvPr id="200" name="Google Shape;200;p9:notes"/>
+          <p:cNvPr id="306" name="Google Shape;306;p19:notes"/>
           <p:cNvSpPr>
             <a:spLocks noGrp="1" noRot="1" noChangeAspect="1"/>
           </p:cNvSpPr>
@@ -2164,7 +2739,7 @@
     </p:spTree>
     <p:extLst>
       <p:ext uri="{BB962C8B-B14F-4D97-AF65-F5344CB8AC3E}">
-        <p14:creationId xmlns:p14="http://schemas.microsoft.com/office/powerpoint/2010/main" val="559836652"/>
+        <p14:creationId xmlns:p14="http://schemas.microsoft.com/office/powerpoint/2010/main" val="1941694467"/>
       </p:ext>
     </p:extLst>
   </p:cSld>
@@ -2174,12 +2749,12 @@
 </p:notes>
 </file>
 
-<file path=ppt/notesSlides/notesSlide4.xml><?xml version="1.0" encoding="utf-8"?>
+<file path=ppt/notesSlides/notesSlide5.xml><?xml version="1.0" encoding="utf-8"?>
 <p:notes xmlns:a="http://schemas.openxmlformats.org/drawingml/2006/main" xmlns:r="http://schemas.openxmlformats.org/officeDocument/2006/relationships" xmlns:p="http://schemas.openxmlformats.org/presentationml/2006/main" showMasterSp="0" showMasterPhAnim="0">
   <p:cSld>
     <p:spTree>
       <p:nvGrpSpPr>
-        <p:cNvPr id="1" name="Shape 361"/>
+        <p:cNvPr id="1" name="Shape 314"/>
         <p:cNvGrpSpPr/>
         <p:nvPr/>
       </p:nvGrpSpPr>
@@ -2193,7 +2768,7 @@
       </p:grpSpPr>
       <p:sp>
         <p:nvSpPr>
-          <p:cNvPr id="362" name="Google Shape;362;p25:notes"/>
+          <p:cNvPr id="315" name="Google Shape;315;p20:notes"/>
           <p:cNvSpPr txBox="1">
             <a:spLocks noGrp="1"/>
           </p:cNvSpPr>
@@ -2203,7 +2778,7 @@
         </p:nvSpPr>
         <p:spPr>
           <a:xfrm>
-            <a:off x="933450" y="4367213"/>
+            <a:off x="933451" y="4367213"/>
             <a:ext cx="5130800" cy="4137025"/>
           </a:xfrm>
           <a:prstGeom prst="rect">
@@ -2231,7 +2806,7 @@
       </p:sp>
       <p:sp>
         <p:nvSpPr>
-          <p:cNvPr id="363" name="Google Shape;363;p25:notes"/>
+          <p:cNvPr id="316" name="Google Shape;316;p20:notes"/>
           <p:cNvSpPr>
             <a:spLocks noGrp="1" noRot="1" noChangeAspect="1"/>
           </p:cNvSpPr>
@@ -2273,7 +2848,7 @@
     </p:spTree>
     <p:extLst>
       <p:ext uri="{BB962C8B-B14F-4D97-AF65-F5344CB8AC3E}">
-        <p14:creationId xmlns:p14="http://schemas.microsoft.com/office/powerpoint/2010/main" val="585852731"/>
+        <p14:creationId xmlns:p14="http://schemas.microsoft.com/office/powerpoint/2010/main" val="3548282128"/>
       </p:ext>
     </p:extLst>
   </p:cSld>
@@ -2283,12 +2858,12 @@
 </p:notes>
 </file>
 
-<file path=ppt/notesSlides/notesSlide5.xml><?xml version="1.0" encoding="utf-8"?>
+<file path=ppt/notesSlides/notesSlide6.xml><?xml version="1.0" encoding="utf-8"?>
 <p:notes xmlns:a="http://schemas.openxmlformats.org/drawingml/2006/main" xmlns:r="http://schemas.openxmlformats.org/officeDocument/2006/relationships" xmlns:p="http://schemas.openxmlformats.org/presentationml/2006/main" showMasterSp="0" showMasterPhAnim="0">
   <p:cSld>
     <p:spTree>
       <p:nvGrpSpPr>
-        <p:cNvPr id="1" name="Shape 221"/>
+        <p:cNvPr id="1" name="Shape 314"/>
         <p:cNvGrpSpPr/>
         <p:nvPr/>
       </p:nvGrpSpPr>
@@ -2302,7 +2877,7 @@
       </p:grpSpPr>
       <p:sp>
         <p:nvSpPr>
-          <p:cNvPr id="222" name="Google Shape;222;p10:notes"/>
+          <p:cNvPr id="315" name="Google Shape;315;p20:notes"/>
           <p:cNvSpPr txBox="1">
             <a:spLocks noGrp="1"/>
           </p:cNvSpPr>
@@ -2312,7 +2887,7 @@
         </p:nvSpPr>
         <p:spPr>
           <a:xfrm>
-            <a:off x="933450" y="4367213"/>
+            <a:off x="933451" y="4367213"/>
             <a:ext cx="5130800" cy="4137025"/>
           </a:xfrm>
           <a:prstGeom prst="rect">
@@ -2340,7 +2915,7 @@
       </p:sp>
       <p:sp>
         <p:nvSpPr>
-          <p:cNvPr id="223" name="Google Shape;223;p10:notes"/>
+          <p:cNvPr id="316" name="Google Shape;316;p20:notes"/>
           <p:cNvSpPr>
             <a:spLocks noGrp="1" noRot="1" noChangeAspect="1"/>
           </p:cNvSpPr>
@@ -2382,7 +2957,7 @@
     </p:spTree>
     <p:extLst>
       <p:ext uri="{BB962C8B-B14F-4D97-AF65-F5344CB8AC3E}">
-        <p14:creationId xmlns:p14="http://schemas.microsoft.com/office/powerpoint/2010/main" val="2430949068"/>
+        <p14:creationId xmlns:p14="http://schemas.microsoft.com/office/powerpoint/2010/main" val="4219701391"/>
       </p:ext>
     </p:extLst>
   </p:cSld>
@@ -2392,12 +2967,12 @@
 </p:notes>
 </file>
 
-<file path=ppt/notesSlides/notesSlide6.xml><?xml version="1.0" encoding="utf-8"?>
+<file path=ppt/notesSlides/notesSlide7.xml><?xml version="1.0" encoding="utf-8"?>
 <p:notes xmlns:a="http://schemas.openxmlformats.org/drawingml/2006/main" xmlns:r="http://schemas.openxmlformats.org/officeDocument/2006/relationships" xmlns:p="http://schemas.openxmlformats.org/presentationml/2006/main" showMasterSp="0" showMasterPhAnim="0">
   <p:cSld>
     <p:spTree>
       <p:nvGrpSpPr>
-        <p:cNvPr id="1" name="Shape 384"/>
+        <p:cNvPr id="1" name="Shape 198"/>
         <p:cNvGrpSpPr/>
         <p:nvPr/>
       </p:nvGrpSpPr>
@@ -2411,7 +2986,7 @@
       </p:grpSpPr>
       <p:sp>
         <p:nvSpPr>
-          <p:cNvPr id="385" name="Google Shape;385;p26:notes"/>
+          <p:cNvPr id="199" name="Google Shape;199;p9:notes"/>
           <p:cNvSpPr txBox="1">
             <a:spLocks noGrp="1"/>
           </p:cNvSpPr>
@@ -2449,7 +3024,7 @@
       </p:sp>
       <p:sp>
         <p:nvSpPr>
-          <p:cNvPr id="386" name="Google Shape;386;p26:notes"/>
+          <p:cNvPr id="200" name="Google Shape;200;p9:notes"/>
           <p:cNvSpPr>
             <a:spLocks noGrp="1" noRot="1" noChangeAspect="1"/>
           </p:cNvSpPr>
@@ -2491,7 +3066,7 @@
     </p:spTree>
     <p:extLst>
       <p:ext uri="{BB962C8B-B14F-4D97-AF65-F5344CB8AC3E}">
-        <p14:creationId xmlns:p14="http://schemas.microsoft.com/office/powerpoint/2010/main" val="3942102733"/>
+        <p14:creationId xmlns:p14="http://schemas.microsoft.com/office/powerpoint/2010/main" val="559836652"/>
       </p:ext>
     </p:extLst>
   </p:cSld>
@@ -2501,12 +3076,12 @@
 </p:notes>
 </file>
 
-<file path=ppt/notesSlides/notesSlide7.xml><?xml version="1.0" encoding="utf-8"?>
+<file path=ppt/notesSlides/notesSlide8.xml><?xml version="1.0" encoding="utf-8"?>
 <p:notes xmlns:a="http://schemas.openxmlformats.org/drawingml/2006/main" xmlns:r="http://schemas.openxmlformats.org/officeDocument/2006/relationships" xmlns:p="http://schemas.openxmlformats.org/presentationml/2006/main" showMasterSp="0" showMasterPhAnim="0">
   <p:cSld>
     <p:spTree>
       <p:nvGrpSpPr>
-        <p:cNvPr id="1" name="Shape 239"/>
+        <p:cNvPr id="1" name="Shape 361"/>
         <p:cNvGrpSpPr/>
         <p:nvPr/>
       </p:nvGrpSpPr>
@@ -2520,7 +3095,7 @@
       </p:grpSpPr>
       <p:sp>
         <p:nvSpPr>
-          <p:cNvPr id="240" name="Google Shape;240;p12:notes"/>
+          <p:cNvPr id="362" name="Google Shape;362;p25:notes"/>
           <p:cNvSpPr txBox="1">
             <a:spLocks noGrp="1"/>
           </p:cNvSpPr>
@@ -2558,7 +3133,7 @@
       </p:sp>
       <p:sp>
         <p:nvSpPr>
-          <p:cNvPr id="241" name="Google Shape;241;p12:notes"/>
+          <p:cNvPr id="363" name="Google Shape;363;p25:notes"/>
           <p:cNvSpPr>
             <a:spLocks noGrp="1" noRot="1" noChangeAspect="1"/>
           </p:cNvSpPr>
@@ -2600,7 +3175,7 @@
     </p:spTree>
     <p:extLst>
       <p:ext uri="{BB962C8B-B14F-4D97-AF65-F5344CB8AC3E}">
-        <p14:creationId xmlns:p14="http://schemas.microsoft.com/office/powerpoint/2010/main" val="507904968"/>
+        <p14:creationId xmlns:p14="http://schemas.microsoft.com/office/powerpoint/2010/main" val="585852731"/>
       </p:ext>
     </p:extLst>
   </p:cSld>
@@ -2610,12 +3185,12 @@
 </p:notes>
 </file>
 
-<file path=ppt/notesSlides/notesSlide8.xml><?xml version="1.0" encoding="utf-8"?>
+<file path=ppt/notesSlides/notesSlide9.xml><?xml version="1.0" encoding="utf-8"?>
 <p:notes xmlns:a="http://schemas.openxmlformats.org/drawingml/2006/main" xmlns:r="http://schemas.openxmlformats.org/officeDocument/2006/relationships" xmlns:p="http://schemas.openxmlformats.org/presentationml/2006/main" showMasterSp="0" showMasterPhAnim="0">
   <p:cSld>
     <p:spTree>
       <p:nvGrpSpPr>
-        <p:cNvPr id="1" name="Shape 249"/>
+        <p:cNvPr id="1" name="Shape 221"/>
         <p:cNvGrpSpPr/>
         <p:nvPr/>
       </p:nvGrpSpPr>
@@ -2629,7 +3204,7 @@
       </p:grpSpPr>
       <p:sp>
         <p:nvSpPr>
-          <p:cNvPr id="250" name="Google Shape;250;p13:notes"/>
+          <p:cNvPr id="222" name="Google Shape;222;p10:notes"/>
           <p:cNvSpPr txBox="1">
             <a:spLocks noGrp="1"/>
           </p:cNvSpPr>
@@ -2667,7 +3242,7 @@
       </p:sp>
       <p:sp>
         <p:nvSpPr>
-          <p:cNvPr id="251" name="Google Shape;251;p13:notes"/>
+          <p:cNvPr id="223" name="Google Shape;223;p10:notes"/>
           <p:cNvSpPr>
             <a:spLocks noGrp="1" noRot="1" noChangeAspect="1"/>
           </p:cNvSpPr>
@@ -2709,116 +3284,7 @@
     </p:spTree>
     <p:extLst>
       <p:ext uri="{BB962C8B-B14F-4D97-AF65-F5344CB8AC3E}">
-        <p14:creationId xmlns:p14="http://schemas.microsoft.com/office/powerpoint/2010/main" val="1608433645"/>
-      </p:ext>
-    </p:extLst>
-  </p:cSld>
-  <p:clrMapOvr>
-    <a:masterClrMapping/>
-  </p:clrMapOvr>
-</p:notes>
-</file>
-
-<file path=ppt/notesSlides/notesSlide9.xml><?xml version="1.0" encoding="utf-8"?>
-<p:notes xmlns:a="http://schemas.openxmlformats.org/drawingml/2006/main" xmlns:r="http://schemas.openxmlformats.org/officeDocument/2006/relationships" xmlns:p="http://schemas.openxmlformats.org/presentationml/2006/main" showMasterSp="0" showMasterPhAnim="0">
-  <p:cSld>
-    <p:spTree>
-      <p:nvGrpSpPr>
-        <p:cNvPr id="1" name="Shape 267"/>
-        <p:cNvGrpSpPr/>
-        <p:nvPr/>
-      </p:nvGrpSpPr>
-      <p:grpSpPr>
-        <a:xfrm>
-          <a:off x="0" y="0"/>
-          <a:ext cx="0" cy="0"/>
-          <a:chOff x="0" y="0"/>
-          <a:chExt cx="0" cy="0"/>
-        </a:xfrm>
-      </p:grpSpPr>
-      <p:sp>
-        <p:nvSpPr>
-          <p:cNvPr id="268" name="Google Shape;268;p15:notes"/>
-          <p:cNvSpPr txBox="1">
-            <a:spLocks noGrp="1"/>
-          </p:cNvSpPr>
-          <p:nvPr>
-            <p:ph type="body" idx="1"/>
-          </p:nvPr>
-        </p:nvSpPr>
-        <p:spPr>
-          <a:xfrm>
-            <a:off x="933450" y="4367213"/>
-            <a:ext cx="5130800" cy="4137025"/>
-          </a:xfrm>
-          <a:prstGeom prst="rect">
-            <a:avLst/>
-          </a:prstGeom>
-        </p:spPr>
-        <p:txBody>
-          <a:bodyPr spcFirstLastPara="1" wrap="square" lIns="92900" tIns="45725" rIns="92900" bIns="45725" anchor="t" anchorCtr="0">
-            <a:noAutofit/>
-          </a:bodyPr>
-          <a:lstStyle/>
-          <a:p>
-            <a:pPr marL="0" lvl="0" indent="0" algn="l" rtl="0">
-              <a:spcBef>
-                <a:spcPts val="480"/>
-              </a:spcBef>
-              <a:spcAft>
-                <a:spcPts val="0"/>
-              </a:spcAft>
-              <a:buNone/>
-            </a:pPr>
-            <a:endParaRPr/>
-          </a:p>
-        </p:txBody>
-      </p:sp>
-      <p:sp>
-        <p:nvSpPr>
-          <p:cNvPr id="269" name="Google Shape;269;p15:notes"/>
-          <p:cNvSpPr>
-            <a:spLocks noGrp="1" noRot="1" noChangeAspect="1"/>
-          </p:cNvSpPr>
-          <p:nvPr>
-            <p:ph type="sldImg" idx="2"/>
-          </p:nvPr>
-        </p:nvSpPr>
-        <p:spPr>
-          <a:xfrm>
-            <a:off x="777875" y="882650"/>
-            <a:ext cx="5441950" cy="3062288"/>
-          </a:xfrm>
-          <a:custGeom>
-            <a:avLst/>
-            <a:gdLst/>
-            <a:ahLst/>
-            <a:cxnLst/>
-            <a:rect l="l" t="t" r="r" b="b"/>
-            <a:pathLst>
-              <a:path w="120000" h="120000" extrusionOk="0">
-                <a:moveTo>
-                  <a:pt x="0" y="0"/>
-                </a:moveTo>
-                <a:lnTo>
-                  <a:pt x="120000" y="0"/>
-                </a:lnTo>
-                <a:lnTo>
-                  <a:pt x="120000" y="120000"/>
-                </a:lnTo>
-                <a:lnTo>
-                  <a:pt x="0" y="120000"/>
-                </a:lnTo>
-                <a:close/>
-              </a:path>
-            </a:pathLst>
-          </a:custGeom>
-        </p:spPr>
-      </p:sp>
-    </p:spTree>
-    <p:extLst>
-      <p:ext uri="{BB962C8B-B14F-4D97-AF65-F5344CB8AC3E}">
-        <p14:creationId xmlns:p14="http://schemas.microsoft.com/office/powerpoint/2010/main" val="1879068684"/>
+        <p14:creationId xmlns:p14="http://schemas.microsoft.com/office/powerpoint/2010/main" val="2430949068"/>
       </p:ext>
     </p:extLst>
   </p:cSld>
@@ -2872,7 +3338,7 @@
           </a:ln>
           <a:extLst>
             <a:ext uri="{909E8E84-426E-40dd-AFC4-6F175D3DCCD1}">
-              <a14:hiddenFill xmlns="" xmlns:a14="http://schemas.microsoft.com/office/drawing/2010/main">
+              <a14:hiddenFill xmlns:a14="http://schemas.microsoft.com/office/drawing/2010/main" xmlns="">
                 <a:noFill/>
               </a14:hiddenFill>
             </a:ext>
@@ -2913,14 +3379,14 @@
           </a:ln>
           <a:extLst>
             <a:ext uri="{909E8E84-426E-40dd-AFC4-6F175D3DCCD1}">
-              <a14:hiddenFill xmlns="" xmlns:a14="http://schemas.microsoft.com/office/drawing/2010/main">
+              <a14:hiddenFill xmlns:a14="http://schemas.microsoft.com/office/drawing/2010/main" xmlns="">
                 <a:solidFill>
                   <a:srgbClr val="FFFFFF"/>
                 </a:solidFill>
               </a14:hiddenFill>
             </a:ext>
             <a:ext uri="{91240B29-F687-4f45-9708-019B960494DF}">
-              <a14:hiddenLine xmlns="" xmlns:a14="http://schemas.microsoft.com/office/drawing/2010/main" w="9525">
+              <a14:hiddenLine xmlns:a14="http://schemas.microsoft.com/office/drawing/2010/main" xmlns="" w="9525">
                 <a:solidFill>
                   <a:srgbClr val="000000"/>
                 </a:solidFill>
@@ -2952,7 +3418,9 @@
           <a:bodyPr/>
           <a:lstStyle>
             <a:lvl1pPr algn="ctr">
-              <a:defRPr sz="2700"/>
+              <a:defRPr sz="3200" b="0" i="0">
+                <a:latin typeface="FreightMicro Pro Medium" panose="02000603020000020004" pitchFamily="2" charset="0"/>
+              </a:defRPr>
             </a:lvl1pPr>
           </a:lstStyle>
           <a:p>
@@ -3024,14 +3492,14 @@
           </a:ln>
           <a:extLst>
             <a:ext uri="{909E8E84-426E-40dd-AFC4-6F175D3DCCD1}">
-              <a14:hiddenFill xmlns="" xmlns:a14="http://schemas.microsoft.com/office/drawing/2010/main">
+              <a14:hiddenFill xmlns:a14="http://schemas.microsoft.com/office/drawing/2010/main" xmlns="">
                 <a:solidFill>
                   <a:srgbClr val="FFFFFF"/>
                 </a:solidFill>
               </a14:hiddenFill>
             </a:ext>
             <a:ext uri="{91240B29-F687-4f45-9708-019B960494DF}">
-              <a14:hiddenLine xmlns="" xmlns:a14="http://schemas.microsoft.com/office/drawing/2010/main" w="9525">
+              <a14:hiddenLine xmlns:a14="http://schemas.microsoft.com/office/drawing/2010/main" xmlns="" w="9525">
                 <a:solidFill>
                   <a:srgbClr val="000000"/>
                 </a:solidFill>
@@ -3041,7 +3509,7 @@
               </a14:hiddenLine>
             </a:ext>
             <a:ext uri="{FAA26D3D-D897-4be2-8F04-BA451C77F1D7}">
-              <ma14:placeholderFlag xmlns="" xmlns:ma14="http://schemas.microsoft.com/office/mac/drawingml/2011/main" val="1"/>
+              <ma14:placeholderFlag xmlns:ma14="http://schemas.microsoft.com/office/mac/drawingml/2011/main" xmlns="" val="1"/>
             </a:ext>
           </a:extLst>
         </p:spPr>
@@ -3218,7 +3686,9 @@
           </a:lstStyle>
           <a:p>
             <a:r>
-              <a:rPr lang="en-US" sz="2550" kern="0" dirty="0"/>
+              <a:rPr lang="en-US" sz="3200" b="0" i="0" kern="0" dirty="0">
+                <a:latin typeface="FreightMicro Pro Book" panose="02000603020000020004" pitchFamily="2" charset="0"/>
+              </a:rPr>
               <a:t>Computational Structures in Data Science</a:t>
             </a:r>
           </a:p>
@@ -3379,14 +3849,14 @@
           </a:ln>
           <a:extLst>
             <a:ext uri="{909E8E84-426E-40dd-AFC4-6F175D3DCCD1}">
-              <a14:hiddenFill xmlns="" xmlns:a14="http://schemas.microsoft.com/office/drawing/2010/main">
+              <a14:hiddenFill xmlns:a14="http://schemas.microsoft.com/office/drawing/2010/main" xmlns="">
                 <a:solidFill>
                   <a:srgbClr val="FFFFFF"/>
                 </a:solidFill>
               </a14:hiddenFill>
             </a:ext>
             <a:ext uri="{91240B29-F687-4f45-9708-019B960494DF}">
-              <a14:hiddenLine xmlns="" xmlns:a14="http://schemas.microsoft.com/office/drawing/2010/main" w="9525">
+              <a14:hiddenLine xmlns:a14="http://schemas.microsoft.com/office/drawing/2010/main" xmlns="" w="9525">
                 <a:solidFill>
                   <a:srgbClr val="000000"/>
                 </a:solidFill>
@@ -3396,7 +3866,7 @@
               </a14:hiddenLine>
             </a:ext>
             <a:ext uri="{FAA26D3D-D897-4be2-8F04-BA451C77F1D7}">
-              <ma14:placeholderFlag xmlns="" xmlns:ma14="http://schemas.microsoft.com/office/mac/drawingml/2011/main" val="1"/>
+              <ma14:placeholderFlag xmlns:ma14="http://schemas.microsoft.com/office/mac/drawingml/2011/main" xmlns="" val="1"/>
             </a:ext>
           </a:extLst>
         </p:spPr>
@@ -5541,14 +6011,14 @@
           </a:ln>
           <a:extLst>
             <a:ext uri="{909E8E84-426E-40dd-AFC4-6F175D3DCCD1}">
-              <a14:hiddenFill xmlns="" xmlns:a14="http://schemas.microsoft.com/office/drawing/2010/main">
+              <a14:hiddenFill xmlns:a14="http://schemas.microsoft.com/office/drawing/2010/main" xmlns="">
                 <a:solidFill>
                   <a:srgbClr val="FFFFFF"/>
                 </a:solidFill>
               </a14:hiddenFill>
             </a:ext>
             <a:ext uri="{91240B29-F687-4f45-9708-019B960494DF}">
-              <a14:hiddenLine xmlns="" xmlns:a14="http://schemas.microsoft.com/office/drawing/2010/main" w="9525">
+              <a14:hiddenLine xmlns:a14="http://schemas.microsoft.com/office/drawing/2010/main" xmlns="" w="9525">
                 <a:solidFill>
                   <a:srgbClr val="000000"/>
                 </a:solidFill>
@@ -5558,7 +6028,7 @@
               </a14:hiddenLine>
             </a:ext>
             <a:ext uri="{FAA26D3D-D897-4be2-8F04-BA451C77F1D7}">
-              <ma14:placeholderFlag xmlns="" xmlns:ma14="http://schemas.microsoft.com/office/mac/drawingml/2011/main" val="1"/>
+              <ma14:placeholderFlag xmlns:ma14="http://schemas.microsoft.com/office/mac/drawingml/2011/main" xmlns="" val="1"/>
             </a:ext>
           </a:extLst>
         </p:spPr>
@@ -5602,14 +6072,14 @@
           </a:ln>
           <a:extLst>
             <a:ext uri="{909E8E84-426E-40dd-AFC4-6F175D3DCCD1}">
-              <a14:hiddenFill xmlns="" xmlns:a14="http://schemas.microsoft.com/office/drawing/2010/main">
+              <a14:hiddenFill xmlns:a14="http://schemas.microsoft.com/office/drawing/2010/main" xmlns="">
                 <a:solidFill>
                   <a:srgbClr val="FFFFFF"/>
                 </a:solidFill>
               </a14:hiddenFill>
             </a:ext>
             <a:ext uri="{91240B29-F687-4f45-9708-019B960494DF}">
-              <a14:hiddenLine xmlns="" xmlns:a14="http://schemas.microsoft.com/office/drawing/2010/main" w="9525">
+              <a14:hiddenLine xmlns:a14="http://schemas.microsoft.com/office/drawing/2010/main" xmlns="" w="9525">
                 <a:solidFill>
                   <a:srgbClr val="000000"/>
                 </a:solidFill>
@@ -5619,7 +6089,7 @@
               </a14:hiddenLine>
             </a:ext>
             <a:ext uri="{FAA26D3D-D897-4be2-8F04-BA451C77F1D7}">
-              <ma14:placeholderFlag xmlns="" xmlns:ma14="http://schemas.microsoft.com/office/mac/drawingml/2011/main" val="1"/>
+              <ma14:placeholderFlag xmlns:ma14="http://schemas.microsoft.com/office/mac/drawingml/2011/main" xmlns="" val="1"/>
             </a:ext>
           </a:extLst>
         </p:spPr>
@@ -5724,7 +6194,7 @@
           </a:ln>
           <a:extLst>
             <a:ext uri="{909E8E84-426E-40dd-AFC4-6F175D3DCCD1}">
-              <a14:hiddenFill xmlns="" xmlns:a14="http://schemas.microsoft.com/office/drawing/2010/main">
+              <a14:hiddenFill xmlns:a14="http://schemas.microsoft.com/office/drawing/2010/main" xmlns="">
                 <a:noFill/>
               </a14:hiddenFill>
             </a:ext>
@@ -5765,14 +6235,14 @@
           </a:ln>
           <a:extLst>
             <a:ext uri="{909E8E84-426E-40dd-AFC4-6F175D3DCCD1}">
-              <a14:hiddenFill xmlns="" xmlns:a14="http://schemas.microsoft.com/office/drawing/2010/main">
+              <a14:hiddenFill xmlns:a14="http://schemas.microsoft.com/office/drawing/2010/main" xmlns="">
                 <a:solidFill>
                   <a:srgbClr val="FFFFFF"/>
                 </a:solidFill>
               </a14:hiddenFill>
             </a:ext>
             <a:ext uri="{91240B29-F687-4f45-9708-019B960494DF}">
-              <a14:hiddenLine xmlns="" xmlns:a14="http://schemas.microsoft.com/office/drawing/2010/main" w="9525">
+              <a14:hiddenLine xmlns:a14="http://schemas.microsoft.com/office/drawing/2010/main" xmlns="" w="9525">
                 <a:solidFill>
                   <a:srgbClr val="000000"/>
                 </a:solidFill>
@@ -5812,14 +6282,14 @@
           </a:ln>
           <a:extLst>
             <a:ext uri="{909E8E84-426E-40dd-AFC4-6F175D3DCCD1}">
-              <a14:hiddenFill xmlns="" xmlns:a14="http://schemas.microsoft.com/office/drawing/2010/main">
+              <a14:hiddenFill xmlns:a14="http://schemas.microsoft.com/office/drawing/2010/main" xmlns="">
                 <a:solidFill>
                   <a:srgbClr val="FFFFFF"/>
                 </a:solidFill>
               </a14:hiddenFill>
             </a:ext>
             <a:ext uri="{91240B29-F687-4f45-9708-019B960494DF}">
-              <a14:hiddenLine xmlns="" xmlns:a14="http://schemas.microsoft.com/office/drawing/2010/main" w="9525">
+              <a14:hiddenLine xmlns:a14="http://schemas.microsoft.com/office/drawing/2010/main" xmlns="" w="9525">
                 <a:solidFill>
                   <a:srgbClr val="000000"/>
                 </a:solidFill>
@@ -5829,7 +6299,7 @@
               </a14:hiddenLine>
             </a:ext>
             <a:ext uri="{FAA26D3D-D897-4be2-8F04-BA451C77F1D7}">
-              <ma14:placeholderFlag xmlns="" xmlns:ma14="http://schemas.microsoft.com/office/mac/drawingml/2011/main" val="1"/>
+              <ma14:placeholderFlag xmlns:ma14="http://schemas.microsoft.com/office/mac/drawingml/2011/main" xmlns="" val="1"/>
             </a:ext>
           </a:extLst>
         </p:spPr>
@@ -6050,7 +6520,7 @@
         <a:spcAft>
           <a:spcPct val="0"/>
         </a:spcAft>
-        <a:defRPr sz="2250" b="1" i="0">
+        <a:defRPr sz="3200" b="1" i="0">
           <a:solidFill>
             <a:srgbClr val="0332B7"/>
           </a:solidFill>
@@ -6606,7 +7076,7 @@
           <p:cNvPr id="2" name="Title 1">
             <a:extLst>
               <a:ext uri="{FF2B5EF4-FFF2-40B4-BE49-F238E27FC236}">
-                <a16:creationId xmlns:a16="http://schemas.microsoft.com/office/drawing/2014/main" id="{7A78381D-6DD1-4A45-9E72-DF099B5C7D05}"/>
+                <a16:creationId xmlns:a16="http://schemas.microsoft.com/office/drawing/2014/main" id="{36B6195A-9A97-B04A-B6C0-EF95068317AB}"/>
               </a:ext>
             </a:extLst>
           </p:cNvPr>
@@ -6623,170 +7093,161 @@
           <a:lstStyle/>
           <a:p>
             <a:r>
-              <a:rPr lang="en-US" dirty="0"/>
-              <a:t>A Small ADT</a:t>
-            </a:r>
-          </a:p>
-        </p:txBody>
-      </p:sp>
-      <p:sp>
-        <p:nvSpPr>
-          <p:cNvPr id="5" name="TextBox 4">
+              <a:rPr lang="en-US" sz="3600" dirty="0"/>
+              <a:t>Creating Abstractions</a:t>
+            </a:r>
+          </a:p>
+        </p:txBody>
+      </p:sp>
+      <p:sp>
+        <p:nvSpPr>
+          <p:cNvPr id="3" name="Text Placeholder 2">
             <a:extLst>
               <a:ext uri="{FF2B5EF4-FFF2-40B4-BE49-F238E27FC236}">
-                <a16:creationId xmlns:a16="http://schemas.microsoft.com/office/drawing/2014/main" id="{62B2C8B6-DA92-764A-A377-DC59659607D9}"/>
+                <a16:creationId xmlns:a16="http://schemas.microsoft.com/office/drawing/2014/main" id="{8D8B326C-C421-E14D-8661-C40157E05458}"/>
               </a:ext>
             </a:extLst>
           </p:cNvPr>
-          <p:cNvSpPr txBox="1"/>
-          <p:nvPr/>
+          <p:cNvSpPr>
+            <a:spLocks noGrp="1"/>
+          </p:cNvSpPr>
+          <p:nvPr>
+            <p:ph idx="1"/>
+          </p:nvPr>
+        </p:nvSpPr>
+        <p:spPr/>
+        <p:txBody>
+          <a:bodyPr/>
+          <a:lstStyle/>
+          <a:p>
+            <a:r>
+              <a:rPr lang="en-US" dirty="0"/>
+              <a:t>Compound values combine other values together</a:t>
+            </a:r>
+          </a:p>
+          <a:p>
+            <a:pPr lvl="1"/>
+            <a:r>
+              <a:rPr lang="en-US" dirty="0"/>
+              <a:t>date: a year, a month, and a day</a:t>
+            </a:r>
+          </a:p>
+          <a:p>
+            <a:pPr lvl="1"/>
+            <a:r>
+              <a:rPr lang="en-US" dirty="0"/>
+              <a:t>geographic position: latitude and longitude</a:t>
+            </a:r>
+          </a:p>
+          <a:p>
+            <a:pPr lvl="1"/>
+            <a:r>
+              <a:rPr lang="en-US" dirty="0"/>
+              <a:t>a game board</a:t>
+            </a:r>
+          </a:p>
+          <a:p>
+            <a:endParaRPr lang="en-US" dirty="0"/>
+          </a:p>
+          <a:p>
+            <a:r>
+              <a:rPr lang="en-US" dirty="0"/>
+              <a:t>Data abstraction lets us manipulate compound values as units</a:t>
+            </a:r>
+          </a:p>
+          <a:p>
+            <a:r>
+              <a:rPr lang="en-US" dirty="0"/>
+              <a:t>Isolate two parts of any program that uses data: </a:t>
+            </a:r>
+          </a:p>
+          <a:p>
+            <a:pPr lvl="1"/>
+            <a:r>
+              <a:rPr lang="en-US" dirty="0"/>
+              <a:t>How data are represented (as parts) </a:t>
+            </a:r>
+          </a:p>
+          <a:p>
+            <a:pPr lvl="1"/>
+            <a:r>
+              <a:rPr lang="en-US" dirty="0"/>
+              <a:t>How data are manipulated (as units) </a:t>
+            </a:r>
+          </a:p>
+          <a:p>
+            <a:r>
+              <a:rPr lang="en-US" dirty="0"/>
+              <a:t>Data abstraction: A methodology by which functions enforce an abstraction barrier between </a:t>
+            </a:r>
+            <a:r>
+              <a:rPr lang="en-US" i="1" dirty="0"/>
+              <a:t>representation </a:t>
+            </a:r>
+            <a:r>
+              <a:rPr lang="en-US" dirty="0"/>
+              <a:t>and </a:t>
+            </a:r>
+            <a:r>
+              <a:rPr lang="en-US" i="1" dirty="0"/>
+              <a:t>use </a:t>
+            </a:r>
+            <a:endParaRPr lang="en-US" dirty="0"/>
+          </a:p>
+          <a:p>
+            <a:endParaRPr lang="en-US" dirty="0"/>
+          </a:p>
+          <a:p>
+            <a:endParaRPr lang="en-US" dirty="0"/>
+          </a:p>
+          <a:p>
+            <a:endParaRPr lang="en-US" dirty="0"/>
+          </a:p>
+        </p:txBody>
+      </p:sp>
+      <p:sp>
+        <p:nvSpPr>
+          <p:cNvPr id="4" name="Slide Number Placeholder 3">
+            <a:extLst>
+              <a:ext uri="{FF2B5EF4-FFF2-40B4-BE49-F238E27FC236}">
+                <a16:creationId xmlns:a16="http://schemas.microsoft.com/office/drawing/2014/main" id="{377A9749-0C88-F74C-9292-4AF2DE3A97E5}"/>
+              </a:ext>
+            </a:extLst>
+          </p:cNvPr>
+          <p:cNvSpPr>
+            <a:spLocks noGrp="1"/>
+          </p:cNvSpPr>
+          <p:nvPr>
+            <p:ph type="sldNum" idx="4294967295"/>
+          </p:nvPr>
         </p:nvSpPr>
         <p:spPr>
           <a:xfrm>
-            <a:off x="1715387" y="1073289"/>
-            <a:ext cx="8761227" cy="4832092"/>
+            <a:off x="10134600" y="6553200"/>
+            <a:ext cx="533400" cy="304800"/>
           </a:xfrm>
           <a:prstGeom prst="rect">
             <a:avLst/>
           </a:prstGeom>
-          <a:noFill/>
-        </p:spPr>
-        <p:txBody>
-          <a:bodyPr wrap="square" rtlCol="0">
-            <a:spAutoFit/>
-          </a:bodyPr>
+        </p:spPr>
+        <p:txBody>
+          <a:bodyPr/>
           <a:lstStyle/>
           <a:p>
-            <a:r>
-              <a:rPr lang="en-US" sz="2200" dirty="0">
-                <a:latin typeface="Source Code Pro" panose="020B0509030403020204" pitchFamily="49" charset="77"/>
-              </a:rPr>
-              <a:t>def point(x, y): # constructor</a:t>
-            </a:r>
-          </a:p>
-          <a:p>
-            <a:r>
-              <a:rPr lang="en-US" sz="2200" dirty="0">
-                <a:latin typeface="Source Code Pro" panose="020B0509030403020204" pitchFamily="49" charset="77"/>
-              </a:rPr>
-              <a:t>	return [x, y]</a:t>
-            </a:r>
-            <a:br>
-              <a:rPr lang="en-US" sz="2200" dirty="0">
-                <a:latin typeface="Source Code Pro" panose="020B0509030403020204" pitchFamily="49" charset="77"/>
-              </a:rPr>
-            </a:br>
-            <a:br>
-              <a:rPr lang="en-US" sz="2200" dirty="0">
-                <a:latin typeface="Source Code Pro" panose="020B0509030403020204" pitchFamily="49" charset="77"/>
-              </a:rPr>
-            </a:br>
-            <a:r>
-              <a:rPr lang="en-US" sz="2200" dirty="0">
-                <a:latin typeface="Source Code Pro" panose="020B0509030403020204" pitchFamily="49" charset="77"/>
-              </a:rPr>
-              <a:t>x = lambda point: point[0] # selector</a:t>
-            </a:r>
-          </a:p>
-          <a:p>
-            <a:r>
-              <a:rPr lang="en-US" sz="2200" dirty="0">
-                <a:latin typeface="Source Code Pro" panose="020B0509030403020204" pitchFamily="49" charset="77"/>
-              </a:rPr>
-              <a:t>y = lambda point: point[1]</a:t>
-            </a:r>
-          </a:p>
-          <a:p>
-            <a:r>
-              <a:rPr lang="en-US" sz="2200" dirty="0">
-                <a:latin typeface="Source Code Pro" panose="020B0509030403020204" pitchFamily="49" charset="77"/>
-              </a:rPr>
-              <a:t> </a:t>
-            </a:r>
-          </a:p>
-          <a:p>
-            <a:r>
-              <a:rPr lang="en-US" sz="2200" dirty="0">
-                <a:latin typeface="Source Code Pro" panose="020B0509030403020204" pitchFamily="49" charset="77"/>
-              </a:rPr>
-              <a:t>def distance(p1, p2): # Operator</a:t>
-            </a:r>
-          </a:p>
-          <a:p>
-            <a:r>
-              <a:rPr lang="en-US" sz="2200" dirty="0">
-                <a:latin typeface="Source Code Pro" panose="020B0509030403020204" pitchFamily="49" charset="77"/>
-              </a:rPr>
-              <a:t>	return ((x(p2) - x(p1)**2 + (y(p2) - y(p1))**2) ** 0.5</a:t>
-            </a:r>
-          </a:p>
-          <a:p>
-            <a:endParaRPr lang="en-US" sz="2200" dirty="0">
-              <a:latin typeface="Source Code Pro" panose="020B0509030403020204" pitchFamily="49" charset="77"/>
-            </a:endParaRPr>
-          </a:p>
-          <a:p>
-            <a:r>
-              <a:rPr lang="en-US" sz="2200" dirty="0">
-                <a:latin typeface="Source Code Pro" panose="020B0509030403020204" pitchFamily="49" charset="77"/>
-              </a:rPr>
-              <a:t>origin = point(0, 0)</a:t>
-            </a:r>
-          </a:p>
-          <a:p>
-            <a:r>
-              <a:rPr lang="en-US" sz="2200" dirty="0" err="1">
-                <a:latin typeface="Source Code Pro" panose="020B0509030403020204" pitchFamily="49" charset="77"/>
-              </a:rPr>
-              <a:t>my_house</a:t>
-            </a:r>
-            <a:r>
-              <a:rPr lang="en-US" sz="2200" dirty="0">
-                <a:latin typeface="Source Code Pro" panose="020B0509030403020204" pitchFamily="49" charset="77"/>
-              </a:rPr>
-              <a:t> = point(5, 5)</a:t>
-            </a:r>
-          </a:p>
-          <a:p>
-            <a:r>
-              <a:rPr lang="en-US" sz="2200" dirty="0">
-                <a:latin typeface="Source Code Pro" panose="020B0509030403020204" pitchFamily="49" charset="77"/>
-              </a:rPr>
-              <a:t>campus = point(25, 25)</a:t>
-            </a:r>
-          </a:p>
-          <a:p>
-            <a:r>
-              <a:rPr lang="en-US" sz="2200" dirty="0" err="1">
-                <a:latin typeface="Source Code Pro" panose="020B0509030403020204" pitchFamily="49" charset="77"/>
-              </a:rPr>
-              <a:t>distance_to_campus</a:t>
-            </a:r>
-            <a:r>
-              <a:rPr lang="en-US" sz="2200" dirty="0">
-                <a:latin typeface="Source Code Pro" panose="020B0509030403020204" pitchFamily="49" charset="77"/>
-              </a:rPr>
-              <a:t> = distance(</a:t>
-            </a:r>
-            <a:r>
-              <a:rPr lang="en-US" sz="2200" dirty="0" err="1">
-                <a:latin typeface="Source Code Pro" panose="020B0509030403020204" pitchFamily="49" charset="77"/>
-              </a:rPr>
-              <a:t>my_house</a:t>
-            </a:r>
-            <a:r>
-              <a:rPr lang="en-US" sz="2200" dirty="0">
-                <a:latin typeface="Source Code Pro" panose="020B0509030403020204" pitchFamily="49" charset="77"/>
-              </a:rPr>
-              <a:t>, campus)</a:t>
-            </a:r>
+            <a:pPr algn="r"/>
+            <a:fld id="{00000000-1234-1234-1234-123412341234}" type="slidenum">
+              <a:rPr lang="en-US" smtClean="0"/>
+              <a:pPr algn="r"/>
+              <a:t>10</a:t>
+            </a:fld>
+            <a:endParaRPr lang="en-US" b="0"/>
           </a:p>
         </p:txBody>
       </p:sp>
     </p:spTree>
     <p:extLst>
       <p:ext uri="{BB962C8B-B14F-4D97-AF65-F5344CB8AC3E}">
-        <p14:creationId xmlns:p14="http://schemas.microsoft.com/office/powerpoint/2010/main" val="285134741"/>
+        <p14:creationId xmlns:p14="http://schemas.microsoft.com/office/powerpoint/2010/main" val="1016480092"/>
       </p:ext>
     </p:extLst>
   </p:cSld>
@@ -6797,214 +7258,6 @@
 </file>
 
 <file path=ppt/slides/slide11.xml><?xml version="1.0" encoding="utf-8"?>
-<p:sld xmlns:a="http://schemas.openxmlformats.org/drawingml/2006/main" xmlns:r="http://schemas.openxmlformats.org/officeDocument/2006/relationships" xmlns:p="http://schemas.openxmlformats.org/presentationml/2006/main">
-  <p:cSld>
-    <p:spTree>
-      <p:nvGrpSpPr>
-        <p:cNvPr id="1" name="Shape 387"/>
-        <p:cNvGrpSpPr/>
-        <p:nvPr/>
-      </p:nvGrpSpPr>
-      <p:grpSpPr>
-        <a:xfrm>
-          <a:off x="0" y="0"/>
-          <a:ext cx="0" cy="0"/>
-          <a:chOff x="0" y="0"/>
-          <a:chExt cx="0" cy="0"/>
-        </a:xfrm>
-      </p:grpSpPr>
-      <p:sp>
-        <p:nvSpPr>
-          <p:cNvPr id="388" name="Google Shape;388;p37"/>
-          <p:cNvSpPr txBox="1">
-            <a:spLocks noGrp="1"/>
-          </p:cNvSpPr>
-          <p:nvPr>
-            <p:ph type="title"/>
-          </p:nvPr>
-        </p:nvSpPr>
-        <p:spPr>
-          <a:xfrm>
-            <a:off x="533400" y="228600"/>
-            <a:ext cx="10210800" cy="736600"/>
-          </a:xfrm>
-          <a:noFill/>
-          <a:ln>
-            <a:noFill/>
-          </a:ln>
-        </p:spPr>
-        <p:txBody>
-          <a:bodyPr spcFirstLastPara="1" vert="horz" wrap="square" lIns="92075" tIns="46025" rIns="92075" bIns="46025" numCol="1" anchor="ctr" anchorCtr="0" compatLnSpc="1">
-            <a:prstTxWarp prst="textNoShape">
-              <a:avLst/>
-            </a:prstTxWarp>
-            <a:noAutofit/>
-          </a:bodyPr>
-          <a:lstStyle/>
-          <a:p>
-            <a:r>
-              <a:rPr lang="en-US">
-                <a:sym typeface="Arial"/>
-              </a:rPr>
-              <a:t>Creating an Abtract Data Type</a:t>
-            </a:r>
-            <a:endParaRPr lang="en-US"/>
-          </a:p>
-        </p:txBody>
-      </p:sp>
-      <p:sp>
-        <p:nvSpPr>
-          <p:cNvPr id="389" name="Google Shape;389;p37"/>
-          <p:cNvSpPr txBox="1">
-            <a:spLocks noGrp="1"/>
-          </p:cNvSpPr>
-          <p:nvPr>
-            <p:ph idx="1"/>
-          </p:nvPr>
-        </p:nvSpPr>
-        <p:spPr>
-          <a:xfrm>
-            <a:off x="533400" y="1066800"/>
-            <a:ext cx="11125200" cy="5257800"/>
-          </a:xfrm>
-          <a:noFill/>
-          <a:ln>
-            <a:noFill/>
-          </a:ln>
-        </p:spPr>
-        <p:txBody>
-          <a:bodyPr spcFirstLastPara="1" vert="horz" wrap="square" lIns="92075" tIns="46025" rIns="92075" bIns="46025" numCol="1" anchor="t" anchorCtr="0" compatLnSpc="1">
-            <a:prstTxWarp prst="textNoShape">
-              <a:avLst/>
-            </a:prstTxWarp>
-            <a:noAutofit/>
-          </a:bodyPr>
-          <a:lstStyle/>
-          <a:p>
-            <a:r>
-              <a:rPr lang="en-US" sz="2400" dirty="0">
-                <a:sym typeface="Arial"/>
-              </a:rPr>
-              <a:t>Constructors &amp; Selectors</a:t>
-            </a:r>
-            <a:endParaRPr lang="en-US" sz="2400" dirty="0"/>
-          </a:p>
-          <a:p>
-            <a:r>
-              <a:rPr lang="en-US" sz="2400" dirty="0">
-                <a:sym typeface="Arial"/>
-              </a:rPr>
-              <a:t>Operations</a:t>
-            </a:r>
-            <a:endParaRPr lang="en-US" sz="2400" dirty="0"/>
-          </a:p>
-          <a:p>
-            <a:pPr lvl="1"/>
-            <a:r>
-              <a:rPr lang="en-US" sz="2000" dirty="0">
-                <a:sym typeface="Arial"/>
-              </a:rPr>
-              <a:t>Express the behavior of objects, invariants, </a:t>
-            </a:r>
-            <a:r>
-              <a:rPr lang="en-US" sz="2000" dirty="0" err="1">
-                <a:sym typeface="Arial"/>
-              </a:rPr>
-              <a:t>etc</a:t>
-            </a:r>
-            <a:endParaRPr lang="en-US" sz="2000" dirty="0">
-              <a:sym typeface="Arial"/>
-            </a:endParaRPr>
-          </a:p>
-          <a:p>
-            <a:pPr lvl="1"/>
-            <a:r>
-              <a:rPr lang="en-US" sz="2000" dirty="0">
-                <a:sym typeface="Arial"/>
-              </a:rPr>
-              <a:t>Implemented (abstractly) in terms of Constructors and Selectors for the object</a:t>
-            </a:r>
-            <a:endParaRPr lang="en-US" sz="2000" dirty="0"/>
-          </a:p>
-          <a:p>
-            <a:r>
-              <a:rPr lang="en-US" sz="2400" dirty="0">
-                <a:sym typeface="Arial"/>
-              </a:rPr>
-              <a:t>Representation</a:t>
-            </a:r>
-            <a:endParaRPr lang="en-US" sz="2400" dirty="0"/>
-          </a:p>
-          <a:p>
-            <a:pPr lvl="1"/>
-            <a:r>
-              <a:rPr lang="en-US" sz="2000" dirty="0">
-                <a:sym typeface="Arial"/>
-              </a:rPr>
-              <a:t>Implement the structure of the object </a:t>
-            </a:r>
-            <a:endParaRPr lang="en-US" sz="2000" dirty="0"/>
-          </a:p>
-          <a:p>
-            <a:pPr lvl="1"/>
-            <a:endParaRPr lang="en-US" sz="2000" dirty="0">
-              <a:sym typeface="Arial"/>
-            </a:endParaRPr>
-          </a:p>
-          <a:p>
-            <a:r>
-              <a:rPr lang="en-US" sz="2400" dirty="0">
-                <a:sym typeface="Arial"/>
-              </a:rPr>
-              <a:t>An abstraction barrier violation occurs when a part of the program that can use the higher level functions uses lower level ones instead</a:t>
-            </a:r>
-            <a:endParaRPr lang="en-US" sz="2400" dirty="0"/>
-          </a:p>
-          <a:p>
-            <a:pPr lvl="1"/>
-            <a:r>
-              <a:rPr lang="en-US" sz="2000" dirty="0">
-                <a:sym typeface="Arial"/>
-              </a:rPr>
-              <a:t>At either layer of abstraction</a:t>
-            </a:r>
-            <a:endParaRPr lang="en-US" sz="2000" dirty="0"/>
-          </a:p>
-          <a:p>
-            <a:r>
-              <a:rPr lang="en-US" sz="2400" dirty="0">
-                <a:sym typeface="Arial"/>
-              </a:rPr>
-              <a:t>Abstraction barriers make programs easier to get right, maintain, and modify</a:t>
-            </a:r>
-            <a:endParaRPr lang="en-US" sz="2400" dirty="0"/>
-          </a:p>
-          <a:p>
-            <a:pPr lvl="1"/>
-            <a:r>
-              <a:rPr lang="en-US" sz="2000" dirty="0">
-                <a:sym typeface="Arial"/>
-              </a:rPr>
-              <a:t>Few changes when representation changes</a:t>
-            </a:r>
-            <a:endParaRPr lang="en-US" sz="2000" dirty="0"/>
-          </a:p>
-        </p:txBody>
-      </p:sp>
-    </p:spTree>
-    <p:extLst>
-      <p:ext uri="{BB962C8B-B14F-4D97-AF65-F5344CB8AC3E}">
-        <p14:creationId xmlns:p14="http://schemas.microsoft.com/office/powerpoint/2010/main" val="2295817190"/>
-      </p:ext>
-    </p:extLst>
-  </p:cSld>
-  <p:clrMapOvr>
-    <a:masterClrMapping/>
-  </p:clrMapOvr>
-</p:sld>
-</file>
-
-<file path=ppt/slides/slide12.xml><?xml version="1.0" encoding="utf-8"?>
 <p:sld xmlns:a="http://schemas.openxmlformats.org/drawingml/2006/main" xmlns:r="http://schemas.openxmlformats.org/officeDocument/2006/relationships" xmlns:p="http://schemas.openxmlformats.org/presentationml/2006/main">
   <p:cSld>
     <p:spTree>
@@ -7026,2478 +7279,6 @@
           <p:cNvPr id="2" name="Title 1">
             <a:extLst>
               <a:ext uri="{FF2B5EF4-FFF2-40B4-BE49-F238E27FC236}">
-                <a16:creationId xmlns:a16="http://schemas.microsoft.com/office/drawing/2014/main" id="{C82B3567-CACD-6D40-99A9-5715927FF0D2}"/>
-              </a:ext>
-            </a:extLst>
-          </p:cNvPr>
-          <p:cNvSpPr>
-            <a:spLocks noGrp="1"/>
-          </p:cNvSpPr>
-          <p:nvPr>
-            <p:ph type="title"/>
-          </p:nvPr>
-        </p:nvSpPr>
-        <p:spPr/>
-        <p:txBody>
-          <a:bodyPr/>
-          <a:lstStyle/>
-          <a:p>
-            <a:r>
-              <a:rPr lang="en-US" dirty="0"/>
-              <a:t>Question: Changing Representations?</a:t>
-            </a:r>
-          </a:p>
-        </p:txBody>
-      </p:sp>
-      <p:sp>
-        <p:nvSpPr>
-          <p:cNvPr id="3" name="Text Placeholder 2">
-            <a:extLst>
-              <a:ext uri="{FF2B5EF4-FFF2-40B4-BE49-F238E27FC236}">
-                <a16:creationId xmlns:a16="http://schemas.microsoft.com/office/drawing/2014/main" id="{08549D87-93D4-AF42-A483-337D73057EBA}"/>
-              </a:ext>
-            </a:extLst>
-          </p:cNvPr>
-          <p:cNvSpPr>
-            <a:spLocks noGrp="1"/>
-          </p:cNvSpPr>
-          <p:nvPr>
-            <p:ph idx="1"/>
-          </p:nvPr>
-        </p:nvSpPr>
-        <p:spPr>
-          <a:xfrm>
-            <a:off x="2209800" y="1066800"/>
-            <a:ext cx="8244840" cy="5257800"/>
-          </a:xfrm>
-        </p:spPr>
-        <p:txBody>
-          <a:bodyPr/>
-          <a:lstStyle/>
-          <a:p>
-            <a:pPr marL="76200" indent="0">
-              <a:buNone/>
-            </a:pPr>
-            <a:r>
-              <a:rPr lang="en-US" dirty="0"/>
-              <a:t>Question 2.1 </a:t>
-            </a:r>
-          </a:p>
-          <a:p>
-            <a:pPr marL="76200" indent="0">
-              <a:buNone/>
-            </a:pPr>
-            <a:endParaRPr lang="en-US" dirty="0"/>
-          </a:p>
-          <a:p>
-            <a:pPr marL="76200" indent="0">
-              <a:buNone/>
-            </a:pPr>
-            <a:r>
-              <a:rPr lang="en-US" dirty="0"/>
-              <a:t>Assuming we update our selectors, what are valid representations for our </a:t>
-            </a:r>
-            <a:r>
-              <a:rPr lang="en-US" dirty="0">
-                <a:latin typeface="Source Code Pro" panose="020B0509030403020204" pitchFamily="49" charset="77"/>
-              </a:rPr>
-              <a:t>point(x, y) </a:t>
-            </a:r>
-            <a:r>
-              <a:rPr lang="en-US" dirty="0"/>
-              <a:t>ADT?</a:t>
-            </a:r>
-          </a:p>
-          <a:p>
-            <a:pPr marL="76200" indent="0">
-              <a:buNone/>
-            </a:pPr>
-            <a:endParaRPr lang="en-US" dirty="0"/>
-          </a:p>
-          <a:p>
-            <a:pPr marL="76200" indent="0">
-              <a:buNone/>
-            </a:pPr>
-            <a:r>
-              <a:rPr lang="en-US" dirty="0"/>
-              <a:t>Currently </a:t>
-            </a:r>
-            <a:r>
-              <a:rPr lang="en-US" dirty="0">
-                <a:latin typeface="Source Code Pro" panose="020B0509030403020204" pitchFamily="49" charset="77"/>
-              </a:rPr>
-              <a:t>point(1, 2) </a:t>
-            </a:r>
-            <a:r>
-              <a:rPr lang="en-US" dirty="0"/>
-              <a:t>is represented as </a:t>
-            </a:r>
-            <a:r>
-              <a:rPr lang="en-US" dirty="0">
-                <a:latin typeface="Source Code Pro" panose="020B0509030403020204" pitchFamily="49" charset="77"/>
-              </a:rPr>
-              <a:t>[1, 2]</a:t>
-            </a:r>
-          </a:p>
-          <a:p>
-            <a:pPr marL="76200" indent="0">
-              <a:buNone/>
-            </a:pPr>
-            <a:endParaRPr lang="en-US" dirty="0"/>
-          </a:p>
-          <a:p>
-            <a:endParaRPr lang="en-US" dirty="0"/>
-          </a:p>
-          <a:p>
-            <a:r>
-              <a:rPr lang="en-US" b="0" dirty="0"/>
-              <a:t>A)</a:t>
-            </a:r>
-            <a:r>
-              <a:rPr lang="en-US" b="0" dirty="0">
-                <a:latin typeface="Source Code Pro" panose="020B0509030403020204" pitchFamily="49" charset="77"/>
-              </a:rPr>
-              <a:t> [y, x] # [2, 1]</a:t>
-            </a:r>
-          </a:p>
-          <a:p>
-            <a:r>
-              <a:rPr lang="en-US" b="0" dirty="0"/>
-              <a:t>B) </a:t>
-            </a:r>
-            <a:r>
-              <a:rPr lang="en-US" b="0" dirty="0">
-                <a:latin typeface="Source Code Pro" panose="020B0509030403020204" pitchFamily="49" charset="77"/>
-              </a:rPr>
-              <a:t>“X: ” + str(x) + “ Y: ” + str(y)</a:t>
-            </a:r>
-            <a:br>
-              <a:rPr lang="en-US" b="0" dirty="0">
-                <a:latin typeface="Source Code Pro" panose="020B0509030403020204" pitchFamily="49" charset="77"/>
-              </a:rPr>
-            </a:br>
-            <a:r>
-              <a:rPr lang="en-US" b="0" dirty="0">
-                <a:latin typeface="Source Code Pro" panose="020B0509030403020204" pitchFamily="49" charset="77"/>
-              </a:rPr>
-              <a:t>	# “X: 1 Y: 2”</a:t>
-            </a:r>
-          </a:p>
-          <a:p>
-            <a:r>
-              <a:rPr lang="en-US" b="0" dirty="0"/>
-              <a:t>C) </a:t>
-            </a:r>
-            <a:r>
-              <a:rPr lang="en-US" b="0" dirty="0">
-                <a:latin typeface="Source Code Pro" panose="020B0509030403020204" pitchFamily="49" charset="77"/>
-              </a:rPr>
-              <a:t>str(x) + ' ' + str(y) # '1 2'</a:t>
-            </a:r>
-          </a:p>
-          <a:p>
-            <a:r>
-              <a:rPr lang="en-US" b="0" dirty="0"/>
-              <a:t>D) All of the above</a:t>
-            </a:r>
-          </a:p>
-          <a:p>
-            <a:r>
-              <a:rPr lang="en-US" b="0" dirty="0"/>
-              <a:t>E) None of the above</a:t>
-            </a:r>
-          </a:p>
-        </p:txBody>
-      </p:sp>
-      <p:sp>
-        <p:nvSpPr>
-          <p:cNvPr id="4" name="Slide Number Placeholder 3">
-            <a:extLst>
-              <a:ext uri="{FF2B5EF4-FFF2-40B4-BE49-F238E27FC236}">
-                <a16:creationId xmlns:a16="http://schemas.microsoft.com/office/drawing/2014/main" id="{D32232CD-E8E5-2F47-9299-6A0F39C52913}"/>
-              </a:ext>
-            </a:extLst>
-          </p:cNvPr>
-          <p:cNvSpPr>
-            <a:spLocks noGrp="1"/>
-          </p:cNvSpPr>
-          <p:nvPr>
-            <p:ph type="sldNum" idx="4294967295"/>
-          </p:nvPr>
-        </p:nvSpPr>
-        <p:spPr>
-          <a:xfrm>
-            <a:off x="10134600" y="6553200"/>
-            <a:ext cx="533400" cy="304800"/>
-          </a:xfrm>
-          <a:prstGeom prst="rect">
-            <a:avLst/>
-          </a:prstGeom>
-        </p:spPr>
-        <p:txBody>
-          <a:bodyPr/>
-          <a:lstStyle/>
-          <a:p>
-            <a:pPr algn="r"/>
-            <a:fld id="{00000000-1234-1234-1234-123412341234}" type="slidenum">
-              <a:rPr lang="en-US" smtClean="0"/>
-              <a:pPr algn="r"/>
-              <a:t>12</a:t>
-            </a:fld>
-            <a:endParaRPr lang="en-US" b="0"/>
-          </a:p>
-        </p:txBody>
-      </p:sp>
-    </p:spTree>
-    <p:extLst>
-      <p:ext uri="{BB962C8B-B14F-4D97-AF65-F5344CB8AC3E}">
-        <p14:creationId xmlns:p14="http://schemas.microsoft.com/office/powerpoint/2010/main" val="3623810552"/>
-      </p:ext>
-    </p:extLst>
-  </p:cSld>
-  <p:clrMapOvr>
-    <a:masterClrMapping/>
-  </p:clrMapOvr>
-</p:sld>
-</file>
-
-<file path=ppt/slides/slide13.xml><?xml version="1.0" encoding="utf-8"?>
-<p:sld xmlns:a="http://schemas.openxmlformats.org/drawingml/2006/main" xmlns:r="http://schemas.openxmlformats.org/officeDocument/2006/relationships" xmlns:p="http://schemas.openxmlformats.org/presentationml/2006/main" show="0">
-  <p:cSld>
-    <p:spTree>
-      <p:nvGrpSpPr>
-        <p:cNvPr id="1" name="Shape 242"/>
-        <p:cNvGrpSpPr/>
-        <p:nvPr/>
-      </p:nvGrpSpPr>
-      <p:grpSpPr>
-        <a:xfrm>
-          <a:off x="0" y="0"/>
-          <a:ext cx="0" cy="0"/>
-          <a:chOff x="0" y="0"/>
-          <a:chExt cx="0" cy="0"/>
-        </a:xfrm>
-      </p:grpSpPr>
-      <p:sp>
-        <p:nvSpPr>
-          <p:cNvPr id="243" name="Google Shape;243;p23"/>
-          <p:cNvSpPr txBox="1">
-            <a:spLocks noGrp="1"/>
-          </p:cNvSpPr>
-          <p:nvPr>
-            <p:ph type="title"/>
-          </p:nvPr>
-        </p:nvSpPr>
-        <p:spPr>
-          <a:prstGeom prst="rect">
-            <a:avLst/>
-          </a:prstGeom>
-          <a:noFill/>
-          <a:ln>
-            <a:noFill/>
-          </a:ln>
-        </p:spPr>
-        <p:txBody>
-          <a:bodyPr spcFirstLastPara="1" vert="horz" wrap="square" lIns="92075" tIns="46025" rIns="92075" bIns="46025" numCol="1" anchor="ctr" anchorCtr="0" compatLnSpc="1">
-            <a:prstTxWarp prst="textNoShape">
-              <a:avLst/>
-            </a:prstTxWarp>
-            <a:noAutofit/>
-          </a:bodyPr>
-          <a:lstStyle/>
-          <a:p>
-            <a:pPr>
-              <a:spcBef>
-                <a:spcPts val="0"/>
-              </a:spcBef>
-              <a:spcAft>
-                <a:spcPts val="0"/>
-              </a:spcAft>
-            </a:pPr>
-            <a:r>
-              <a:rPr lang="en-US" sz="3200" dirty="0">
-                <a:latin typeface="Arial"/>
-                <a:ea typeface="Arial"/>
-                <a:cs typeface="Arial"/>
-                <a:sym typeface="Arial"/>
-              </a:rPr>
-              <a:t>An Abstract Data Type: Key-Value Pair</a:t>
-            </a:r>
-            <a:endParaRPr dirty="0"/>
-          </a:p>
-        </p:txBody>
-      </p:sp>
-      <p:sp>
-        <p:nvSpPr>
-          <p:cNvPr id="244" name="Google Shape;244;p23"/>
-          <p:cNvSpPr txBox="1">
-            <a:spLocks noGrp="1"/>
-          </p:cNvSpPr>
-          <p:nvPr>
-            <p:ph idx="1"/>
-          </p:nvPr>
-        </p:nvSpPr>
-        <p:spPr>
-          <a:xfrm>
-            <a:off x="2209800" y="1320800"/>
-            <a:ext cx="7620000" cy="2438400"/>
-          </a:xfrm>
-          <a:prstGeom prst="rect">
-            <a:avLst/>
-          </a:prstGeom>
-          <a:noFill/>
-          <a:ln>
-            <a:noFill/>
-          </a:ln>
-        </p:spPr>
-        <p:txBody>
-          <a:bodyPr spcFirstLastPara="1" vert="horz" wrap="square" lIns="92075" tIns="46025" rIns="92075" bIns="46025" numCol="1" anchor="t" anchorCtr="0" compatLnSpc="1">
-            <a:prstTxWarp prst="textNoShape">
-              <a:avLst/>
-            </a:prstTxWarp>
-            <a:noAutofit/>
-          </a:bodyPr>
-          <a:lstStyle/>
-          <a:p>
-            <a:pPr marL="285750" indent="-285750">
-              <a:spcBef>
-                <a:spcPts val="0"/>
-              </a:spcBef>
-              <a:spcAft>
-                <a:spcPts val="0"/>
-              </a:spcAft>
-              <a:buClr>
-                <a:schemeClr val="dk1"/>
-              </a:buClr>
-              <a:buSzPts val="2400"/>
-              <a:buFont typeface="Arial"/>
-              <a:buChar char="•"/>
-            </a:pPr>
-            <a:r>
-              <a:rPr lang="en-US" sz="2400" b="1" dirty="0">
-                <a:solidFill>
-                  <a:schemeClr val="dk1"/>
-                </a:solidFill>
-                <a:latin typeface="Arial"/>
-                <a:ea typeface="Arial"/>
-                <a:cs typeface="Arial"/>
-                <a:sym typeface="Arial"/>
-              </a:rPr>
-              <a:t>Collection of key-Value bindings</a:t>
-            </a:r>
-            <a:endParaRPr dirty="0"/>
-          </a:p>
-          <a:p>
-            <a:pPr marL="685800" lvl="1" indent="-228600">
-              <a:spcBef>
-                <a:spcPts val="540"/>
-              </a:spcBef>
-              <a:spcAft>
-                <a:spcPts val="0"/>
-              </a:spcAft>
-              <a:buClr>
-                <a:schemeClr val="dk1"/>
-              </a:buClr>
-              <a:buSzPts val="1800"/>
-              <a:buFont typeface="Arial"/>
-              <a:buChar char="–"/>
-            </a:pPr>
-            <a:r>
-              <a:rPr lang="en-US" b="1" dirty="0">
-                <a:solidFill>
-                  <a:schemeClr val="dk1"/>
-                </a:solidFill>
-                <a:latin typeface="Arial"/>
-                <a:ea typeface="Arial"/>
-                <a:cs typeface="Arial"/>
-                <a:sym typeface="Arial"/>
-              </a:rPr>
-              <a:t>Key : Value</a:t>
-            </a:r>
-            <a:endParaRPr dirty="0"/>
-          </a:p>
-          <a:p>
-            <a:pPr marL="285750" indent="-285750">
-              <a:spcBef>
-                <a:spcPts val="720"/>
-              </a:spcBef>
-              <a:spcAft>
-                <a:spcPts val="0"/>
-              </a:spcAft>
-              <a:buClr>
-                <a:schemeClr val="dk1"/>
-              </a:buClr>
-              <a:buSzPts val="2400"/>
-              <a:buFont typeface="Arial"/>
-              <a:buChar char="•"/>
-            </a:pPr>
-            <a:r>
-              <a:rPr lang="en-US" sz="2400" b="1" dirty="0">
-                <a:solidFill>
-                  <a:schemeClr val="dk1"/>
-                </a:solidFill>
-                <a:latin typeface="Arial"/>
-                <a:ea typeface="Arial"/>
-                <a:cs typeface="Arial"/>
-                <a:sym typeface="Arial"/>
-              </a:rPr>
-              <a:t>Many real-world examples</a:t>
-            </a:r>
-            <a:endParaRPr dirty="0"/>
-          </a:p>
-          <a:p>
-            <a:pPr marL="685800" lvl="1" indent="-228600">
-              <a:spcBef>
-                <a:spcPts val="540"/>
-              </a:spcBef>
-              <a:spcAft>
-                <a:spcPts val="0"/>
-              </a:spcAft>
-              <a:buClr>
-                <a:schemeClr val="dk1"/>
-              </a:buClr>
-              <a:buSzPts val="1800"/>
-              <a:buFont typeface="Arial"/>
-              <a:buChar char="–"/>
-            </a:pPr>
-            <a:r>
-              <a:rPr lang="en-US" b="1" dirty="0">
-                <a:solidFill>
-                  <a:schemeClr val="dk1"/>
-                </a:solidFill>
-                <a:latin typeface="Arial"/>
-                <a:ea typeface="Arial"/>
-                <a:cs typeface="Arial"/>
-                <a:sym typeface="Arial"/>
-              </a:rPr>
-              <a:t>Dictionary, Directory, Phone book, Course Schedule, Facebook Friends, Movie listings, …</a:t>
-            </a:r>
-            <a:endParaRPr dirty="0"/>
-          </a:p>
-        </p:txBody>
-      </p:sp>
-      <p:sp>
-        <p:nvSpPr>
-          <p:cNvPr id="245" name="Google Shape;245;p23"/>
-          <p:cNvSpPr txBox="1">
-            <a:spLocks noGrp="1"/>
-          </p:cNvSpPr>
-          <p:nvPr>
-            <p:ph type="dt" idx="4294967295"/>
-          </p:nvPr>
-        </p:nvSpPr>
-        <p:spPr>
-          <a:xfrm>
-            <a:off x="1524000" y="6553200"/>
-            <a:ext cx="1524000" cy="304800"/>
-          </a:xfrm>
-          <a:prstGeom prst="rect">
-            <a:avLst/>
-          </a:prstGeom>
-          <a:noFill/>
-          <a:ln>
-            <a:noFill/>
-          </a:ln>
-        </p:spPr>
-        <p:txBody>
-          <a:bodyPr spcFirstLastPara="1" wrap="square" lIns="92075" tIns="46025" rIns="92075" bIns="46025" anchor="ctr" anchorCtr="0">
-            <a:noAutofit/>
-          </a:bodyPr>
-          <a:lstStyle/>
-          <a:p>
-            <a:r>
-              <a:rPr lang="en-US" sz="1200" b="1" dirty="0">
-                <a:solidFill>
-                  <a:srgbClr val="FF9900"/>
-                </a:solidFill>
-                <a:latin typeface="Times New Roman"/>
-                <a:ea typeface="Times New Roman"/>
-                <a:cs typeface="Times New Roman"/>
-                <a:sym typeface="Times New Roman"/>
-              </a:rPr>
-              <a:t>10/21/19</a:t>
-            </a:r>
-            <a:endParaRPr dirty="0"/>
-          </a:p>
-        </p:txBody>
-      </p:sp>
-      <p:sp>
-        <p:nvSpPr>
-          <p:cNvPr id="246" name="Google Shape;246;p23"/>
-          <p:cNvSpPr txBox="1">
-            <a:spLocks noGrp="1"/>
-          </p:cNvSpPr>
-          <p:nvPr>
-            <p:ph type="ftr" idx="4294967295"/>
-          </p:nvPr>
-        </p:nvSpPr>
-        <p:spPr>
-          <a:xfrm>
-            <a:off x="1524000" y="6553200"/>
-            <a:ext cx="2895600" cy="304800"/>
-          </a:xfrm>
-          <a:prstGeom prst="rect">
-            <a:avLst/>
-          </a:prstGeom>
-          <a:noFill/>
-          <a:ln>
-            <a:noFill/>
-          </a:ln>
-        </p:spPr>
-        <p:txBody>
-          <a:bodyPr spcFirstLastPara="1" wrap="square" lIns="92075" tIns="46025" rIns="92075" bIns="46025" anchor="ctr" anchorCtr="0">
-            <a:noAutofit/>
-          </a:bodyPr>
-          <a:lstStyle/>
-          <a:p>
-            <a:pPr algn="ctr"/>
-            <a:r>
-              <a:rPr lang="en-US" sz="1200" b="1" dirty="0">
-                <a:solidFill>
-                  <a:srgbClr val="114FFB"/>
-                </a:solidFill>
-                <a:latin typeface="Helvetica Neue"/>
-                <a:ea typeface="Helvetica Neue"/>
-                <a:cs typeface="Helvetica Neue"/>
-                <a:sym typeface="Helvetica Neue"/>
-              </a:rPr>
-              <a:t>UCB CS88 Fa19 L7</a:t>
-            </a:r>
-            <a:endParaRPr dirty="0"/>
-          </a:p>
-        </p:txBody>
-      </p:sp>
-      <p:sp>
-        <p:nvSpPr>
-          <p:cNvPr id="247" name="Google Shape;247;p23"/>
-          <p:cNvSpPr txBox="1">
-            <a:spLocks noGrp="1"/>
-          </p:cNvSpPr>
-          <p:nvPr>
-            <p:ph type="sldNum" idx="4294967295"/>
-          </p:nvPr>
-        </p:nvSpPr>
-        <p:spPr>
-          <a:xfrm>
-            <a:off x="10134600" y="6553200"/>
-            <a:ext cx="533400" cy="304800"/>
-          </a:xfrm>
-          <a:prstGeom prst="rect">
-            <a:avLst/>
-          </a:prstGeom>
-          <a:noFill/>
-          <a:ln>
-            <a:noFill/>
-          </a:ln>
-        </p:spPr>
-        <p:txBody>
-          <a:bodyPr spcFirstLastPara="1" wrap="square" lIns="92075" tIns="46025" rIns="92075" bIns="46025" anchor="ctr" anchorCtr="0">
-            <a:noAutofit/>
-          </a:bodyPr>
-          <a:lstStyle/>
-          <a:p>
-            <a:pPr algn="r"/>
-            <a:fld id="{00000000-1234-1234-1234-123412341234}" type="slidenum">
-              <a:rPr lang="en-US" b="1">
-                <a:solidFill>
-                  <a:srgbClr val="FF9900"/>
-                </a:solidFill>
-                <a:latin typeface="Times New Roman"/>
-                <a:ea typeface="Times New Roman"/>
-                <a:cs typeface="Times New Roman"/>
-                <a:sym typeface="Times New Roman"/>
-              </a:rPr>
-              <a:pPr algn="r"/>
-              <a:t>13</a:t>
-            </a:fld>
-            <a:endParaRPr>
-              <a:solidFill>
-                <a:srgbClr val="FF9900"/>
-              </a:solidFill>
-              <a:latin typeface="Times New Roman"/>
-              <a:ea typeface="Times New Roman"/>
-              <a:cs typeface="Times New Roman"/>
-              <a:sym typeface="Times New Roman"/>
-            </a:endParaRPr>
-          </a:p>
-        </p:txBody>
-      </p:sp>
-      <p:sp>
-        <p:nvSpPr>
-          <p:cNvPr id="248" name="Google Shape;248;p23"/>
-          <p:cNvSpPr txBox="1"/>
-          <p:nvPr/>
-        </p:nvSpPr>
-        <p:spPr>
-          <a:xfrm>
-            <a:off x="2129656" y="3293380"/>
-            <a:ext cx="7755562" cy="461665"/>
-          </a:xfrm>
-          <a:prstGeom prst="rect">
-            <a:avLst/>
-          </a:prstGeom>
-          <a:noFill/>
-          <a:ln>
-            <a:noFill/>
-          </a:ln>
-        </p:spPr>
-        <p:txBody>
-          <a:bodyPr spcFirstLastPara="1" wrap="square" lIns="91425" tIns="45700" rIns="91425" bIns="45700" anchor="t" anchorCtr="0">
-            <a:noAutofit/>
-          </a:bodyPr>
-          <a:lstStyle/>
-          <a:p>
-            <a:r>
-              <a:rPr lang="en-US" sz="2400" i="1">
-                <a:solidFill>
-                  <a:srgbClr val="0A51FB"/>
-                </a:solidFill>
-              </a:rPr>
-              <a:t>Given some Key, What is the value associated with it?</a:t>
-            </a:r>
-            <a:endParaRPr/>
-          </a:p>
-        </p:txBody>
-      </p:sp>
-    </p:spTree>
-    <p:extLst>
-      <p:ext uri="{BB962C8B-B14F-4D97-AF65-F5344CB8AC3E}">
-        <p14:creationId xmlns:p14="http://schemas.microsoft.com/office/powerpoint/2010/main" val="1306818908"/>
-      </p:ext>
-    </p:extLst>
-  </p:cSld>
-  <p:clrMapOvr>
-    <a:masterClrMapping/>
-  </p:clrMapOvr>
-</p:sld>
-</file>
-
-<file path=ppt/slides/slide14.xml><?xml version="1.0" encoding="utf-8"?>
-<p:sld xmlns:a="http://schemas.openxmlformats.org/drawingml/2006/main" xmlns:r="http://schemas.openxmlformats.org/officeDocument/2006/relationships" xmlns:p="http://schemas.openxmlformats.org/presentationml/2006/main" show="0">
-  <p:cSld>
-    <p:spTree>
-      <p:nvGrpSpPr>
-        <p:cNvPr id="1" name="Shape 252"/>
-        <p:cNvGrpSpPr/>
-        <p:nvPr/>
-      </p:nvGrpSpPr>
-      <p:grpSpPr>
-        <a:xfrm>
-          <a:off x="0" y="0"/>
-          <a:ext cx="0" cy="0"/>
-          <a:chOff x="0" y="0"/>
-          <a:chExt cx="0" cy="0"/>
-        </a:xfrm>
-      </p:grpSpPr>
-      <p:sp>
-        <p:nvSpPr>
-          <p:cNvPr id="253" name="Google Shape;253;p24"/>
-          <p:cNvSpPr txBox="1">
-            <a:spLocks noGrp="1"/>
-          </p:cNvSpPr>
-          <p:nvPr>
-            <p:ph type="title"/>
-          </p:nvPr>
-        </p:nvSpPr>
-        <p:spPr>
-          <a:prstGeom prst="rect">
-            <a:avLst/>
-          </a:prstGeom>
-          <a:noFill/>
-          <a:ln>
-            <a:noFill/>
-          </a:ln>
-        </p:spPr>
-        <p:txBody>
-          <a:bodyPr spcFirstLastPara="1" vert="horz" wrap="square" lIns="92075" tIns="46025" rIns="92075" bIns="46025" numCol="1" anchor="ctr" anchorCtr="0" compatLnSpc="1">
-            <a:prstTxWarp prst="textNoShape">
-              <a:avLst/>
-            </a:prstTxWarp>
-            <a:noAutofit/>
-          </a:bodyPr>
-          <a:lstStyle/>
-          <a:p>
-            <a:pPr>
-              <a:spcBef>
-                <a:spcPts val="0"/>
-              </a:spcBef>
-              <a:spcAft>
-                <a:spcPts val="0"/>
-              </a:spcAft>
-            </a:pPr>
-            <a:r>
-              <a:rPr lang="en-US" sz="3200">
-                <a:latin typeface="Arial"/>
-                <a:ea typeface="Arial"/>
-                <a:cs typeface="Arial"/>
-                <a:sym typeface="Arial"/>
-              </a:rPr>
-              <a:t>Key-Value ADT</a:t>
-            </a:r>
-            <a:endParaRPr/>
-          </a:p>
-        </p:txBody>
-      </p:sp>
-      <p:sp>
-        <p:nvSpPr>
-          <p:cNvPr id="254" name="Google Shape;254;p24"/>
-          <p:cNvSpPr txBox="1">
-            <a:spLocks noGrp="1"/>
-          </p:cNvSpPr>
-          <p:nvPr>
-            <p:ph idx="1"/>
-          </p:nvPr>
-        </p:nvSpPr>
-        <p:spPr>
-          <a:prstGeom prst="rect">
-            <a:avLst/>
-          </a:prstGeom>
-          <a:noFill/>
-          <a:ln>
-            <a:noFill/>
-          </a:ln>
-        </p:spPr>
-        <p:txBody>
-          <a:bodyPr spcFirstLastPara="1" vert="horz" wrap="square" lIns="92075" tIns="46025" rIns="92075" bIns="46025" numCol="1" anchor="t" anchorCtr="0" compatLnSpc="1">
-            <a:prstTxWarp prst="textNoShape">
-              <a:avLst/>
-            </a:prstTxWarp>
-            <a:noAutofit/>
-          </a:bodyPr>
-          <a:lstStyle/>
-          <a:p>
-            <a:pPr marL="285750" indent="-285750">
-              <a:spcBef>
-                <a:spcPts val="0"/>
-              </a:spcBef>
-              <a:spcAft>
-                <a:spcPts val="0"/>
-              </a:spcAft>
-              <a:buClr>
-                <a:schemeClr val="dk1"/>
-              </a:buClr>
-              <a:buSzPts val="2400"/>
-              <a:buFont typeface="Arial"/>
-              <a:buChar char="•"/>
-            </a:pPr>
-            <a:r>
-              <a:rPr lang="en-US" sz="2400" b="1">
-                <a:solidFill>
-                  <a:schemeClr val="dk1"/>
-                </a:solidFill>
-                <a:latin typeface="Arial"/>
-                <a:ea typeface="Arial"/>
-                <a:cs typeface="Arial"/>
-                <a:sym typeface="Arial"/>
-              </a:rPr>
-              <a:t>Constructors</a:t>
-            </a:r>
-            <a:endParaRPr/>
-          </a:p>
-          <a:p>
-            <a:pPr marL="685800" lvl="1" indent="-228600">
-              <a:spcBef>
-                <a:spcPts val="540"/>
-              </a:spcBef>
-              <a:spcAft>
-                <a:spcPts val="0"/>
-              </a:spcAft>
-              <a:buClr>
-                <a:schemeClr val="dk1"/>
-              </a:buClr>
-              <a:buSzPts val="1800"/>
-              <a:buFont typeface="Arial"/>
-              <a:buChar char="–"/>
-            </a:pPr>
-            <a:r>
-              <a:rPr lang="en-US" b="1">
-                <a:solidFill>
-                  <a:schemeClr val="dk1"/>
-                </a:solidFill>
-                <a:latin typeface="Arial"/>
-                <a:ea typeface="Arial"/>
-                <a:cs typeface="Arial"/>
-                <a:sym typeface="Arial"/>
-              </a:rPr>
-              <a:t>kv_empty: create an empty KV</a:t>
-            </a:r>
-            <a:endParaRPr/>
-          </a:p>
-          <a:p>
-            <a:pPr marL="685800" lvl="1" indent="-228600">
-              <a:spcBef>
-                <a:spcPts val="540"/>
-              </a:spcBef>
-              <a:spcAft>
-                <a:spcPts val="0"/>
-              </a:spcAft>
-              <a:buClr>
-                <a:schemeClr val="dk1"/>
-              </a:buClr>
-              <a:buSzPts val="1800"/>
-              <a:buFont typeface="Arial"/>
-              <a:buChar char="–"/>
-            </a:pPr>
-            <a:r>
-              <a:rPr lang="en-US" b="1">
-                <a:solidFill>
-                  <a:schemeClr val="dk1"/>
-                </a:solidFill>
-                <a:latin typeface="Arial"/>
-                <a:ea typeface="Arial"/>
-                <a:cs typeface="Arial"/>
-                <a:sym typeface="Arial"/>
-              </a:rPr>
-              <a:t>kv_add: add a key:value binding to a KV</a:t>
-            </a:r>
-            <a:endParaRPr/>
-          </a:p>
-          <a:p>
-            <a:pPr marL="685800" lvl="1" indent="-228600">
-              <a:spcBef>
-                <a:spcPts val="540"/>
-              </a:spcBef>
-              <a:spcAft>
-                <a:spcPts val="0"/>
-              </a:spcAft>
-              <a:buClr>
-                <a:schemeClr val="dk1"/>
-              </a:buClr>
-              <a:buSzPts val="1800"/>
-              <a:buFont typeface="Arial"/>
-              <a:buChar char="–"/>
-            </a:pPr>
-            <a:r>
-              <a:rPr lang="en-US" b="1">
-                <a:solidFill>
-                  <a:schemeClr val="dk1"/>
-                </a:solidFill>
-                <a:latin typeface="Arial"/>
-                <a:ea typeface="Arial"/>
-                <a:cs typeface="Arial"/>
-                <a:sym typeface="Arial"/>
-              </a:rPr>
-              <a:t>kv_create: create a KV from a list of key,value tuples</a:t>
-            </a:r>
-            <a:endParaRPr/>
-          </a:p>
-          <a:p>
-            <a:pPr marL="285750" indent="-285750">
-              <a:spcBef>
-                <a:spcPts val="720"/>
-              </a:spcBef>
-              <a:spcAft>
-                <a:spcPts val="0"/>
-              </a:spcAft>
-              <a:buClr>
-                <a:schemeClr val="dk1"/>
-              </a:buClr>
-              <a:buSzPts val="2400"/>
-              <a:buFont typeface="Arial"/>
-              <a:buChar char="•"/>
-            </a:pPr>
-            <a:r>
-              <a:rPr lang="en-US" sz="2400" b="1">
-                <a:solidFill>
-                  <a:schemeClr val="dk1"/>
-                </a:solidFill>
-                <a:latin typeface="Arial"/>
-                <a:ea typeface="Arial"/>
-                <a:cs typeface="Arial"/>
-                <a:sym typeface="Arial"/>
-              </a:rPr>
-              <a:t>Selectors</a:t>
-            </a:r>
-            <a:endParaRPr/>
-          </a:p>
-          <a:p>
-            <a:pPr marL="685800" lvl="1" indent="-228600">
-              <a:spcBef>
-                <a:spcPts val="540"/>
-              </a:spcBef>
-              <a:spcAft>
-                <a:spcPts val="0"/>
-              </a:spcAft>
-              <a:buClr>
-                <a:schemeClr val="dk1"/>
-              </a:buClr>
-              <a:buSzPts val="1800"/>
-              <a:buFont typeface="Arial"/>
-              <a:buChar char="–"/>
-            </a:pPr>
-            <a:r>
-              <a:rPr lang="en-US" b="1">
-                <a:solidFill>
-                  <a:schemeClr val="dk1"/>
-                </a:solidFill>
-                <a:latin typeface="Arial"/>
-                <a:ea typeface="Arial"/>
-                <a:cs typeface="Arial"/>
-                <a:sym typeface="Arial"/>
-              </a:rPr>
-              <a:t>kv_items: list of (key,value) tuple in KV</a:t>
-            </a:r>
-            <a:endParaRPr/>
-          </a:p>
-          <a:p>
-            <a:pPr marL="685800" lvl="1" indent="-228600">
-              <a:spcBef>
-                <a:spcPts val="540"/>
-              </a:spcBef>
-              <a:spcAft>
-                <a:spcPts val="0"/>
-              </a:spcAft>
-              <a:buClr>
-                <a:schemeClr val="dk1"/>
-              </a:buClr>
-              <a:buSzPts val="1800"/>
-              <a:buFont typeface="Arial"/>
-              <a:buChar char="–"/>
-            </a:pPr>
-            <a:r>
-              <a:rPr lang="en-US" b="1">
-                <a:solidFill>
-                  <a:schemeClr val="dk1"/>
-                </a:solidFill>
-                <a:latin typeface="Arial"/>
-                <a:ea typeface="Arial"/>
-                <a:cs typeface="Arial"/>
-                <a:sym typeface="Arial"/>
-              </a:rPr>
-              <a:t>kv_keys: list of keys in KV</a:t>
-            </a:r>
-            <a:endParaRPr/>
-          </a:p>
-          <a:p>
-            <a:pPr marL="685800" lvl="1" indent="-228600">
-              <a:spcBef>
-                <a:spcPts val="540"/>
-              </a:spcBef>
-              <a:spcAft>
-                <a:spcPts val="0"/>
-              </a:spcAft>
-              <a:buClr>
-                <a:schemeClr val="dk1"/>
-              </a:buClr>
-              <a:buSzPts val="1800"/>
-              <a:buFont typeface="Arial"/>
-              <a:buChar char="–"/>
-            </a:pPr>
-            <a:r>
-              <a:rPr lang="en-US" b="1">
-                <a:solidFill>
-                  <a:schemeClr val="dk1"/>
-                </a:solidFill>
-                <a:latin typeface="Arial"/>
-                <a:ea typeface="Arial"/>
-                <a:cs typeface="Arial"/>
-                <a:sym typeface="Arial"/>
-              </a:rPr>
-              <a:t>kv_values: list of values in KV</a:t>
-            </a:r>
-            <a:endParaRPr/>
-          </a:p>
-          <a:p>
-            <a:pPr marL="285750" indent="-285750">
-              <a:spcBef>
-                <a:spcPts val="720"/>
-              </a:spcBef>
-              <a:spcAft>
-                <a:spcPts val="0"/>
-              </a:spcAft>
-              <a:buClr>
-                <a:schemeClr val="dk1"/>
-              </a:buClr>
-              <a:buSzPts val="2400"/>
-              <a:buFont typeface="Arial"/>
-              <a:buChar char="•"/>
-            </a:pPr>
-            <a:r>
-              <a:rPr lang="en-US" sz="2400" b="1">
-                <a:solidFill>
-                  <a:schemeClr val="dk1"/>
-                </a:solidFill>
-                <a:latin typeface="Arial"/>
-                <a:ea typeface="Arial"/>
-                <a:cs typeface="Arial"/>
-                <a:sym typeface="Arial"/>
-              </a:rPr>
-              <a:t>Operations</a:t>
-            </a:r>
-            <a:endParaRPr/>
-          </a:p>
-          <a:p>
-            <a:pPr marL="685800" lvl="1" indent="-228600">
-              <a:spcBef>
-                <a:spcPts val="540"/>
-              </a:spcBef>
-              <a:spcAft>
-                <a:spcPts val="0"/>
-              </a:spcAft>
-              <a:buClr>
-                <a:schemeClr val="dk1"/>
-              </a:buClr>
-              <a:buSzPts val="1800"/>
-              <a:buFont typeface="Arial"/>
-              <a:buChar char="–"/>
-            </a:pPr>
-            <a:r>
-              <a:rPr lang="en-US" b="1">
-                <a:solidFill>
-                  <a:schemeClr val="dk1"/>
-                </a:solidFill>
-                <a:latin typeface="Arial"/>
-                <a:ea typeface="Arial"/>
-                <a:cs typeface="Arial"/>
-                <a:sym typeface="Arial"/>
-              </a:rPr>
-              <a:t>kv_len: number of bindings</a:t>
-            </a:r>
-            <a:endParaRPr/>
-          </a:p>
-          <a:p>
-            <a:pPr marL="685800" lvl="1" indent="-228600">
-              <a:spcBef>
-                <a:spcPts val="540"/>
-              </a:spcBef>
-              <a:spcAft>
-                <a:spcPts val="0"/>
-              </a:spcAft>
-              <a:buClr>
-                <a:schemeClr val="dk1"/>
-              </a:buClr>
-              <a:buSzPts val="1800"/>
-              <a:buFont typeface="Arial"/>
-              <a:buChar char="–"/>
-            </a:pPr>
-            <a:r>
-              <a:rPr lang="en-US" b="1">
-                <a:solidFill>
-                  <a:schemeClr val="dk1"/>
-                </a:solidFill>
-                <a:latin typeface="Arial"/>
-                <a:ea typeface="Arial"/>
-                <a:cs typeface="Arial"/>
-                <a:sym typeface="Arial"/>
-              </a:rPr>
-              <a:t>kv_in: presence of a binding with a key</a:t>
-            </a:r>
-            <a:endParaRPr/>
-          </a:p>
-          <a:p>
-            <a:pPr marL="685800" lvl="1" indent="-228600">
-              <a:spcBef>
-                <a:spcPts val="540"/>
-              </a:spcBef>
-              <a:spcAft>
-                <a:spcPts val="0"/>
-              </a:spcAft>
-              <a:buClr>
-                <a:schemeClr val="dk1"/>
-              </a:buClr>
-              <a:buSzPts val="1800"/>
-              <a:buFont typeface="Arial"/>
-              <a:buChar char="–"/>
-            </a:pPr>
-            <a:r>
-              <a:rPr lang="en-US" b="1">
-                <a:solidFill>
-                  <a:schemeClr val="dk1"/>
-                </a:solidFill>
-                <a:latin typeface="Arial"/>
-                <a:ea typeface="Arial"/>
-                <a:cs typeface="Arial"/>
-                <a:sym typeface="Arial"/>
-              </a:rPr>
-              <a:t>kv_display: external representation of KV</a:t>
-            </a:r>
-            <a:endParaRPr/>
-          </a:p>
-          <a:p>
-            <a:pPr marL="285750" indent="-133350">
-              <a:spcBef>
-                <a:spcPts val="720"/>
-              </a:spcBef>
-              <a:spcAft>
-                <a:spcPts val="0"/>
-              </a:spcAft>
-              <a:buClr>
-                <a:schemeClr val="dk1"/>
-              </a:buClr>
-              <a:buSzPts val="2400"/>
-              <a:buNone/>
-            </a:pPr>
-            <a:endParaRPr sz="2400" b="1">
-              <a:solidFill>
-                <a:schemeClr val="dk1"/>
-              </a:solidFill>
-              <a:latin typeface="Arial"/>
-              <a:ea typeface="Arial"/>
-              <a:cs typeface="Arial"/>
-              <a:sym typeface="Arial"/>
-            </a:endParaRPr>
-          </a:p>
-        </p:txBody>
-      </p:sp>
-      <p:sp>
-        <p:nvSpPr>
-          <p:cNvPr id="255" name="Google Shape;255;p24"/>
-          <p:cNvSpPr txBox="1">
-            <a:spLocks noGrp="1"/>
-          </p:cNvSpPr>
-          <p:nvPr>
-            <p:ph type="dt" idx="4294967295"/>
-          </p:nvPr>
-        </p:nvSpPr>
-        <p:spPr>
-          <a:xfrm>
-            <a:off x="1524000" y="6553200"/>
-            <a:ext cx="1524000" cy="304800"/>
-          </a:xfrm>
-          <a:prstGeom prst="rect">
-            <a:avLst/>
-          </a:prstGeom>
-          <a:noFill/>
-          <a:ln>
-            <a:noFill/>
-          </a:ln>
-        </p:spPr>
-        <p:txBody>
-          <a:bodyPr spcFirstLastPara="1" wrap="square" lIns="92075" tIns="46025" rIns="92075" bIns="46025" anchor="ctr" anchorCtr="0">
-            <a:noAutofit/>
-          </a:bodyPr>
-          <a:lstStyle/>
-          <a:p>
-            <a:r>
-              <a:rPr lang="en-US" sz="1200" b="1" dirty="0">
-                <a:solidFill>
-                  <a:srgbClr val="FF9900"/>
-                </a:solidFill>
-                <a:latin typeface="Times New Roman"/>
-                <a:ea typeface="Times New Roman"/>
-                <a:cs typeface="Times New Roman"/>
-                <a:sym typeface="Times New Roman"/>
-              </a:rPr>
-              <a:t>10/21/19</a:t>
-            </a:r>
-            <a:endParaRPr dirty="0"/>
-          </a:p>
-        </p:txBody>
-      </p:sp>
-      <p:sp>
-        <p:nvSpPr>
-          <p:cNvPr id="256" name="Google Shape;256;p24"/>
-          <p:cNvSpPr txBox="1">
-            <a:spLocks noGrp="1"/>
-          </p:cNvSpPr>
-          <p:nvPr>
-            <p:ph type="ftr" idx="4294967295"/>
-          </p:nvPr>
-        </p:nvSpPr>
-        <p:spPr>
-          <a:xfrm>
-            <a:off x="1524000" y="6553200"/>
-            <a:ext cx="2895600" cy="304800"/>
-          </a:xfrm>
-          <a:prstGeom prst="rect">
-            <a:avLst/>
-          </a:prstGeom>
-          <a:noFill/>
-          <a:ln>
-            <a:noFill/>
-          </a:ln>
-        </p:spPr>
-        <p:txBody>
-          <a:bodyPr spcFirstLastPara="1" wrap="square" lIns="92075" tIns="46025" rIns="92075" bIns="46025" anchor="ctr" anchorCtr="0">
-            <a:noAutofit/>
-          </a:bodyPr>
-          <a:lstStyle/>
-          <a:p>
-            <a:pPr algn="ctr"/>
-            <a:r>
-              <a:rPr lang="en-US" sz="1200" b="1" dirty="0">
-                <a:solidFill>
-                  <a:srgbClr val="114FFB"/>
-                </a:solidFill>
-                <a:latin typeface="Helvetica Neue"/>
-                <a:ea typeface="Helvetica Neue"/>
-                <a:cs typeface="Helvetica Neue"/>
-                <a:sym typeface="Helvetica Neue"/>
-              </a:rPr>
-              <a:t>UCB CS88 Fa19 L7</a:t>
-            </a:r>
-            <a:endParaRPr dirty="0"/>
-          </a:p>
-        </p:txBody>
-      </p:sp>
-      <p:sp>
-        <p:nvSpPr>
-          <p:cNvPr id="257" name="Google Shape;257;p24"/>
-          <p:cNvSpPr txBox="1">
-            <a:spLocks noGrp="1"/>
-          </p:cNvSpPr>
-          <p:nvPr>
-            <p:ph type="sldNum" idx="4294967295"/>
-          </p:nvPr>
-        </p:nvSpPr>
-        <p:spPr>
-          <a:xfrm>
-            <a:off x="10134600" y="6553200"/>
-            <a:ext cx="533400" cy="304800"/>
-          </a:xfrm>
-          <a:prstGeom prst="rect">
-            <a:avLst/>
-          </a:prstGeom>
-          <a:noFill/>
-          <a:ln>
-            <a:noFill/>
-          </a:ln>
-        </p:spPr>
-        <p:txBody>
-          <a:bodyPr spcFirstLastPara="1" wrap="square" lIns="92075" tIns="46025" rIns="92075" bIns="46025" anchor="ctr" anchorCtr="0">
-            <a:noAutofit/>
-          </a:bodyPr>
-          <a:lstStyle/>
-          <a:p>
-            <a:pPr algn="r"/>
-            <a:fld id="{00000000-1234-1234-1234-123412341234}" type="slidenum">
-              <a:rPr lang="en-US" b="1">
-                <a:solidFill>
-                  <a:srgbClr val="FF9900"/>
-                </a:solidFill>
-                <a:latin typeface="Times New Roman"/>
-                <a:ea typeface="Times New Roman"/>
-                <a:cs typeface="Times New Roman"/>
-                <a:sym typeface="Times New Roman"/>
-              </a:rPr>
-              <a:pPr algn="r"/>
-              <a:t>14</a:t>
-            </a:fld>
-            <a:endParaRPr>
-              <a:solidFill>
-                <a:srgbClr val="FF9900"/>
-              </a:solidFill>
-              <a:latin typeface="Times New Roman"/>
-              <a:ea typeface="Times New Roman"/>
-              <a:cs typeface="Times New Roman"/>
-              <a:sym typeface="Times New Roman"/>
-            </a:endParaRPr>
-          </a:p>
-        </p:txBody>
-      </p:sp>
-    </p:spTree>
-    <p:extLst>
-      <p:ext uri="{BB962C8B-B14F-4D97-AF65-F5344CB8AC3E}">
-        <p14:creationId xmlns:p14="http://schemas.microsoft.com/office/powerpoint/2010/main" val="453012430"/>
-      </p:ext>
-    </p:extLst>
-  </p:cSld>
-  <p:clrMapOvr>
-    <a:masterClrMapping/>
-  </p:clrMapOvr>
-</p:sld>
-</file>
-
-<file path=ppt/slides/slide15.xml><?xml version="1.0" encoding="utf-8"?>
-<p:sld xmlns:a="http://schemas.openxmlformats.org/drawingml/2006/main" xmlns:r="http://schemas.openxmlformats.org/officeDocument/2006/relationships" xmlns:p="http://schemas.openxmlformats.org/presentationml/2006/main">
-  <p:cSld>
-    <p:spTree>
-      <p:nvGrpSpPr>
-        <p:cNvPr id="1" name="Shape 270"/>
-        <p:cNvGrpSpPr/>
-        <p:nvPr/>
-      </p:nvGrpSpPr>
-      <p:grpSpPr>
-        <a:xfrm>
-          <a:off x="0" y="0"/>
-          <a:ext cx="0" cy="0"/>
-          <a:chOff x="0" y="0"/>
-          <a:chExt cx="0" cy="0"/>
-        </a:xfrm>
-      </p:grpSpPr>
-      <p:sp>
-        <p:nvSpPr>
-          <p:cNvPr id="271" name="Google Shape;271;p26"/>
-          <p:cNvSpPr txBox="1">
-            <a:spLocks noGrp="1"/>
-          </p:cNvSpPr>
-          <p:nvPr>
-            <p:ph type="title"/>
-          </p:nvPr>
-        </p:nvSpPr>
-        <p:spPr>
-          <a:prstGeom prst="rect">
-            <a:avLst/>
-          </a:prstGeom>
-          <a:noFill/>
-          <a:ln>
-            <a:noFill/>
-          </a:ln>
-        </p:spPr>
-        <p:txBody>
-          <a:bodyPr spcFirstLastPara="1" vert="horz" wrap="square" lIns="92075" tIns="46025" rIns="92075" bIns="46025" numCol="1" anchor="ctr" anchorCtr="0" compatLnSpc="1">
-            <a:prstTxWarp prst="textNoShape">
-              <a:avLst/>
-            </a:prstTxWarp>
-            <a:noAutofit/>
-          </a:bodyPr>
-          <a:lstStyle/>
-          <a:p>
-            <a:pPr>
-              <a:spcBef>
-                <a:spcPts val="0"/>
-              </a:spcBef>
-              <a:spcAft>
-                <a:spcPts val="0"/>
-              </a:spcAft>
-            </a:pPr>
-            <a:r>
-              <a:rPr lang="en-US" sz="3200" dirty="0">
-                <a:latin typeface="Arial"/>
-                <a:ea typeface="Arial"/>
-                <a:cs typeface="Arial"/>
-                <a:sym typeface="Arial"/>
-              </a:rPr>
-              <a:t>A Layered Design Process</a:t>
-            </a:r>
-            <a:endParaRPr dirty="0"/>
-          </a:p>
-        </p:txBody>
-      </p:sp>
-      <p:sp>
-        <p:nvSpPr>
-          <p:cNvPr id="272" name="Google Shape;272;p26"/>
-          <p:cNvSpPr txBox="1">
-            <a:spLocks noGrp="1"/>
-          </p:cNvSpPr>
-          <p:nvPr>
-            <p:ph idx="1"/>
-          </p:nvPr>
-        </p:nvSpPr>
-        <p:spPr>
-          <a:prstGeom prst="rect">
-            <a:avLst/>
-          </a:prstGeom>
-          <a:noFill/>
-          <a:ln>
-            <a:noFill/>
-          </a:ln>
-        </p:spPr>
-        <p:txBody>
-          <a:bodyPr spcFirstLastPara="1" vert="horz" wrap="square" lIns="92075" tIns="46025" rIns="92075" bIns="46025" numCol="1" anchor="t" anchorCtr="0" compatLnSpc="1">
-            <a:prstTxWarp prst="textNoShape">
-              <a:avLst/>
-            </a:prstTxWarp>
-            <a:noAutofit/>
-          </a:bodyPr>
-          <a:lstStyle/>
-          <a:p>
-            <a:pPr marL="285750" indent="-285750">
-              <a:spcBef>
-                <a:spcPts val="0"/>
-              </a:spcBef>
-              <a:spcAft>
-                <a:spcPts val="0"/>
-              </a:spcAft>
-              <a:buClr>
-                <a:schemeClr val="dk1"/>
-              </a:buClr>
-              <a:buSzPts val="2400"/>
-              <a:buFont typeface="Arial"/>
-              <a:buChar char="•"/>
-            </a:pPr>
-            <a:r>
-              <a:rPr lang="en-US" sz="2400" b="1" dirty="0">
-                <a:solidFill>
-                  <a:schemeClr val="dk1"/>
-                </a:solidFill>
-                <a:latin typeface="Arial"/>
-                <a:ea typeface="Arial"/>
-                <a:cs typeface="Arial"/>
-                <a:sym typeface="Arial"/>
-              </a:rPr>
-              <a:t>Build the application based entirely on the ADT interface</a:t>
-            </a:r>
-            <a:endParaRPr dirty="0"/>
-          </a:p>
-          <a:p>
-            <a:pPr marL="685800" lvl="1" indent="-228600">
-              <a:spcBef>
-                <a:spcPts val="540"/>
-              </a:spcBef>
-              <a:spcAft>
-                <a:spcPts val="0"/>
-              </a:spcAft>
-              <a:buClr>
-                <a:schemeClr val="dk1"/>
-              </a:buClr>
-              <a:buSzPts val="1800"/>
-              <a:buFont typeface="Arial"/>
-              <a:buChar char="–"/>
-            </a:pPr>
-            <a:r>
-              <a:rPr lang="en-US" b="1" dirty="0">
-                <a:solidFill>
-                  <a:schemeClr val="dk1"/>
-                </a:solidFill>
-                <a:latin typeface="Arial"/>
-                <a:ea typeface="Arial"/>
-                <a:cs typeface="Arial"/>
-                <a:sym typeface="Arial"/>
-              </a:rPr>
-              <a:t>Operations, Constructors and Selectors</a:t>
-            </a:r>
-            <a:endParaRPr dirty="0"/>
-          </a:p>
-          <a:p>
-            <a:pPr marL="285750" indent="-285750">
-              <a:spcBef>
-                <a:spcPts val="720"/>
-              </a:spcBef>
-              <a:spcAft>
-                <a:spcPts val="0"/>
-              </a:spcAft>
-              <a:buClr>
-                <a:schemeClr val="dk1"/>
-              </a:buClr>
-              <a:buSzPts val="2400"/>
-              <a:buFont typeface="Arial"/>
-              <a:buChar char="•"/>
-            </a:pPr>
-            <a:r>
-              <a:rPr lang="en-US" sz="2400" b="1" dirty="0">
-                <a:solidFill>
-                  <a:schemeClr val="dk1"/>
-                </a:solidFill>
-                <a:latin typeface="Arial"/>
-                <a:ea typeface="Arial"/>
-                <a:cs typeface="Arial"/>
-                <a:sym typeface="Arial"/>
-              </a:rPr>
-              <a:t>Build the operations in ADT on Constructors and Selectors</a:t>
-            </a:r>
-            <a:endParaRPr dirty="0"/>
-          </a:p>
-          <a:p>
-            <a:pPr marL="685800" lvl="1" indent="-228600">
-              <a:spcBef>
-                <a:spcPts val="540"/>
-              </a:spcBef>
-              <a:spcAft>
-                <a:spcPts val="0"/>
-              </a:spcAft>
-              <a:buClr>
-                <a:schemeClr val="dk1"/>
-              </a:buClr>
-              <a:buSzPts val="1800"/>
-              <a:buFont typeface="Arial"/>
-              <a:buChar char="–"/>
-            </a:pPr>
-            <a:r>
-              <a:rPr lang="en-US" b="1" dirty="0">
-                <a:solidFill>
-                  <a:schemeClr val="dk1"/>
-                </a:solidFill>
-                <a:latin typeface="Arial"/>
-                <a:ea typeface="Arial"/>
-                <a:cs typeface="Arial"/>
-                <a:sym typeface="Arial"/>
-              </a:rPr>
-              <a:t>Not the implementation representation</a:t>
-            </a:r>
-          </a:p>
-          <a:p>
-            <a:pPr marL="685800" lvl="1" indent="-228600">
-              <a:spcBef>
-                <a:spcPts val="540"/>
-              </a:spcBef>
-              <a:spcAft>
-                <a:spcPts val="0"/>
-              </a:spcAft>
-              <a:buClr>
-                <a:schemeClr val="dk1"/>
-              </a:buClr>
-              <a:buSzPts val="1800"/>
-              <a:buFont typeface="Arial"/>
-              <a:buChar char="–"/>
-            </a:pPr>
-            <a:r>
-              <a:rPr lang="en-US" dirty="0"/>
-              <a:t>This is the end of the abstraction barrier.</a:t>
-            </a:r>
-            <a:endParaRPr dirty="0"/>
-          </a:p>
-          <a:p>
-            <a:pPr marL="285750" indent="-285750">
-              <a:spcBef>
-                <a:spcPts val="720"/>
-              </a:spcBef>
-              <a:spcAft>
-                <a:spcPts val="0"/>
-              </a:spcAft>
-              <a:buClr>
-                <a:schemeClr val="dk1"/>
-              </a:buClr>
-              <a:buSzPts val="2400"/>
-              <a:buFont typeface="Arial"/>
-              <a:buChar char="•"/>
-            </a:pPr>
-            <a:r>
-              <a:rPr lang="en-US" sz="2400" b="1" dirty="0">
-                <a:solidFill>
-                  <a:schemeClr val="dk1"/>
-                </a:solidFill>
-                <a:latin typeface="Arial"/>
-                <a:ea typeface="Arial"/>
-                <a:cs typeface="Arial"/>
-                <a:sym typeface="Arial"/>
-              </a:rPr>
-              <a:t>Build the constructors and selectors on some concrete representation</a:t>
-            </a:r>
-            <a:endParaRPr dirty="0"/>
-          </a:p>
-        </p:txBody>
-      </p:sp>
-    </p:spTree>
-    <p:extLst>
-      <p:ext uri="{BB962C8B-B14F-4D97-AF65-F5344CB8AC3E}">
-        <p14:creationId xmlns:p14="http://schemas.microsoft.com/office/powerpoint/2010/main" val="2381109446"/>
-      </p:ext>
-    </p:extLst>
-  </p:cSld>
-  <p:clrMapOvr>
-    <a:masterClrMapping/>
-  </p:clrMapOvr>
-</p:sld>
-</file>
-
-<file path=ppt/slides/slide16.xml><?xml version="1.0" encoding="utf-8"?>
-<p:sld xmlns:a="http://schemas.openxmlformats.org/drawingml/2006/main" xmlns:r="http://schemas.openxmlformats.org/officeDocument/2006/relationships" xmlns:p="http://schemas.openxmlformats.org/presentationml/2006/main">
-  <p:cSld>
-    <p:spTree>
-      <p:nvGrpSpPr>
-        <p:cNvPr id="1" name="Shape 279"/>
-        <p:cNvGrpSpPr/>
-        <p:nvPr/>
-      </p:nvGrpSpPr>
-      <p:grpSpPr>
-        <a:xfrm>
-          <a:off x="0" y="0"/>
-          <a:ext cx="0" cy="0"/>
-          <a:chOff x="0" y="0"/>
-          <a:chExt cx="0" cy="0"/>
-        </a:xfrm>
-      </p:grpSpPr>
-      <p:sp>
-        <p:nvSpPr>
-          <p:cNvPr id="280" name="Google Shape;280;p27"/>
-          <p:cNvSpPr txBox="1">
-            <a:spLocks noGrp="1"/>
-          </p:cNvSpPr>
-          <p:nvPr>
-            <p:ph type="title"/>
-          </p:nvPr>
-        </p:nvSpPr>
-        <p:spPr>
-          <a:xfrm>
-            <a:off x="533400" y="228600"/>
-            <a:ext cx="10210800" cy="736600"/>
-          </a:xfrm>
-          <a:noFill/>
-          <a:ln>
-            <a:noFill/>
-          </a:ln>
-        </p:spPr>
-        <p:txBody>
-          <a:bodyPr spcFirstLastPara="1" vert="horz" wrap="square" lIns="92075" tIns="46025" rIns="92075" bIns="46025" numCol="1" anchor="ctr" anchorCtr="0" compatLnSpc="1">
-            <a:prstTxWarp prst="textNoShape">
-              <a:avLst/>
-            </a:prstTxWarp>
-            <a:noAutofit/>
-          </a:bodyPr>
-          <a:lstStyle/>
-          <a:p>
-            <a:r>
-              <a:rPr lang="en-US" dirty="0">
-                <a:sym typeface="Arial"/>
-              </a:rPr>
-              <a:t>Example: Tic Tac Toe and Phone Book</a:t>
-            </a:r>
-            <a:endParaRPr lang="en-US" dirty="0"/>
-          </a:p>
-        </p:txBody>
-      </p:sp>
-      <p:sp>
-        <p:nvSpPr>
-          <p:cNvPr id="281" name="Google Shape;281;p27"/>
-          <p:cNvSpPr txBox="1">
-            <a:spLocks noGrp="1"/>
-          </p:cNvSpPr>
-          <p:nvPr>
-            <p:ph idx="1"/>
-          </p:nvPr>
-        </p:nvSpPr>
-        <p:spPr>
-          <a:xfrm>
-            <a:off x="533400" y="1066800"/>
-            <a:ext cx="11125200" cy="5257800"/>
-          </a:xfrm>
-          <a:noFill/>
-          <a:ln>
-            <a:noFill/>
-          </a:ln>
-        </p:spPr>
-        <p:txBody>
-          <a:bodyPr spcFirstLastPara="1" vert="horz" wrap="square" lIns="92075" tIns="46025" rIns="92075" bIns="46025" numCol="1" anchor="t" anchorCtr="0" compatLnSpc="1">
-            <a:prstTxWarp prst="textNoShape">
-              <a:avLst/>
-            </a:prstTxWarp>
-            <a:noAutofit/>
-          </a:bodyPr>
-          <a:lstStyle/>
-          <a:p>
-            <a:r>
-              <a:rPr lang="en-US" dirty="0"/>
-              <a:t>See the companion notebook.</a:t>
-            </a:r>
-          </a:p>
-          <a:p>
-            <a:r>
-              <a:rPr lang="en-US" dirty="0"/>
-              <a:t>Download the file "</a:t>
-            </a:r>
-            <a:r>
-              <a:rPr lang="en-US" dirty="0" err="1"/>
-              <a:t>ipynb</a:t>
-            </a:r>
-            <a:r>
-              <a:rPr lang="en-US" dirty="0"/>
-              <a:t>"</a:t>
-            </a:r>
-          </a:p>
-          <a:p>
-            <a:pPr lvl="1"/>
-            <a:r>
-              <a:rPr lang="en-US" dirty="0"/>
-              <a:t>Go to </a:t>
-            </a:r>
-            <a:r>
-              <a:rPr lang="en-US" dirty="0" err="1"/>
-              <a:t>datahub.berkeley.edu</a:t>
-            </a:r>
-            <a:endParaRPr lang="en-US" dirty="0"/>
-          </a:p>
-          <a:p>
-            <a:pPr lvl="1"/>
-            <a:r>
-              <a:rPr lang="en-US" dirty="0"/>
-              <a:t>Log in, then select "Upload"</a:t>
-            </a:r>
-          </a:p>
-        </p:txBody>
-      </p:sp>
-    </p:spTree>
-    <p:extLst>
-      <p:ext uri="{BB962C8B-B14F-4D97-AF65-F5344CB8AC3E}">
-        <p14:creationId xmlns:p14="http://schemas.microsoft.com/office/powerpoint/2010/main" val="436779345"/>
-      </p:ext>
-    </p:extLst>
-  </p:cSld>
-  <p:clrMapOvr>
-    <a:masterClrMapping/>
-  </p:clrMapOvr>
-</p:sld>
-</file>
-
-<file path=ppt/slides/slide17.xml><?xml version="1.0" encoding="utf-8"?>
-<p:sld xmlns:a="http://schemas.openxmlformats.org/drawingml/2006/main" xmlns:r="http://schemas.openxmlformats.org/officeDocument/2006/relationships" xmlns:p="http://schemas.openxmlformats.org/presentationml/2006/main">
-  <p:cSld>
-    <p:spTree>
-      <p:nvGrpSpPr>
-        <p:cNvPr id="1" name=""/>
-        <p:cNvGrpSpPr/>
-        <p:nvPr/>
-      </p:nvGrpSpPr>
-      <p:grpSpPr>
-        <a:xfrm>
-          <a:off x="0" y="0"/>
-          <a:ext cx="0" cy="0"/>
-          <a:chOff x="0" y="0"/>
-          <a:chExt cx="0" cy="0"/>
-        </a:xfrm>
-      </p:grpSpPr>
-      <p:sp>
-        <p:nvSpPr>
-          <p:cNvPr id="2" name="Title 1">
-            <a:extLst>
-              <a:ext uri="{FF2B5EF4-FFF2-40B4-BE49-F238E27FC236}">
-                <a16:creationId xmlns:a16="http://schemas.microsoft.com/office/drawing/2014/main" id="{C82B3567-CACD-6D40-99A9-5715927FF0D2}"/>
-              </a:ext>
-            </a:extLst>
-          </p:cNvPr>
-          <p:cNvSpPr>
-            <a:spLocks noGrp="1"/>
-          </p:cNvSpPr>
-          <p:nvPr>
-            <p:ph type="title"/>
-          </p:nvPr>
-        </p:nvSpPr>
-        <p:spPr/>
-        <p:txBody>
-          <a:bodyPr/>
-          <a:lstStyle/>
-          <a:p>
-            <a:r>
-              <a:rPr lang="en-US" dirty="0"/>
-              <a:t>Question: The Abstraction Barrier</a:t>
-            </a:r>
-          </a:p>
-        </p:txBody>
-      </p:sp>
-      <p:sp>
-        <p:nvSpPr>
-          <p:cNvPr id="3" name="Text Placeholder 2">
-            <a:extLst>
-              <a:ext uri="{FF2B5EF4-FFF2-40B4-BE49-F238E27FC236}">
-                <a16:creationId xmlns:a16="http://schemas.microsoft.com/office/drawing/2014/main" id="{08549D87-93D4-AF42-A483-337D73057EBA}"/>
-              </a:ext>
-            </a:extLst>
-          </p:cNvPr>
-          <p:cNvSpPr>
-            <a:spLocks noGrp="1"/>
-          </p:cNvSpPr>
-          <p:nvPr>
-            <p:ph idx="1"/>
-          </p:nvPr>
-        </p:nvSpPr>
-        <p:spPr>
-          <a:xfrm>
-            <a:off x="2209800" y="1066800"/>
-            <a:ext cx="8244840" cy="5257800"/>
-          </a:xfrm>
-        </p:spPr>
-        <p:txBody>
-          <a:bodyPr/>
-          <a:lstStyle/>
-          <a:p>
-            <a:pPr marL="76200" indent="0">
-              <a:buNone/>
-            </a:pPr>
-            <a:r>
-              <a:rPr lang="en-US" dirty="0"/>
-              <a:t>Which of these </a:t>
-            </a:r>
-            <a:r>
-              <a:rPr lang="en-US" i="1" dirty="0"/>
-              <a:t>violates</a:t>
-            </a:r>
-            <a:r>
-              <a:rPr lang="en-US" dirty="0"/>
-              <a:t> a board ADT? </a:t>
-            </a:r>
-            <a:endParaRPr lang="en-US" dirty="0">
-              <a:latin typeface="Source Code Pro" panose="020B0509030403020204" pitchFamily="49" charset="77"/>
-            </a:endParaRPr>
-          </a:p>
-          <a:p>
-            <a:pPr marL="76200" indent="0">
-              <a:buNone/>
-            </a:pPr>
-            <a:endParaRPr lang="en-US" dirty="0"/>
-          </a:p>
-          <a:p>
-            <a:endParaRPr lang="en-US" dirty="0"/>
-          </a:p>
-          <a:p>
-            <a:r>
-              <a:rPr lang="en-US" dirty="0">
-                <a:latin typeface="Source Code Pro" panose="020B0509030403020204" pitchFamily="49" charset="77"/>
-              </a:rPr>
-              <a:t>A) </a:t>
-            </a:r>
-            <a:r>
-              <a:rPr lang="en-US" dirty="0" err="1">
-                <a:latin typeface="Source Code Pro" panose="020B0509030403020204" pitchFamily="49" charset="77"/>
-              </a:rPr>
-              <a:t>diag_left</a:t>
-            </a:r>
-            <a:r>
-              <a:rPr lang="en-US" dirty="0">
-                <a:latin typeface="Source Code Pro" panose="020B0509030403020204" pitchFamily="49" charset="77"/>
-              </a:rPr>
-              <a:t> = diagonal(board, 0)</a:t>
-            </a:r>
-          </a:p>
-          <a:p>
-            <a:r>
-              <a:rPr lang="en-US" dirty="0">
-                <a:latin typeface="Source Code Pro" panose="020B0509030403020204" pitchFamily="49" charset="77"/>
-              </a:rPr>
-              <a:t>B) board[0][2] = 'x'</a:t>
-            </a:r>
-          </a:p>
-          <a:p>
-            <a:r>
-              <a:rPr lang="en-US" dirty="0">
-                <a:latin typeface="Source Code Pro" panose="020B0509030403020204" pitchFamily="49" charset="77"/>
-              </a:rPr>
-              <a:t>C) </a:t>
-            </a:r>
-            <a:r>
-              <a:rPr lang="en-US" dirty="0" err="1">
-                <a:latin typeface="Source Code Pro" panose="020B0509030403020204" pitchFamily="49" charset="77"/>
-              </a:rPr>
-              <a:t>all_rows</a:t>
-            </a:r>
-            <a:r>
-              <a:rPr lang="en-US" dirty="0">
-                <a:latin typeface="Source Code Pro" panose="020B0509030403020204" pitchFamily="49" charset="77"/>
-              </a:rPr>
-              <a:t> = rows(board)</a:t>
-            </a:r>
-          </a:p>
-          <a:p>
-            <a:r>
-              <a:rPr lang="en-US" dirty="0">
-                <a:latin typeface="Source Code Pro" panose="020B0509030403020204" pitchFamily="49" charset="77"/>
-              </a:rPr>
-              <a:t>D) board = </a:t>
-            </a:r>
-            <a:r>
-              <a:rPr lang="en-US" dirty="0" err="1">
-                <a:latin typeface="Source Code Pro" panose="020B0509030403020204" pitchFamily="49" charset="77"/>
-              </a:rPr>
-              <a:t>empty_board</a:t>
-            </a:r>
-            <a:r>
-              <a:rPr lang="en-US" dirty="0">
-                <a:latin typeface="Source Code Pro" panose="020B0509030403020204" pitchFamily="49" charset="77"/>
-              </a:rPr>
-              <a:t>()</a:t>
-            </a:r>
-          </a:p>
-          <a:p>
-            <a:r>
-              <a:rPr lang="en-US" dirty="0">
-                <a:latin typeface="Source Code Pro" panose="020B0509030403020204" pitchFamily="49" charset="77"/>
-              </a:rPr>
-              <a:t>E) None of the above</a:t>
-            </a:r>
-          </a:p>
-        </p:txBody>
-      </p:sp>
-    </p:spTree>
-    <p:extLst>
-      <p:ext uri="{BB962C8B-B14F-4D97-AF65-F5344CB8AC3E}">
-        <p14:creationId xmlns:p14="http://schemas.microsoft.com/office/powerpoint/2010/main" val="4002893810"/>
-      </p:ext>
-    </p:extLst>
-  </p:cSld>
-  <p:clrMapOvr>
-    <a:masterClrMapping/>
-  </p:clrMapOvr>
-</p:sld>
-</file>
-
-<file path=ppt/slides/slide2.xml><?xml version="1.0" encoding="utf-8"?>
-<p:sld xmlns:a="http://schemas.openxmlformats.org/drawingml/2006/main" xmlns:r="http://schemas.openxmlformats.org/officeDocument/2006/relationships" xmlns:p="http://schemas.openxmlformats.org/presentationml/2006/main">
-  <p:cSld>
-    <p:spTree>
-      <p:nvGrpSpPr>
-        <p:cNvPr id="1" name=""/>
-        <p:cNvGrpSpPr/>
-        <p:nvPr/>
-      </p:nvGrpSpPr>
-      <p:grpSpPr>
-        <a:xfrm>
-          <a:off x="0" y="0"/>
-          <a:ext cx="0" cy="0"/>
-          <a:chOff x="0" y="0"/>
-          <a:chExt cx="0" cy="0"/>
-        </a:xfrm>
-      </p:grpSpPr>
-      <p:sp>
-        <p:nvSpPr>
-          <p:cNvPr id="2" name="Title 1">
-            <a:extLst>
-              <a:ext uri="{FF2B5EF4-FFF2-40B4-BE49-F238E27FC236}">
-                <a16:creationId xmlns:a16="http://schemas.microsoft.com/office/drawing/2014/main" id="{318E707D-36BB-5F4C-BA23-2727C7C64332}"/>
-              </a:ext>
-            </a:extLst>
-          </p:cNvPr>
-          <p:cNvSpPr>
-            <a:spLocks noGrp="1"/>
-          </p:cNvSpPr>
-          <p:nvPr>
-            <p:ph type="title"/>
-          </p:nvPr>
-        </p:nvSpPr>
-        <p:spPr/>
-        <p:txBody>
-          <a:bodyPr/>
-          <a:lstStyle/>
-          <a:p>
-            <a:r>
-              <a:rPr lang="en-US" dirty="0"/>
-              <a:t>Announcements</a:t>
-            </a:r>
-          </a:p>
-        </p:txBody>
-      </p:sp>
-      <p:sp>
-        <p:nvSpPr>
-          <p:cNvPr id="3" name="Content Placeholder 2">
-            <a:extLst>
-              <a:ext uri="{FF2B5EF4-FFF2-40B4-BE49-F238E27FC236}">
-                <a16:creationId xmlns:a16="http://schemas.microsoft.com/office/drawing/2014/main" id="{B6079835-8F86-7549-B737-56E3BB4638DD}"/>
-              </a:ext>
-            </a:extLst>
-          </p:cNvPr>
-          <p:cNvSpPr>
-            <a:spLocks noGrp="1"/>
-          </p:cNvSpPr>
-          <p:nvPr>
-            <p:ph idx="1"/>
-          </p:nvPr>
-        </p:nvSpPr>
-        <p:spPr/>
-        <p:txBody>
-          <a:bodyPr/>
-          <a:lstStyle/>
-          <a:p>
-            <a:r>
-              <a:rPr lang="en-US" dirty="0"/>
-              <a:t>Midterm: 3/16, 7-9pm</a:t>
-            </a:r>
-          </a:p>
-          <a:p>
-            <a:pPr lvl="1"/>
-            <a:r>
-              <a:rPr lang="en-US" dirty="0"/>
-              <a:t> Will have </a:t>
-            </a:r>
-            <a:r>
-              <a:rPr lang="en-US" b="1" dirty="0"/>
-              <a:t>5 (double-sided) cheat sheets</a:t>
-            </a:r>
-          </a:p>
-          <a:p>
-            <a:pPr lvl="1"/>
-            <a:r>
-              <a:rPr lang="en-US" b="1" dirty="0"/>
-              <a:t>Can be taken remotely, but with Zoom proctoring</a:t>
-            </a:r>
-          </a:p>
-          <a:p>
-            <a:pPr lvl="1"/>
-            <a:r>
-              <a:rPr lang="en-US" b="1" dirty="0"/>
-              <a:t> Will announce rooms closer to the date of the exam</a:t>
-            </a:r>
-          </a:p>
-          <a:p>
-            <a:pPr lvl="1"/>
-            <a:r>
-              <a:rPr lang="en-US" b="1" dirty="0"/>
-              <a:t> Watch out for forms and info.</a:t>
-            </a:r>
-          </a:p>
-          <a:p>
-            <a:r>
-              <a:rPr lang="en-US" b="1" dirty="0"/>
-              <a:t>Project 1: Maps</a:t>
-            </a:r>
-          </a:p>
-          <a:p>
-            <a:pPr lvl="1"/>
-            <a:r>
-              <a:rPr lang="en-US" b="1" dirty="0"/>
-              <a:t> out soon</a:t>
-            </a:r>
-          </a:p>
-          <a:p>
-            <a:pPr lvl="1"/>
-            <a:r>
-              <a:rPr lang="en-US" b="1" dirty="0"/>
-              <a:t> Partner project!</a:t>
-            </a:r>
-          </a:p>
-          <a:p>
-            <a:pPr lvl="1"/>
-            <a:endParaRPr lang="en-US" dirty="0"/>
-          </a:p>
-        </p:txBody>
-      </p:sp>
-    </p:spTree>
-    <p:extLst>
-      <p:ext uri="{BB962C8B-B14F-4D97-AF65-F5344CB8AC3E}">
-        <p14:creationId xmlns:p14="http://schemas.microsoft.com/office/powerpoint/2010/main" val="574618977"/>
-      </p:ext>
-    </p:extLst>
-  </p:cSld>
-  <p:clrMapOvr>
-    <a:masterClrMapping/>
-  </p:clrMapOvr>
-</p:sld>
-</file>
-
-<file path=ppt/slides/slide3.xml><?xml version="1.0" encoding="utf-8"?>
-<p:sld xmlns:a="http://schemas.openxmlformats.org/drawingml/2006/main" xmlns:r="http://schemas.openxmlformats.org/officeDocument/2006/relationships" xmlns:p="http://schemas.openxmlformats.org/presentationml/2006/main">
-  <p:cSld>
-    <p:spTree>
-      <p:nvGrpSpPr>
-        <p:cNvPr id="1" name="Shape 169"/>
-        <p:cNvGrpSpPr/>
-        <p:nvPr/>
-      </p:nvGrpSpPr>
-      <p:grpSpPr>
-        <a:xfrm>
-          <a:off x="0" y="0"/>
-          <a:ext cx="0" cy="0"/>
-          <a:chOff x="0" y="0"/>
-          <a:chExt cx="0" cy="0"/>
-        </a:xfrm>
-      </p:grpSpPr>
-      <p:sp>
-        <p:nvSpPr>
-          <p:cNvPr id="170" name="Google Shape;170;p17"/>
-          <p:cNvSpPr txBox="1">
-            <a:spLocks noGrp="1"/>
-          </p:cNvSpPr>
-          <p:nvPr>
-            <p:ph type="title"/>
-          </p:nvPr>
-        </p:nvSpPr>
-        <p:spPr>
-          <a:xfrm>
-            <a:off x="533400" y="228600"/>
-            <a:ext cx="10210800" cy="736600"/>
-          </a:xfrm>
-          <a:noFill/>
-          <a:ln>
-            <a:noFill/>
-          </a:ln>
-        </p:spPr>
-        <p:txBody>
-          <a:bodyPr spcFirstLastPara="1" vert="horz" wrap="square" lIns="92075" tIns="46025" rIns="92075" bIns="46025" numCol="1" anchor="ctr" anchorCtr="0" compatLnSpc="1">
-            <a:prstTxWarp prst="textNoShape">
-              <a:avLst/>
-            </a:prstTxWarp>
-            <a:noAutofit/>
-          </a:bodyPr>
-          <a:lstStyle/>
-          <a:p>
-            <a:r>
-              <a:rPr lang="en-US" sz="3600" dirty="0">
-                <a:sym typeface="Arial"/>
-              </a:rPr>
-              <a:t>Today’s Lecture</a:t>
-            </a:r>
-            <a:endParaRPr lang="en-US" sz="3600" dirty="0"/>
-          </a:p>
-        </p:txBody>
-      </p:sp>
-      <p:sp>
-        <p:nvSpPr>
-          <p:cNvPr id="171" name="Google Shape;171;p17"/>
-          <p:cNvSpPr txBox="1">
-            <a:spLocks noGrp="1"/>
-          </p:cNvSpPr>
-          <p:nvPr>
-            <p:ph idx="1"/>
-          </p:nvPr>
-        </p:nvSpPr>
-        <p:spPr>
-          <a:xfrm>
-            <a:off x="533400" y="1066800"/>
-            <a:ext cx="11125200" cy="5257800"/>
-          </a:xfrm>
-          <a:noFill/>
-          <a:ln>
-            <a:noFill/>
-          </a:ln>
-        </p:spPr>
-        <p:txBody>
-          <a:bodyPr spcFirstLastPara="1" vert="horz" wrap="square" lIns="92075" tIns="46025" rIns="92075" bIns="46025" numCol="1" anchor="t" anchorCtr="0" compatLnSpc="1">
-            <a:prstTxWarp prst="textNoShape">
-              <a:avLst/>
-            </a:prstTxWarp>
-            <a:noAutofit/>
-          </a:bodyPr>
-          <a:lstStyle/>
-          <a:p>
-            <a:r>
-              <a:rPr lang="en-US" sz="2400" dirty="0"/>
-              <a:t>Abstract Data Types</a:t>
-            </a:r>
-          </a:p>
-          <a:p>
-            <a:pPr lvl="1"/>
-            <a:r>
-              <a:rPr lang="en-US" sz="2400" dirty="0"/>
-              <a:t>More use of functions!</a:t>
-            </a:r>
-          </a:p>
-          <a:p>
-            <a:pPr lvl="1"/>
-            <a:r>
-              <a:rPr lang="en-US" sz="2400" dirty="0"/>
-              <a:t>Value in documentation and clarity</a:t>
-            </a:r>
-          </a:p>
-        </p:txBody>
-      </p:sp>
-    </p:spTree>
-    <p:extLst>
-      <p:ext uri="{BB962C8B-B14F-4D97-AF65-F5344CB8AC3E}">
-        <p14:creationId xmlns:p14="http://schemas.microsoft.com/office/powerpoint/2010/main" val="2321860536"/>
-      </p:ext>
-    </p:extLst>
-  </p:cSld>
-  <p:clrMapOvr>
-    <a:masterClrMapping/>
-  </p:clrMapOvr>
-</p:sld>
-</file>
-
-<file path=ppt/slides/slide4.xml><?xml version="1.0" encoding="utf-8"?>
-<p:sld xmlns:a="http://schemas.openxmlformats.org/drawingml/2006/main" xmlns:r="http://schemas.openxmlformats.org/officeDocument/2006/relationships" xmlns:p="http://schemas.openxmlformats.org/presentationml/2006/main">
-  <p:cSld>
-    <p:spTree>
-      <p:nvGrpSpPr>
-        <p:cNvPr id="1" name=""/>
-        <p:cNvGrpSpPr/>
-        <p:nvPr/>
-      </p:nvGrpSpPr>
-      <p:grpSpPr>
-        <a:xfrm>
-          <a:off x="0" y="0"/>
-          <a:ext cx="0" cy="0"/>
-          <a:chOff x="0" y="0"/>
-          <a:chExt cx="0" cy="0"/>
-        </a:xfrm>
-      </p:grpSpPr>
-      <p:sp>
-        <p:nvSpPr>
-          <p:cNvPr id="2" name="Title 1">
-            <a:extLst>
-              <a:ext uri="{FF2B5EF4-FFF2-40B4-BE49-F238E27FC236}">
-                <a16:creationId xmlns:a16="http://schemas.microsoft.com/office/drawing/2014/main" id="{EB14EB12-0C9F-3746-854D-651CEBFE86CE}"/>
-              </a:ext>
-            </a:extLst>
-          </p:cNvPr>
-          <p:cNvSpPr>
-            <a:spLocks noGrp="1"/>
-          </p:cNvSpPr>
-          <p:nvPr>
-            <p:ph type="title"/>
-          </p:nvPr>
-        </p:nvSpPr>
-        <p:spPr/>
-        <p:txBody>
-          <a:bodyPr/>
-          <a:lstStyle/>
-          <a:p>
-            <a:r>
-              <a:rPr lang="en-US" sz="3600" dirty="0"/>
-              <a:t>Abstract Data Type</a:t>
-            </a:r>
-          </a:p>
-        </p:txBody>
-      </p:sp>
-      <p:sp>
-        <p:nvSpPr>
-          <p:cNvPr id="3" name="Content Placeholder 2">
-            <a:extLst>
-              <a:ext uri="{FF2B5EF4-FFF2-40B4-BE49-F238E27FC236}">
-                <a16:creationId xmlns:a16="http://schemas.microsoft.com/office/drawing/2014/main" id="{D4238813-95CA-8B45-825F-2253C2678B52}"/>
-              </a:ext>
-            </a:extLst>
-          </p:cNvPr>
-          <p:cNvSpPr>
-            <a:spLocks noGrp="1"/>
-          </p:cNvSpPr>
-          <p:nvPr>
-            <p:ph idx="1"/>
-          </p:nvPr>
-        </p:nvSpPr>
-        <p:spPr/>
-        <p:txBody>
-          <a:bodyPr/>
-          <a:lstStyle/>
-          <a:p>
-            <a:r>
-              <a:rPr lang="en-US" sz="2600" dirty="0"/>
-              <a:t>Uses pure functions to encapsulate some logic as part of a program.</a:t>
-            </a:r>
-          </a:p>
-          <a:p>
-            <a:r>
-              <a:rPr lang="en-US" sz="2600" dirty="0"/>
-              <a:t>We rely of built-in types (int, str, list, </a:t>
-            </a:r>
-            <a:r>
-              <a:rPr lang="en-US" sz="2600" dirty="0" err="1"/>
-              <a:t>etc</a:t>
-            </a:r>
-            <a:r>
-              <a:rPr lang="en-US" sz="2600" dirty="0"/>
-              <a:t>) to build ADTs</a:t>
-            </a:r>
-          </a:p>
-          <a:p>
-            <a:r>
-              <a:rPr lang="en-US" sz="2600" dirty="0"/>
-              <a:t>This is a contrast to object-oriented programming</a:t>
-            </a:r>
-          </a:p>
-          <a:p>
-            <a:pPr lvl="1"/>
-            <a:r>
-              <a:rPr lang="en-US" sz="2600" dirty="0"/>
-              <a:t>Which is coming soon!</a:t>
-            </a:r>
-          </a:p>
-        </p:txBody>
-      </p:sp>
-    </p:spTree>
-    <p:extLst>
-      <p:ext uri="{BB962C8B-B14F-4D97-AF65-F5344CB8AC3E}">
-        <p14:creationId xmlns:p14="http://schemas.microsoft.com/office/powerpoint/2010/main" val="3290418895"/>
-      </p:ext>
-    </p:extLst>
-  </p:cSld>
-  <p:clrMapOvr>
-    <a:masterClrMapping/>
-  </p:clrMapOvr>
-</p:sld>
-</file>
-
-<file path=ppt/slides/slide5.xml><?xml version="1.0" encoding="utf-8"?>
-<p:sld xmlns:a="http://schemas.openxmlformats.org/drawingml/2006/main" xmlns:r="http://schemas.openxmlformats.org/officeDocument/2006/relationships" xmlns:p="http://schemas.openxmlformats.org/presentationml/2006/main">
-  <p:cSld>
-    <p:spTree>
-      <p:nvGrpSpPr>
-        <p:cNvPr id="1" name=""/>
-        <p:cNvGrpSpPr/>
-        <p:nvPr/>
-      </p:nvGrpSpPr>
-      <p:grpSpPr>
-        <a:xfrm>
-          <a:off x="0" y="0"/>
-          <a:ext cx="0" cy="0"/>
-          <a:chOff x="0" y="0"/>
-          <a:chExt cx="0" cy="0"/>
-        </a:xfrm>
-      </p:grpSpPr>
-      <p:sp>
-        <p:nvSpPr>
-          <p:cNvPr id="2" name="Title 1">
-            <a:extLst>
-              <a:ext uri="{FF2B5EF4-FFF2-40B4-BE49-F238E27FC236}">
-                <a16:creationId xmlns:a16="http://schemas.microsoft.com/office/drawing/2014/main" id="{36B6195A-9A97-B04A-B6C0-EF95068317AB}"/>
-              </a:ext>
-            </a:extLst>
-          </p:cNvPr>
-          <p:cNvSpPr>
-            <a:spLocks noGrp="1"/>
-          </p:cNvSpPr>
-          <p:nvPr>
-            <p:ph type="title"/>
-          </p:nvPr>
-        </p:nvSpPr>
-        <p:spPr/>
-        <p:txBody>
-          <a:bodyPr/>
-          <a:lstStyle/>
-          <a:p>
-            <a:r>
-              <a:rPr lang="en-US" sz="3600" dirty="0"/>
-              <a:t>Creating Abstractions</a:t>
-            </a:r>
-          </a:p>
-        </p:txBody>
-      </p:sp>
-      <p:sp>
-        <p:nvSpPr>
-          <p:cNvPr id="3" name="Text Placeholder 2">
-            <a:extLst>
-              <a:ext uri="{FF2B5EF4-FFF2-40B4-BE49-F238E27FC236}">
-                <a16:creationId xmlns:a16="http://schemas.microsoft.com/office/drawing/2014/main" id="{8D8B326C-C421-E14D-8661-C40157E05458}"/>
-              </a:ext>
-            </a:extLst>
-          </p:cNvPr>
-          <p:cNvSpPr>
-            <a:spLocks noGrp="1"/>
-          </p:cNvSpPr>
-          <p:nvPr>
-            <p:ph idx="1"/>
-          </p:nvPr>
-        </p:nvSpPr>
-        <p:spPr/>
-        <p:txBody>
-          <a:bodyPr/>
-          <a:lstStyle/>
-          <a:p>
-            <a:r>
-              <a:rPr lang="en-US" dirty="0"/>
-              <a:t>Compound values combine other values together</a:t>
-            </a:r>
-          </a:p>
-          <a:p>
-            <a:pPr lvl="1"/>
-            <a:r>
-              <a:rPr lang="en-US" dirty="0"/>
-              <a:t>date: a year, a month, and a day</a:t>
-            </a:r>
-          </a:p>
-          <a:p>
-            <a:pPr lvl="1"/>
-            <a:r>
-              <a:rPr lang="en-US" dirty="0"/>
-              <a:t>geographic position: latitude and longitude</a:t>
-            </a:r>
-          </a:p>
-          <a:p>
-            <a:pPr lvl="1"/>
-            <a:r>
-              <a:rPr lang="en-US" dirty="0"/>
-              <a:t>a game board</a:t>
-            </a:r>
-          </a:p>
-          <a:p>
-            <a:endParaRPr lang="en-US" dirty="0"/>
-          </a:p>
-          <a:p>
-            <a:r>
-              <a:rPr lang="en-US" dirty="0"/>
-              <a:t>Data abstraction lets us manipulate compound values as units</a:t>
-            </a:r>
-          </a:p>
-          <a:p>
-            <a:r>
-              <a:rPr lang="en-US" dirty="0"/>
-              <a:t>Isolate two parts of any program that uses data: </a:t>
-            </a:r>
-          </a:p>
-          <a:p>
-            <a:pPr lvl="1"/>
-            <a:r>
-              <a:rPr lang="en-US" dirty="0"/>
-              <a:t>How data are represented (as parts) </a:t>
-            </a:r>
-          </a:p>
-          <a:p>
-            <a:pPr lvl="1"/>
-            <a:r>
-              <a:rPr lang="en-US" dirty="0"/>
-              <a:t>How data are manipulated (as units) </a:t>
-            </a:r>
-          </a:p>
-          <a:p>
-            <a:r>
-              <a:rPr lang="en-US" dirty="0"/>
-              <a:t>Data abstraction: A methodology by which functions enforce an abstraction barrier between </a:t>
-            </a:r>
-            <a:r>
-              <a:rPr lang="en-US" i="1" dirty="0"/>
-              <a:t>representation </a:t>
-            </a:r>
-            <a:r>
-              <a:rPr lang="en-US" dirty="0"/>
-              <a:t>and </a:t>
-            </a:r>
-            <a:r>
-              <a:rPr lang="en-US" i="1" dirty="0"/>
-              <a:t>use </a:t>
-            </a:r>
-            <a:endParaRPr lang="en-US" dirty="0"/>
-          </a:p>
-          <a:p>
-            <a:endParaRPr lang="en-US" dirty="0"/>
-          </a:p>
-          <a:p>
-            <a:endParaRPr lang="en-US" dirty="0"/>
-          </a:p>
-          <a:p>
-            <a:endParaRPr lang="en-US" dirty="0"/>
-          </a:p>
-        </p:txBody>
-      </p:sp>
-      <p:sp>
-        <p:nvSpPr>
-          <p:cNvPr id="4" name="Slide Number Placeholder 3">
-            <a:extLst>
-              <a:ext uri="{FF2B5EF4-FFF2-40B4-BE49-F238E27FC236}">
-                <a16:creationId xmlns:a16="http://schemas.microsoft.com/office/drawing/2014/main" id="{377A9749-0C88-F74C-9292-4AF2DE3A97E5}"/>
-              </a:ext>
-            </a:extLst>
-          </p:cNvPr>
-          <p:cNvSpPr>
-            <a:spLocks noGrp="1"/>
-          </p:cNvSpPr>
-          <p:nvPr>
-            <p:ph type="sldNum" idx="4294967295"/>
-          </p:nvPr>
-        </p:nvSpPr>
-        <p:spPr>
-          <a:xfrm>
-            <a:off x="10134600" y="6553200"/>
-            <a:ext cx="533400" cy="304800"/>
-          </a:xfrm>
-          <a:prstGeom prst="rect">
-            <a:avLst/>
-          </a:prstGeom>
-        </p:spPr>
-        <p:txBody>
-          <a:bodyPr/>
-          <a:lstStyle/>
-          <a:p>
-            <a:pPr algn="r"/>
-            <a:fld id="{00000000-1234-1234-1234-123412341234}" type="slidenum">
-              <a:rPr lang="en-US" smtClean="0"/>
-              <a:pPr algn="r"/>
-              <a:t>5</a:t>
-            </a:fld>
-            <a:endParaRPr lang="en-US" b="0"/>
-          </a:p>
-        </p:txBody>
-      </p:sp>
-    </p:spTree>
-    <p:extLst>
-      <p:ext uri="{BB962C8B-B14F-4D97-AF65-F5344CB8AC3E}">
-        <p14:creationId xmlns:p14="http://schemas.microsoft.com/office/powerpoint/2010/main" val="1016480092"/>
-      </p:ext>
-    </p:extLst>
-  </p:cSld>
-  <p:clrMapOvr>
-    <a:masterClrMapping/>
-  </p:clrMapOvr>
-</p:sld>
-</file>
-
-<file path=ppt/slides/slide6.xml><?xml version="1.0" encoding="utf-8"?>
-<p:sld xmlns:a="http://schemas.openxmlformats.org/drawingml/2006/main" xmlns:r="http://schemas.openxmlformats.org/officeDocument/2006/relationships" xmlns:p="http://schemas.openxmlformats.org/presentationml/2006/main">
-  <p:cSld>
-    <p:spTree>
-      <p:nvGrpSpPr>
-        <p:cNvPr id="1" name=""/>
-        <p:cNvGrpSpPr/>
-        <p:nvPr/>
-      </p:nvGrpSpPr>
-      <p:grpSpPr>
-        <a:xfrm>
-          <a:off x="0" y="0"/>
-          <a:ext cx="0" cy="0"/>
-          <a:chOff x="0" y="0"/>
-          <a:chExt cx="0" cy="0"/>
-        </a:xfrm>
-      </p:grpSpPr>
-      <p:sp>
-        <p:nvSpPr>
-          <p:cNvPr id="2" name="Title 1">
-            <a:extLst>
-              <a:ext uri="{FF2B5EF4-FFF2-40B4-BE49-F238E27FC236}">
                 <a16:creationId xmlns:a16="http://schemas.microsoft.com/office/drawing/2014/main" id="{0304CCEA-ABE1-994B-9C87-AE7A1DFBB9AD}"/>
               </a:ext>
             </a:extLst>
@@ -9607,7 +7388,7 @@
 </p:sld>
 </file>
 
-<file path=ppt/slides/slide7.xml><?xml version="1.0" encoding="utf-8"?>
+<file path=ppt/slides/slide12.xml><?xml version="1.0" encoding="utf-8"?>
 <p:sld xmlns:a="http://schemas.openxmlformats.org/drawingml/2006/main" xmlns:r="http://schemas.openxmlformats.org/officeDocument/2006/relationships" xmlns:p="http://schemas.openxmlformats.org/presentationml/2006/main">
   <p:cSld>
     <p:spTree>
@@ -10343,7 +8124,7 @@
 </p:sld>
 </file>
 
-<file path=ppt/slides/slide8.xml><?xml version="1.0" encoding="utf-8"?>
+<file path=ppt/slides/slide13.xml><?xml version="1.0" encoding="utf-8"?>
 <p:sld xmlns:a="http://schemas.openxmlformats.org/drawingml/2006/main" xmlns:r="http://schemas.openxmlformats.org/officeDocument/2006/relationships" xmlns:p="http://schemas.openxmlformats.org/presentationml/2006/main">
   <p:cSld>
     <p:spTree>
@@ -10976,7 +8757,7 @@
 </p:sld>
 </file>
 
-<file path=ppt/slides/slide9.xml><?xml version="1.0" encoding="utf-8"?>
+<file path=ppt/slides/slide14.xml><?xml version="1.0" encoding="utf-8"?>
 <p:sld xmlns:a="http://schemas.openxmlformats.org/drawingml/2006/main" xmlns:r="http://schemas.openxmlformats.org/officeDocument/2006/relationships" xmlns:p="http://schemas.openxmlformats.org/presentationml/2006/main">
   <p:cSld>
     <p:spTree>
@@ -11200,6 +8981,3620 @@
     <p:extLst>
       <p:ext uri="{BB962C8B-B14F-4D97-AF65-F5344CB8AC3E}">
         <p14:creationId xmlns:p14="http://schemas.microsoft.com/office/powerpoint/2010/main" val="161519882"/>
+      </p:ext>
+    </p:extLst>
+  </p:cSld>
+  <p:clrMapOvr>
+    <a:masterClrMapping/>
+  </p:clrMapOvr>
+</p:sld>
+</file>
+
+<file path=ppt/slides/slide15.xml><?xml version="1.0" encoding="utf-8"?>
+<p:sld xmlns:a="http://schemas.openxmlformats.org/drawingml/2006/main" xmlns:r="http://schemas.openxmlformats.org/officeDocument/2006/relationships" xmlns:p="http://schemas.openxmlformats.org/presentationml/2006/main">
+  <p:cSld>
+    <p:spTree>
+      <p:nvGrpSpPr>
+        <p:cNvPr id="1" name=""/>
+        <p:cNvGrpSpPr/>
+        <p:nvPr/>
+      </p:nvGrpSpPr>
+      <p:grpSpPr>
+        <a:xfrm>
+          <a:off x="0" y="0"/>
+          <a:ext cx="0" cy="0"/>
+          <a:chOff x="0" y="0"/>
+          <a:chExt cx="0" cy="0"/>
+        </a:xfrm>
+      </p:grpSpPr>
+      <p:sp>
+        <p:nvSpPr>
+          <p:cNvPr id="2" name="Title 1">
+            <a:extLst>
+              <a:ext uri="{FF2B5EF4-FFF2-40B4-BE49-F238E27FC236}">
+                <a16:creationId xmlns:a16="http://schemas.microsoft.com/office/drawing/2014/main" id="{7A78381D-6DD1-4A45-9E72-DF099B5C7D05}"/>
+              </a:ext>
+            </a:extLst>
+          </p:cNvPr>
+          <p:cNvSpPr>
+            <a:spLocks noGrp="1"/>
+          </p:cNvSpPr>
+          <p:nvPr>
+            <p:ph type="title"/>
+          </p:nvPr>
+        </p:nvSpPr>
+        <p:spPr/>
+        <p:txBody>
+          <a:bodyPr/>
+          <a:lstStyle/>
+          <a:p>
+            <a:r>
+              <a:rPr lang="en-US" dirty="0"/>
+              <a:t>A Small ADT</a:t>
+            </a:r>
+          </a:p>
+        </p:txBody>
+      </p:sp>
+      <p:sp>
+        <p:nvSpPr>
+          <p:cNvPr id="5" name="TextBox 4">
+            <a:extLst>
+              <a:ext uri="{FF2B5EF4-FFF2-40B4-BE49-F238E27FC236}">
+                <a16:creationId xmlns:a16="http://schemas.microsoft.com/office/drawing/2014/main" id="{62B2C8B6-DA92-764A-A377-DC59659607D9}"/>
+              </a:ext>
+            </a:extLst>
+          </p:cNvPr>
+          <p:cNvSpPr txBox="1"/>
+          <p:nvPr/>
+        </p:nvSpPr>
+        <p:spPr>
+          <a:xfrm>
+            <a:off x="1715387" y="1084175"/>
+            <a:ext cx="8761227" cy="4832092"/>
+          </a:xfrm>
+          <a:prstGeom prst="rect">
+            <a:avLst/>
+          </a:prstGeom>
+          <a:noFill/>
+        </p:spPr>
+        <p:txBody>
+          <a:bodyPr wrap="square" rtlCol="0">
+            <a:spAutoFit/>
+          </a:bodyPr>
+          <a:lstStyle/>
+          <a:p>
+            <a:r>
+              <a:rPr lang="en-US" sz="2200" dirty="0">
+                <a:latin typeface="Source Code Pro" panose="020B0509030403020204" pitchFamily="49" charset="77"/>
+              </a:rPr>
+              <a:t>def point(x, y): # constructor</a:t>
+            </a:r>
+          </a:p>
+          <a:p>
+            <a:r>
+              <a:rPr lang="en-US" sz="2200" dirty="0">
+                <a:latin typeface="Source Code Pro" panose="020B0509030403020204" pitchFamily="49" charset="77"/>
+              </a:rPr>
+              <a:t>	return [x, y]</a:t>
+            </a:r>
+            <a:br>
+              <a:rPr lang="en-US" sz="2200" dirty="0">
+                <a:latin typeface="Source Code Pro" panose="020B0509030403020204" pitchFamily="49" charset="77"/>
+              </a:rPr>
+            </a:br>
+            <a:br>
+              <a:rPr lang="en-US" sz="2200" dirty="0">
+                <a:latin typeface="Source Code Pro" panose="020B0509030403020204" pitchFamily="49" charset="77"/>
+              </a:rPr>
+            </a:br>
+            <a:r>
+              <a:rPr lang="en-US" sz="2200" dirty="0">
+                <a:latin typeface="Source Code Pro" panose="020B0509030403020204" pitchFamily="49" charset="77"/>
+              </a:rPr>
+              <a:t>x = lambda point: point[0] # selector</a:t>
+            </a:r>
+          </a:p>
+          <a:p>
+            <a:r>
+              <a:rPr lang="en-US" sz="2200" dirty="0">
+                <a:latin typeface="Source Code Pro" panose="020B0509030403020204" pitchFamily="49" charset="77"/>
+              </a:rPr>
+              <a:t>y = lambda point: point[1]</a:t>
+            </a:r>
+          </a:p>
+          <a:p>
+            <a:r>
+              <a:rPr lang="en-US" sz="2200" dirty="0">
+                <a:latin typeface="Source Code Pro" panose="020B0509030403020204" pitchFamily="49" charset="77"/>
+              </a:rPr>
+              <a:t> </a:t>
+            </a:r>
+          </a:p>
+          <a:p>
+            <a:r>
+              <a:rPr lang="en-US" sz="2200" dirty="0">
+                <a:latin typeface="Source Code Pro" panose="020B0509030403020204" pitchFamily="49" charset="77"/>
+              </a:rPr>
+              <a:t>def distance(p1, p2): # Operator</a:t>
+            </a:r>
+          </a:p>
+          <a:p>
+            <a:r>
+              <a:rPr lang="en-US" sz="2200" dirty="0">
+                <a:latin typeface="Source Code Pro" panose="020B0509030403020204" pitchFamily="49" charset="77"/>
+              </a:rPr>
+              <a:t>	return ((x(p2) - x(p1)**2 + (y(p2) - y(p1))**2) ** 0.5</a:t>
+            </a:r>
+          </a:p>
+          <a:p>
+            <a:endParaRPr lang="en-US" sz="2200" dirty="0">
+              <a:latin typeface="Source Code Pro" panose="020B0509030403020204" pitchFamily="49" charset="77"/>
+            </a:endParaRPr>
+          </a:p>
+          <a:p>
+            <a:r>
+              <a:rPr lang="en-US" sz="2200" dirty="0">
+                <a:latin typeface="Source Code Pro" panose="020B0509030403020204" pitchFamily="49" charset="77"/>
+              </a:rPr>
+              <a:t>origin = point(0, 0)</a:t>
+            </a:r>
+          </a:p>
+          <a:p>
+            <a:r>
+              <a:rPr lang="en-US" sz="2200" dirty="0" err="1">
+                <a:latin typeface="Source Code Pro" panose="020B0509030403020204" pitchFamily="49" charset="77"/>
+              </a:rPr>
+              <a:t>my_house</a:t>
+            </a:r>
+            <a:r>
+              <a:rPr lang="en-US" sz="2200" dirty="0">
+                <a:latin typeface="Source Code Pro" panose="020B0509030403020204" pitchFamily="49" charset="77"/>
+              </a:rPr>
+              <a:t> = point(5, 5)</a:t>
+            </a:r>
+          </a:p>
+          <a:p>
+            <a:r>
+              <a:rPr lang="en-US" sz="2200" dirty="0">
+                <a:latin typeface="Source Code Pro" panose="020B0509030403020204" pitchFamily="49" charset="77"/>
+              </a:rPr>
+              <a:t>campus = point(25, 25)</a:t>
+            </a:r>
+          </a:p>
+          <a:p>
+            <a:r>
+              <a:rPr lang="en-US" sz="2200" dirty="0" err="1">
+                <a:latin typeface="Source Code Pro" panose="020B0509030403020204" pitchFamily="49" charset="77"/>
+              </a:rPr>
+              <a:t>distance_to_campus</a:t>
+            </a:r>
+            <a:r>
+              <a:rPr lang="en-US" sz="2200" dirty="0">
+                <a:latin typeface="Source Code Pro" panose="020B0509030403020204" pitchFamily="49" charset="77"/>
+              </a:rPr>
+              <a:t> = distance(</a:t>
+            </a:r>
+            <a:r>
+              <a:rPr lang="en-US" sz="2200" dirty="0" err="1">
+                <a:latin typeface="Source Code Pro" panose="020B0509030403020204" pitchFamily="49" charset="77"/>
+              </a:rPr>
+              <a:t>my_house</a:t>
+            </a:r>
+            <a:r>
+              <a:rPr lang="en-US" sz="2200" dirty="0">
+                <a:latin typeface="Source Code Pro" panose="020B0509030403020204" pitchFamily="49" charset="77"/>
+              </a:rPr>
+              <a:t>, campus)</a:t>
+            </a:r>
+          </a:p>
+        </p:txBody>
+      </p:sp>
+    </p:spTree>
+    <p:extLst>
+      <p:ext uri="{BB962C8B-B14F-4D97-AF65-F5344CB8AC3E}">
+        <p14:creationId xmlns:p14="http://schemas.microsoft.com/office/powerpoint/2010/main" val="285134741"/>
+      </p:ext>
+    </p:extLst>
+  </p:cSld>
+  <p:clrMapOvr>
+    <a:masterClrMapping/>
+  </p:clrMapOvr>
+</p:sld>
+</file>
+
+<file path=ppt/slides/slide16.xml><?xml version="1.0" encoding="utf-8"?>
+<p:sld xmlns:a="http://schemas.openxmlformats.org/drawingml/2006/main" xmlns:r="http://schemas.openxmlformats.org/officeDocument/2006/relationships" xmlns:p="http://schemas.openxmlformats.org/presentationml/2006/main">
+  <p:cSld>
+    <p:spTree>
+      <p:nvGrpSpPr>
+        <p:cNvPr id="1" name="Shape 387"/>
+        <p:cNvGrpSpPr/>
+        <p:nvPr/>
+      </p:nvGrpSpPr>
+      <p:grpSpPr>
+        <a:xfrm>
+          <a:off x="0" y="0"/>
+          <a:ext cx="0" cy="0"/>
+          <a:chOff x="0" y="0"/>
+          <a:chExt cx="0" cy="0"/>
+        </a:xfrm>
+      </p:grpSpPr>
+      <p:sp>
+        <p:nvSpPr>
+          <p:cNvPr id="388" name="Google Shape;388;p37"/>
+          <p:cNvSpPr txBox="1">
+            <a:spLocks noGrp="1"/>
+          </p:cNvSpPr>
+          <p:nvPr>
+            <p:ph type="title"/>
+          </p:nvPr>
+        </p:nvSpPr>
+        <p:spPr>
+          <a:xfrm>
+            <a:off x="533400" y="228600"/>
+            <a:ext cx="10210800" cy="736600"/>
+          </a:xfrm>
+          <a:noFill/>
+          <a:ln>
+            <a:noFill/>
+          </a:ln>
+        </p:spPr>
+        <p:txBody>
+          <a:bodyPr spcFirstLastPara="1" vert="horz" wrap="square" lIns="92075" tIns="46025" rIns="92075" bIns="46025" numCol="1" anchor="ctr" anchorCtr="0" compatLnSpc="1">
+            <a:prstTxWarp prst="textNoShape">
+              <a:avLst/>
+            </a:prstTxWarp>
+            <a:noAutofit/>
+          </a:bodyPr>
+          <a:lstStyle/>
+          <a:p>
+            <a:r>
+              <a:rPr lang="en-US">
+                <a:sym typeface="Arial"/>
+              </a:rPr>
+              <a:t>Creating an Abtract Data Type</a:t>
+            </a:r>
+            <a:endParaRPr lang="en-US"/>
+          </a:p>
+        </p:txBody>
+      </p:sp>
+      <p:sp>
+        <p:nvSpPr>
+          <p:cNvPr id="389" name="Google Shape;389;p37"/>
+          <p:cNvSpPr txBox="1">
+            <a:spLocks noGrp="1"/>
+          </p:cNvSpPr>
+          <p:nvPr>
+            <p:ph idx="1"/>
+          </p:nvPr>
+        </p:nvSpPr>
+        <p:spPr>
+          <a:xfrm>
+            <a:off x="533400" y="1066800"/>
+            <a:ext cx="11125200" cy="5257800"/>
+          </a:xfrm>
+          <a:noFill/>
+          <a:ln>
+            <a:noFill/>
+          </a:ln>
+        </p:spPr>
+        <p:txBody>
+          <a:bodyPr spcFirstLastPara="1" vert="horz" wrap="square" lIns="92075" tIns="46025" rIns="92075" bIns="46025" numCol="1" anchor="t" anchorCtr="0" compatLnSpc="1">
+            <a:prstTxWarp prst="textNoShape">
+              <a:avLst/>
+            </a:prstTxWarp>
+            <a:noAutofit/>
+          </a:bodyPr>
+          <a:lstStyle/>
+          <a:p>
+            <a:r>
+              <a:rPr lang="en-US" sz="2400" dirty="0">
+                <a:sym typeface="Arial"/>
+              </a:rPr>
+              <a:t>Constructors &amp; Selectors</a:t>
+            </a:r>
+            <a:endParaRPr lang="en-US" sz="2400" dirty="0"/>
+          </a:p>
+          <a:p>
+            <a:r>
+              <a:rPr lang="en-US" sz="2400" dirty="0">
+                <a:sym typeface="Arial"/>
+              </a:rPr>
+              <a:t>Operations</a:t>
+            </a:r>
+            <a:endParaRPr lang="en-US" sz="2400" dirty="0"/>
+          </a:p>
+          <a:p>
+            <a:pPr lvl="1"/>
+            <a:r>
+              <a:rPr lang="en-US" sz="2000" dirty="0">
+                <a:sym typeface="Arial"/>
+              </a:rPr>
+              <a:t>Express the behavior of objects, invariants, </a:t>
+            </a:r>
+            <a:r>
+              <a:rPr lang="en-US" sz="2000" dirty="0" err="1">
+                <a:sym typeface="Arial"/>
+              </a:rPr>
+              <a:t>etc</a:t>
+            </a:r>
+            <a:endParaRPr lang="en-US" sz="2000" dirty="0">
+              <a:sym typeface="Arial"/>
+            </a:endParaRPr>
+          </a:p>
+          <a:p>
+            <a:pPr lvl="1"/>
+            <a:r>
+              <a:rPr lang="en-US" sz="2000" dirty="0">
+                <a:sym typeface="Arial"/>
+              </a:rPr>
+              <a:t>Implemented (abstractly) in terms of Constructors and Selectors for the object</a:t>
+            </a:r>
+            <a:endParaRPr lang="en-US" sz="2000" dirty="0"/>
+          </a:p>
+          <a:p>
+            <a:r>
+              <a:rPr lang="en-US" sz="2400" dirty="0">
+                <a:sym typeface="Arial"/>
+              </a:rPr>
+              <a:t>Representation</a:t>
+            </a:r>
+            <a:endParaRPr lang="en-US" sz="2400" dirty="0"/>
+          </a:p>
+          <a:p>
+            <a:pPr lvl="1"/>
+            <a:r>
+              <a:rPr lang="en-US" sz="2000" dirty="0">
+                <a:sym typeface="Arial"/>
+              </a:rPr>
+              <a:t>Implement the structure of the object </a:t>
+            </a:r>
+            <a:endParaRPr lang="en-US" sz="2000" dirty="0"/>
+          </a:p>
+          <a:p>
+            <a:pPr lvl="1"/>
+            <a:endParaRPr lang="en-US" sz="2000" dirty="0">
+              <a:sym typeface="Arial"/>
+            </a:endParaRPr>
+          </a:p>
+          <a:p>
+            <a:r>
+              <a:rPr lang="en-US" sz="2400" dirty="0">
+                <a:sym typeface="Arial"/>
+              </a:rPr>
+              <a:t>An abstraction barrier violation occurs when a part of the program that can use the higher level functions uses lower level ones instead</a:t>
+            </a:r>
+            <a:endParaRPr lang="en-US" sz="2400" dirty="0"/>
+          </a:p>
+          <a:p>
+            <a:pPr lvl="1"/>
+            <a:r>
+              <a:rPr lang="en-US" sz="2000" dirty="0">
+                <a:sym typeface="Arial"/>
+              </a:rPr>
+              <a:t>At either layer of abstraction</a:t>
+            </a:r>
+            <a:endParaRPr lang="en-US" sz="2000" dirty="0"/>
+          </a:p>
+          <a:p>
+            <a:r>
+              <a:rPr lang="en-US" sz="2400" dirty="0">
+                <a:sym typeface="Arial"/>
+              </a:rPr>
+              <a:t>Abstraction barriers make programs easier to get right, maintain, and modify</a:t>
+            </a:r>
+            <a:endParaRPr lang="en-US" sz="2400" dirty="0"/>
+          </a:p>
+          <a:p>
+            <a:pPr lvl="1"/>
+            <a:r>
+              <a:rPr lang="en-US" sz="2000" dirty="0">
+                <a:sym typeface="Arial"/>
+              </a:rPr>
+              <a:t>Few changes when representation changes</a:t>
+            </a:r>
+            <a:endParaRPr lang="en-US" sz="2000" dirty="0"/>
+          </a:p>
+        </p:txBody>
+      </p:sp>
+    </p:spTree>
+    <p:extLst>
+      <p:ext uri="{BB962C8B-B14F-4D97-AF65-F5344CB8AC3E}">
+        <p14:creationId xmlns:p14="http://schemas.microsoft.com/office/powerpoint/2010/main" val="2295817190"/>
+      </p:ext>
+    </p:extLst>
+  </p:cSld>
+  <p:clrMapOvr>
+    <a:masterClrMapping/>
+  </p:clrMapOvr>
+</p:sld>
+</file>
+
+<file path=ppt/slides/slide17.xml><?xml version="1.0" encoding="utf-8"?>
+<p:sld xmlns:a="http://schemas.openxmlformats.org/drawingml/2006/main" xmlns:r="http://schemas.openxmlformats.org/officeDocument/2006/relationships" xmlns:p="http://schemas.openxmlformats.org/presentationml/2006/main">
+  <p:cSld>
+    <p:spTree>
+      <p:nvGrpSpPr>
+        <p:cNvPr id="1" name=""/>
+        <p:cNvGrpSpPr/>
+        <p:nvPr/>
+      </p:nvGrpSpPr>
+      <p:grpSpPr>
+        <a:xfrm>
+          <a:off x="0" y="0"/>
+          <a:ext cx="0" cy="0"/>
+          <a:chOff x="0" y="0"/>
+          <a:chExt cx="0" cy="0"/>
+        </a:xfrm>
+      </p:grpSpPr>
+      <p:sp>
+        <p:nvSpPr>
+          <p:cNvPr id="2" name="Title 1">
+            <a:extLst>
+              <a:ext uri="{FF2B5EF4-FFF2-40B4-BE49-F238E27FC236}">
+                <a16:creationId xmlns:a16="http://schemas.microsoft.com/office/drawing/2014/main" id="{C82B3567-CACD-6D40-99A9-5715927FF0D2}"/>
+              </a:ext>
+            </a:extLst>
+          </p:cNvPr>
+          <p:cNvSpPr>
+            <a:spLocks noGrp="1"/>
+          </p:cNvSpPr>
+          <p:nvPr>
+            <p:ph type="title"/>
+          </p:nvPr>
+        </p:nvSpPr>
+        <p:spPr/>
+        <p:txBody>
+          <a:bodyPr/>
+          <a:lstStyle/>
+          <a:p>
+            <a:pPr algn="ctr"/>
+            <a:r>
+              <a:rPr lang="en-US" dirty="0"/>
+              <a:t>Question: Changing </a:t>
+            </a:r>
+            <a:r>
+              <a:rPr lang="en-US" b="0" dirty="0"/>
+              <a:t>Representations</a:t>
+            </a:r>
+            <a:r>
+              <a:rPr lang="en-US" dirty="0"/>
+              <a:t>?	http://go.c88c.org/9</a:t>
+            </a:r>
+          </a:p>
+        </p:txBody>
+      </p:sp>
+      <p:sp>
+        <p:nvSpPr>
+          <p:cNvPr id="3" name="Text Placeholder 2">
+            <a:extLst>
+              <a:ext uri="{FF2B5EF4-FFF2-40B4-BE49-F238E27FC236}">
+                <a16:creationId xmlns:a16="http://schemas.microsoft.com/office/drawing/2014/main" id="{08549D87-93D4-AF42-A483-337D73057EBA}"/>
+              </a:ext>
+            </a:extLst>
+          </p:cNvPr>
+          <p:cNvSpPr>
+            <a:spLocks noGrp="1"/>
+          </p:cNvSpPr>
+          <p:nvPr>
+            <p:ph idx="1"/>
+          </p:nvPr>
+        </p:nvSpPr>
+        <p:spPr>
+          <a:xfrm>
+            <a:off x="2209800" y="1066800"/>
+            <a:ext cx="8244840" cy="5257800"/>
+          </a:xfrm>
+        </p:spPr>
+        <p:txBody>
+          <a:bodyPr/>
+          <a:lstStyle/>
+          <a:p>
+            <a:pPr marL="76200" indent="0">
+              <a:buNone/>
+            </a:pPr>
+            <a:r>
+              <a:rPr lang="en-US" dirty="0"/>
+              <a:t>Question 1.1 </a:t>
+            </a:r>
+          </a:p>
+          <a:p>
+            <a:pPr marL="76200" indent="0">
+              <a:buNone/>
+            </a:pPr>
+            <a:endParaRPr lang="en-US" dirty="0"/>
+          </a:p>
+          <a:p>
+            <a:pPr marL="76200" indent="0">
+              <a:buNone/>
+            </a:pPr>
+            <a:r>
+              <a:rPr lang="en-US" dirty="0"/>
+              <a:t>Assuming we update our </a:t>
+            </a:r>
+            <a:r>
+              <a:rPr lang="en-US" i="1" dirty="0"/>
+              <a:t>selectors</a:t>
+            </a:r>
+            <a:r>
+              <a:rPr lang="en-US" dirty="0"/>
+              <a:t>, what are valid representations for our </a:t>
+            </a:r>
+            <a:r>
+              <a:rPr lang="en-US" dirty="0">
+                <a:latin typeface="Source Code Pro" panose="020B0509030403020204" pitchFamily="49" charset="77"/>
+              </a:rPr>
+              <a:t>point(x, y) </a:t>
+            </a:r>
+            <a:r>
+              <a:rPr lang="en-US" dirty="0"/>
+              <a:t>ADT?</a:t>
+            </a:r>
+          </a:p>
+          <a:p>
+            <a:pPr marL="76200" indent="0">
+              <a:buNone/>
+            </a:pPr>
+            <a:endParaRPr lang="en-US" dirty="0"/>
+          </a:p>
+          <a:p>
+            <a:pPr marL="76200" indent="0">
+              <a:buNone/>
+            </a:pPr>
+            <a:r>
+              <a:rPr lang="en-US" dirty="0"/>
+              <a:t>Currently </a:t>
+            </a:r>
+            <a:r>
+              <a:rPr lang="en-US" dirty="0">
+                <a:latin typeface="Source Code Pro" panose="020B0509030403020204" pitchFamily="49" charset="77"/>
+              </a:rPr>
+              <a:t>point(1, 2) </a:t>
+            </a:r>
+            <a:r>
+              <a:rPr lang="en-US" dirty="0"/>
+              <a:t>is represented as </a:t>
+            </a:r>
+            <a:r>
+              <a:rPr lang="en-US" dirty="0">
+                <a:latin typeface="Source Code Pro" panose="020B0509030403020204" pitchFamily="49" charset="77"/>
+              </a:rPr>
+              <a:t>[1, 2]</a:t>
+            </a:r>
+          </a:p>
+          <a:p>
+            <a:pPr marL="76200" indent="0">
+              <a:buNone/>
+            </a:pPr>
+            <a:endParaRPr lang="en-US" dirty="0"/>
+          </a:p>
+          <a:p>
+            <a:endParaRPr lang="en-US" dirty="0"/>
+          </a:p>
+          <a:p>
+            <a:r>
+              <a:rPr lang="en-US" b="0" dirty="0"/>
+              <a:t>A)</a:t>
+            </a:r>
+            <a:r>
+              <a:rPr lang="en-US" b="0" dirty="0">
+                <a:latin typeface="Source Code Pro" panose="020B0509030403020204" pitchFamily="49" charset="77"/>
+              </a:rPr>
+              <a:t> [y, x] # [2, 1]</a:t>
+            </a:r>
+          </a:p>
+          <a:p>
+            <a:r>
+              <a:rPr lang="en-US" b="0" dirty="0"/>
+              <a:t>B) </a:t>
+            </a:r>
+            <a:r>
+              <a:rPr lang="en-US" b="0" dirty="0">
+                <a:latin typeface="Source Code Pro" panose="020B0509030403020204" pitchFamily="49" charset="77"/>
+              </a:rPr>
+              <a:t>“X: ” + str(x) + “ Y: ” + str(y)</a:t>
+            </a:r>
+            <a:br>
+              <a:rPr lang="en-US" b="0" dirty="0">
+                <a:latin typeface="Source Code Pro" panose="020B0509030403020204" pitchFamily="49" charset="77"/>
+              </a:rPr>
+            </a:br>
+            <a:r>
+              <a:rPr lang="en-US" b="0" dirty="0">
+                <a:latin typeface="Source Code Pro" panose="020B0509030403020204" pitchFamily="49" charset="77"/>
+              </a:rPr>
+              <a:t>	# “X: 1 Y: 2”</a:t>
+            </a:r>
+          </a:p>
+          <a:p>
+            <a:r>
+              <a:rPr lang="en-US" b="0" dirty="0"/>
+              <a:t>C) </a:t>
+            </a:r>
+            <a:r>
+              <a:rPr lang="en-US" b="0" dirty="0">
+                <a:latin typeface="Source Code Pro" panose="020B0509030403020204" pitchFamily="49" charset="77"/>
+              </a:rPr>
+              <a:t>str(x) + ' ' + str(y) # '1 2'</a:t>
+            </a:r>
+          </a:p>
+          <a:p>
+            <a:r>
+              <a:rPr lang="en-US" b="0" dirty="0"/>
+              <a:t>D) All of the above</a:t>
+            </a:r>
+          </a:p>
+          <a:p>
+            <a:r>
+              <a:rPr lang="en-US" b="0" dirty="0"/>
+              <a:t>E) None of the above</a:t>
+            </a:r>
+          </a:p>
+        </p:txBody>
+      </p:sp>
+      <p:sp>
+        <p:nvSpPr>
+          <p:cNvPr id="4" name="Slide Number Placeholder 3">
+            <a:extLst>
+              <a:ext uri="{FF2B5EF4-FFF2-40B4-BE49-F238E27FC236}">
+                <a16:creationId xmlns:a16="http://schemas.microsoft.com/office/drawing/2014/main" id="{D32232CD-E8E5-2F47-9299-6A0F39C52913}"/>
+              </a:ext>
+            </a:extLst>
+          </p:cNvPr>
+          <p:cNvSpPr>
+            <a:spLocks noGrp="1"/>
+          </p:cNvSpPr>
+          <p:nvPr>
+            <p:ph type="sldNum" idx="4294967295"/>
+          </p:nvPr>
+        </p:nvSpPr>
+        <p:spPr>
+          <a:xfrm>
+            <a:off x="10134600" y="6553200"/>
+            <a:ext cx="533400" cy="304800"/>
+          </a:xfrm>
+          <a:prstGeom prst="rect">
+            <a:avLst/>
+          </a:prstGeom>
+        </p:spPr>
+        <p:txBody>
+          <a:bodyPr/>
+          <a:lstStyle/>
+          <a:p>
+            <a:pPr algn="r"/>
+            <a:fld id="{00000000-1234-1234-1234-123412341234}" type="slidenum">
+              <a:rPr lang="en-US" smtClean="0"/>
+              <a:pPr algn="r"/>
+              <a:t>17</a:t>
+            </a:fld>
+            <a:endParaRPr lang="en-US" b="0"/>
+          </a:p>
+        </p:txBody>
+      </p:sp>
+      <p:sp>
+        <p:nvSpPr>
+          <p:cNvPr id="5" name="TextBox 4">
+            <a:extLst>
+              <a:ext uri="{FF2B5EF4-FFF2-40B4-BE49-F238E27FC236}">
+                <a16:creationId xmlns:a16="http://schemas.microsoft.com/office/drawing/2014/main" id="{1C0E4C72-4A55-0F1E-337E-28B81D27A1B6}"/>
+              </a:ext>
+            </a:extLst>
+          </p:cNvPr>
+          <p:cNvSpPr txBox="1"/>
+          <p:nvPr/>
+        </p:nvSpPr>
+        <p:spPr>
+          <a:xfrm>
+            <a:off x="5421086" y="555171"/>
+            <a:ext cx="184731" cy="307777"/>
+          </a:xfrm>
+          <a:prstGeom prst="rect">
+            <a:avLst/>
+          </a:prstGeom>
+          <a:noFill/>
+        </p:spPr>
+        <p:txBody>
+          <a:bodyPr wrap="none" rtlCol="0">
+            <a:spAutoFit/>
+          </a:bodyPr>
+          <a:lstStyle/>
+          <a:p>
+            <a:endParaRPr lang="en-US" dirty="0"/>
+          </a:p>
+        </p:txBody>
+      </p:sp>
+    </p:spTree>
+    <p:extLst>
+      <p:ext uri="{BB962C8B-B14F-4D97-AF65-F5344CB8AC3E}">
+        <p14:creationId xmlns:p14="http://schemas.microsoft.com/office/powerpoint/2010/main" val="3623810552"/>
+      </p:ext>
+    </p:extLst>
+  </p:cSld>
+  <p:clrMapOvr>
+    <a:masterClrMapping/>
+  </p:clrMapOvr>
+</p:sld>
+</file>
+
+<file path=ppt/slides/slide18.xml><?xml version="1.0" encoding="utf-8"?>
+<p:sld xmlns:a="http://schemas.openxmlformats.org/drawingml/2006/main" xmlns:r="http://schemas.openxmlformats.org/officeDocument/2006/relationships" xmlns:p="http://schemas.openxmlformats.org/presentationml/2006/main" show="0">
+  <p:cSld>
+    <p:spTree>
+      <p:nvGrpSpPr>
+        <p:cNvPr id="1" name="Shape 242"/>
+        <p:cNvGrpSpPr/>
+        <p:nvPr/>
+      </p:nvGrpSpPr>
+      <p:grpSpPr>
+        <a:xfrm>
+          <a:off x="0" y="0"/>
+          <a:ext cx="0" cy="0"/>
+          <a:chOff x="0" y="0"/>
+          <a:chExt cx="0" cy="0"/>
+        </a:xfrm>
+      </p:grpSpPr>
+      <p:sp>
+        <p:nvSpPr>
+          <p:cNvPr id="243" name="Google Shape;243;p23"/>
+          <p:cNvSpPr txBox="1">
+            <a:spLocks noGrp="1"/>
+          </p:cNvSpPr>
+          <p:nvPr>
+            <p:ph type="title"/>
+          </p:nvPr>
+        </p:nvSpPr>
+        <p:spPr>
+          <a:prstGeom prst="rect">
+            <a:avLst/>
+          </a:prstGeom>
+          <a:noFill/>
+          <a:ln>
+            <a:noFill/>
+          </a:ln>
+        </p:spPr>
+        <p:txBody>
+          <a:bodyPr spcFirstLastPara="1" vert="horz" wrap="square" lIns="92075" tIns="46025" rIns="92075" bIns="46025" numCol="1" anchor="ctr" anchorCtr="0" compatLnSpc="1">
+            <a:prstTxWarp prst="textNoShape">
+              <a:avLst/>
+            </a:prstTxWarp>
+            <a:noAutofit/>
+          </a:bodyPr>
+          <a:lstStyle/>
+          <a:p>
+            <a:pPr>
+              <a:spcBef>
+                <a:spcPts val="0"/>
+              </a:spcBef>
+              <a:spcAft>
+                <a:spcPts val="0"/>
+              </a:spcAft>
+            </a:pPr>
+            <a:r>
+              <a:rPr lang="en-US" sz="3200" dirty="0">
+                <a:latin typeface="Arial"/>
+                <a:ea typeface="Arial"/>
+                <a:cs typeface="Arial"/>
+                <a:sym typeface="Arial"/>
+              </a:rPr>
+              <a:t>An Abstract Data Type: Key-Value Pair</a:t>
+            </a:r>
+            <a:endParaRPr dirty="0"/>
+          </a:p>
+        </p:txBody>
+      </p:sp>
+      <p:sp>
+        <p:nvSpPr>
+          <p:cNvPr id="244" name="Google Shape;244;p23"/>
+          <p:cNvSpPr txBox="1">
+            <a:spLocks noGrp="1"/>
+          </p:cNvSpPr>
+          <p:nvPr>
+            <p:ph idx="1"/>
+          </p:nvPr>
+        </p:nvSpPr>
+        <p:spPr>
+          <a:xfrm>
+            <a:off x="2209800" y="1320800"/>
+            <a:ext cx="7620000" cy="2438400"/>
+          </a:xfrm>
+          <a:prstGeom prst="rect">
+            <a:avLst/>
+          </a:prstGeom>
+          <a:noFill/>
+          <a:ln>
+            <a:noFill/>
+          </a:ln>
+        </p:spPr>
+        <p:txBody>
+          <a:bodyPr spcFirstLastPara="1" vert="horz" wrap="square" lIns="92075" tIns="46025" rIns="92075" bIns="46025" numCol="1" anchor="t" anchorCtr="0" compatLnSpc="1">
+            <a:prstTxWarp prst="textNoShape">
+              <a:avLst/>
+            </a:prstTxWarp>
+            <a:noAutofit/>
+          </a:bodyPr>
+          <a:lstStyle/>
+          <a:p>
+            <a:pPr marL="285750" indent="-285750">
+              <a:spcBef>
+                <a:spcPts val="0"/>
+              </a:spcBef>
+              <a:spcAft>
+                <a:spcPts val="0"/>
+              </a:spcAft>
+              <a:buClr>
+                <a:schemeClr val="dk1"/>
+              </a:buClr>
+              <a:buSzPts val="2400"/>
+              <a:buFont typeface="Arial"/>
+              <a:buChar char="•"/>
+            </a:pPr>
+            <a:r>
+              <a:rPr lang="en-US" sz="2400" b="1" dirty="0">
+                <a:solidFill>
+                  <a:schemeClr val="dk1"/>
+                </a:solidFill>
+                <a:latin typeface="Arial"/>
+                <a:ea typeface="Arial"/>
+                <a:cs typeface="Arial"/>
+                <a:sym typeface="Arial"/>
+              </a:rPr>
+              <a:t>Collection of key-Value bindings</a:t>
+            </a:r>
+            <a:endParaRPr dirty="0"/>
+          </a:p>
+          <a:p>
+            <a:pPr marL="685800" lvl="1" indent="-228600">
+              <a:spcBef>
+                <a:spcPts val="540"/>
+              </a:spcBef>
+              <a:spcAft>
+                <a:spcPts val="0"/>
+              </a:spcAft>
+              <a:buClr>
+                <a:schemeClr val="dk1"/>
+              </a:buClr>
+              <a:buSzPts val="1800"/>
+              <a:buFont typeface="Arial"/>
+              <a:buChar char="–"/>
+            </a:pPr>
+            <a:r>
+              <a:rPr lang="en-US" b="1" dirty="0">
+                <a:solidFill>
+                  <a:schemeClr val="dk1"/>
+                </a:solidFill>
+                <a:latin typeface="Arial"/>
+                <a:ea typeface="Arial"/>
+                <a:cs typeface="Arial"/>
+                <a:sym typeface="Arial"/>
+              </a:rPr>
+              <a:t>Key : Value</a:t>
+            </a:r>
+            <a:endParaRPr dirty="0"/>
+          </a:p>
+          <a:p>
+            <a:pPr marL="285750" indent="-285750">
+              <a:spcBef>
+                <a:spcPts val="720"/>
+              </a:spcBef>
+              <a:spcAft>
+                <a:spcPts val="0"/>
+              </a:spcAft>
+              <a:buClr>
+                <a:schemeClr val="dk1"/>
+              </a:buClr>
+              <a:buSzPts val="2400"/>
+              <a:buFont typeface="Arial"/>
+              <a:buChar char="•"/>
+            </a:pPr>
+            <a:r>
+              <a:rPr lang="en-US" sz="2400" b="1" dirty="0">
+                <a:solidFill>
+                  <a:schemeClr val="dk1"/>
+                </a:solidFill>
+                <a:latin typeface="Arial"/>
+                <a:ea typeface="Arial"/>
+                <a:cs typeface="Arial"/>
+                <a:sym typeface="Arial"/>
+              </a:rPr>
+              <a:t>Many real-world examples</a:t>
+            </a:r>
+            <a:endParaRPr dirty="0"/>
+          </a:p>
+          <a:p>
+            <a:pPr marL="685800" lvl="1" indent="-228600">
+              <a:spcBef>
+                <a:spcPts val="540"/>
+              </a:spcBef>
+              <a:spcAft>
+                <a:spcPts val="0"/>
+              </a:spcAft>
+              <a:buClr>
+                <a:schemeClr val="dk1"/>
+              </a:buClr>
+              <a:buSzPts val="1800"/>
+              <a:buFont typeface="Arial"/>
+              <a:buChar char="–"/>
+            </a:pPr>
+            <a:r>
+              <a:rPr lang="en-US" b="1" dirty="0">
+                <a:solidFill>
+                  <a:schemeClr val="dk1"/>
+                </a:solidFill>
+                <a:latin typeface="Arial"/>
+                <a:ea typeface="Arial"/>
+                <a:cs typeface="Arial"/>
+                <a:sym typeface="Arial"/>
+              </a:rPr>
+              <a:t>Dictionary, Directory, Phone book, Course Schedule, Facebook Friends, Movie listings, …</a:t>
+            </a:r>
+            <a:endParaRPr dirty="0"/>
+          </a:p>
+        </p:txBody>
+      </p:sp>
+      <p:sp>
+        <p:nvSpPr>
+          <p:cNvPr id="245" name="Google Shape;245;p23"/>
+          <p:cNvSpPr txBox="1">
+            <a:spLocks noGrp="1"/>
+          </p:cNvSpPr>
+          <p:nvPr>
+            <p:ph type="dt" idx="4294967295"/>
+          </p:nvPr>
+        </p:nvSpPr>
+        <p:spPr>
+          <a:xfrm>
+            <a:off x="1524000" y="6553200"/>
+            <a:ext cx="1524000" cy="304800"/>
+          </a:xfrm>
+          <a:prstGeom prst="rect">
+            <a:avLst/>
+          </a:prstGeom>
+          <a:noFill/>
+          <a:ln>
+            <a:noFill/>
+          </a:ln>
+        </p:spPr>
+        <p:txBody>
+          <a:bodyPr spcFirstLastPara="1" wrap="square" lIns="92075" tIns="46025" rIns="92075" bIns="46025" anchor="ctr" anchorCtr="0">
+            <a:noAutofit/>
+          </a:bodyPr>
+          <a:lstStyle/>
+          <a:p>
+            <a:r>
+              <a:rPr lang="en-US" sz="1200" b="1" dirty="0">
+                <a:solidFill>
+                  <a:srgbClr val="FF9900"/>
+                </a:solidFill>
+                <a:latin typeface="Times New Roman"/>
+                <a:ea typeface="Times New Roman"/>
+                <a:cs typeface="Times New Roman"/>
+                <a:sym typeface="Times New Roman"/>
+              </a:rPr>
+              <a:t>10/21/19</a:t>
+            </a:r>
+            <a:endParaRPr dirty="0"/>
+          </a:p>
+        </p:txBody>
+      </p:sp>
+      <p:sp>
+        <p:nvSpPr>
+          <p:cNvPr id="246" name="Google Shape;246;p23"/>
+          <p:cNvSpPr txBox="1">
+            <a:spLocks noGrp="1"/>
+          </p:cNvSpPr>
+          <p:nvPr>
+            <p:ph type="ftr" idx="4294967295"/>
+          </p:nvPr>
+        </p:nvSpPr>
+        <p:spPr>
+          <a:xfrm>
+            <a:off x="1524000" y="6553200"/>
+            <a:ext cx="2895600" cy="304800"/>
+          </a:xfrm>
+          <a:prstGeom prst="rect">
+            <a:avLst/>
+          </a:prstGeom>
+          <a:noFill/>
+          <a:ln>
+            <a:noFill/>
+          </a:ln>
+        </p:spPr>
+        <p:txBody>
+          <a:bodyPr spcFirstLastPara="1" wrap="square" lIns="92075" tIns="46025" rIns="92075" bIns="46025" anchor="ctr" anchorCtr="0">
+            <a:noAutofit/>
+          </a:bodyPr>
+          <a:lstStyle/>
+          <a:p>
+            <a:pPr algn="ctr"/>
+            <a:r>
+              <a:rPr lang="en-US" sz="1200" b="1" dirty="0">
+                <a:solidFill>
+                  <a:srgbClr val="114FFB"/>
+                </a:solidFill>
+                <a:latin typeface="Helvetica Neue"/>
+                <a:ea typeface="Helvetica Neue"/>
+                <a:cs typeface="Helvetica Neue"/>
+                <a:sym typeface="Helvetica Neue"/>
+              </a:rPr>
+              <a:t>UCB CS88 Fa19 L7</a:t>
+            </a:r>
+            <a:endParaRPr dirty="0"/>
+          </a:p>
+        </p:txBody>
+      </p:sp>
+      <p:sp>
+        <p:nvSpPr>
+          <p:cNvPr id="247" name="Google Shape;247;p23"/>
+          <p:cNvSpPr txBox="1">
+            <a:spLocks noGrp="1"/>
+          </p:cNvSpPr>
+          <p:nvPr>
+            <p:ph type="sldNum" idx="4294967295"/>
+          </p:nvPr>
+        </p:nvSpPr>
+        <p:spPr>
+          <a:xfrm>
+            <a:off x="10134600" y="6553200"/>
+            <a:ext cx="533400" cy="304800"/>
+          </a:xfrm>
+          <a:prstGeom prst="rect">
+            <a:avLst/>
+          </a:prstGeom>
+          <a:noFill/>
+          <a:ln>
+            <a:noFill/>
+          </a:ln>
+        </p:spPr>
+        <p:txBody>
+          <a:bodyPr spcFirstLastPara="1" wrap="square" lIns="92075" tIns="46025" rIns="92075" bIns="46025" anchor="ctr" anchorCtr="0">
+            <a:noAutofit/>
+          </a:bodyPr>
+          <a:lstStyle/>
+          <a:p>
+            <a:pPr algn="r"/>
+            <a:fld id="{00000000-1234-1234-1234-123412341234}" type="slidenum">
+              <a:rPr lang="en-US" b="1">
+                <a:solidFill>
+                  <a:srgbClr val="FF9900"/>
+                </a:solidFill>
+                <a:latin typeface="Times New Roman"/>
+                <a:ea typeface="Times New Roman"/>
+                <a:cs typeface="Times New Roman"/>
+                <a:sym typeface="Times New Roman"/>
+              </a:rPr>
+              <a:pPr algn="r"/>
+              <a:t>18</a:t>
+            </a:fld>
+            <a:endParaRPr>
+              <a:solidFill>
+                <a:srgbClr val="FF9900"/>
+              </a:solidFill>
+              <a:latin typeface="Times New Roman"/>
+              <a:ea typeface="Times New Roman"/>
+              <a:cs typeface="Times New Roman"/>
+              <a:sym typeface="Times New Roman"/>
+            </a:endParaRPr>
+          </a:p>
+        </p:txBody>
+      </p:sp>
+      <p:sp>
+        <p:nvSpPr>
+          <p:cNvPr id="248" name="Google Shape;248;p23"/>
+          <p:cNvSpPr txBox="1"/>
+          <p:nvPr/>
+        </p:nvSpPr>
+        <p:spPr>
+          <a:xfrm>
+            <a:off x="2129656" y="3293380"/>
+            <a:ext cx="7755562" cy="461665"/>
+          </a:xfrm>
+          <a:prstGeom prst="rect">
+            <a:avLst/>
+          </a:prstGeom>
+          <a:noFill/>
+          <a:ln>
+            <a:noFill/>
+          </a:ln>
+        </p:spPr>
+        <p:txBody>
+          <a:bodyPr spcFirstLastPara="1" wrap="square" lIns="91425" tIns="45700" rIns="91425" bIns="45700" anchor="t" anchorCtr="0">
+            <a:noAutofit/>
+          </a:bodyPr>
+          <a:lstStyle/>
+          <a:p>
+            <a:r>
+              <a:rPr lang="en-US" sz="2400" i="1">
+                <a:solidFill>
+                  <a:srgbClr val="0A51FB"/>
+                </a:solidFill>
+              </a:rPr>
+              <a:t>Given some Key, What is the value associated with it?</a:t>
+            </a:r>
+            <a:endParaRPr/>
+          </a:p>
+        </p:txBody>
+      </p:sp>
+    </p:spTree>
+    <p:extLst>
+      <p:ext uri="{BB962C8B-B14F-4D97-AF65-F5344CB8AC3E}">
+        <p14:creationId xmlns:p14="http://schemas.microsoft.com/office/powerpoint/2010/main" val="1306818908"/>
+      </p:ext>
+    </p:extLst>
+  </p:cSld>
+  <p:clrMapOvr>
+    <a:masterClrMapping/>
+  </p:clrMapOvr>
+</p:sld>
+</file>
+
+<file path=ppt/slides/slide19.xml><?xml version="1.0" encoding="utf-8"?>
+<p:sld xmlns:a="http://schemas.openxmlformats.org/drawingml/2006/main" xmlns:r="http://schemas.openxmlformats.org/officeDocument/2006/relationships" xmlns:p="http://schemas.openxmlformats.org/presentationml/2006/main" show="0">
+  <p:cSld>
+    <p:spTree>
+      <p:nvGrpSpPr>
+        <p:cNvPr id="1" name="Shape 252"/>
+        <p:cNvGrpSpPr/>
+        <p:nvPr/>
+      </p:nvGrpSpPr>
+      <p:grpSpPr>
+        <a:xfrm>
+          <a:off x="0" y="0"/>
+          <a:ext cx="0" cy="0"/>
+          <a:chOff x="0" y="0"/>
+          <a:chExt cx="0" cy="0"/>
+        </a:xfrm>
+      </p:grpSpPr>
+      <p:sp>
+        <p:nvSpPr>
+          <p:cNvPr id="253" name="Google Shape;253;p24"/>
+          <p:cNvSpPr txBox="1">
+            <a:spLocks noGrp="1"/>
+          </p:cNvSpPr>
+          <p:nvPr>
+            <p:ph type="title"/>
+          </p:nvPr>
+        </p:nvSpPr>
+        <p:spPr>
+          <a:prstGeom prst="rect">
+            <a:avLst/>
+          </a:prstGeom>
+          <a:noFill/>
+          <a:ln>
+            <a:noFill/>
+          </a:ln>
+        </p:spPr>
+        <p:txBody>
+          <a:bodyPr spcFirstLastPara="1" vert="horz" wrap="square" lIns="92075" tIns="46025" rIns="92075" bIns="46025" numCol="1" anchor="ctr" anchorCtr="0" compatLnSpc="1">
+            <a:prstTxWarp prst="textNoShape">
+              <a:avLst/>
+            </a:prstTxWarp>
+            <a:noAutofit/>
+          </a:bodyPr>
+          <a:lstStyle/>
+          <a:p>
+            <a:pPr>
+              <a:spcBef>
+                <a:spcPts val="0"/>
+              </a:spcBef>
+              <a:spcAft>
+                <a:spcPts val="0"/>
+              </a:spcAft>
+            </a:pPr>
+            <a:r>
+              <a:rPr lang="en-US" sz="3200">
+                <a:latin typeface="Arial"/>
+                <a:ea typeface="Arial"/>
+                <a:cs typeface="Arial"/>
+                <a:sym typeface="Arial"/>
+              </a:rPr>
+              <a:t>Key-Value ADT</a:t>
+            </a:r>
+            <a:endParaRPr/>
+          </a:p>
+        </p:txBody>
+      </p:sp>
+      <p:sp>
+        <p:nvSpPr>
+          <p:cNvPr id="254" name="Google Shape;254;p24"/>
+          <p:cNvSpPr txBox="1">
+            <a:spLocks noGrp="1"/>
+          </p:cNvSpPr>
+          <p:nvPr>
+            <p:ph idx="1"/>
+          </p:nvPr>
+        </p:nvSpPr>
+        <p:spPr>
+          <a:prstGeom prst="rect">
+            <a:avLst/>
+          </a:prstGeom>
+          <a:noFill/>
+          <a:ln>
+            <a:noFill/>
+          </a:ln>
+        </p:spPr>
+        <p:txBody>
+          <a:bodyPr spcFirstLastPara="1" vert="horz" wrap="square" lIns="92075" tIns="46025" rIns="92075" bIns="46025" numCol="1" anchor="t" anchorCtr="0" compatLnSpc="1">
+            <a:prstTxWarp prst="textNoShape">
+              <a:avLst/>
+            </a:prstTxWarp>
+            <a:noAutofit/>
+          </a:bodyPr>
+          <a:lstStyle/>
+          <a:p>
+            <a:pPr marL="285750" indent="-285750">
+              <a:spcBef>
+                <a:spcPts val="0"/>
+              </a:spcBef>
+              <a:spcAft>
+                <a:spcPts val="0"/>
+              </a:spcAft>
+              <a:buClr>
+                <a:schemeClr val="dk1"/>
+              </a:buClr>
+              <a:buSzPts val="2400"/>
+              <a:buFont typeface="Arial"/>
+              <a:buChar char="•"/>
+            </a:pPr>
+            <a:r>
+              <a:rPr lang="en-US" sz="2400" b="1">
+                <a:solidFill>
+                  <a:schemeClr val="dk1"/>
+                </a:solidFill>
+                <a:latin typeface="Arial"/>
+                <a:ea typeface="Arial"/>
+                <a:cs typeface="Arial"/>
+                <a:sym typeface="Arial"/>
+              </a:rPr>
+              <a:t>Constructors</a:t>
+            </a:r>
+            <a:endParaRPr/>
+          </a:p>
+          <a:p>
+            <a:pPr marL="685800" lvl="1" indent="-228600">
+              <a:spcBef>
+                <a:spcPts val="540"/>
+              </a:spcBef>
+              <a:spcAft>
+                <a:spcPts val="0"/>
+              </a:spcAft>
+              <a:buClr>
+                <a:schemeClr val="dk1"/>
+              </a:buClr>
+              <a:buSzPts val="1800"/>
+              <a:buFont typeface="Arial"/>
+              <a:buChar char="–"/>
+            </a:pPr>
+            <a:r>
+              <a:rPr lang="en-US" b="1">
+                <a:solidFill>
+                  <a:schemeClr val="dk1"/>
+                </a:solidFill>
+                <a:latin typeface="Arial"/>
+                <a:ea typeface="Arial"/>
+                <a:cs typeface="Arial"/>
+                <a:sym typeface="Arial"/>
+              </a:rPr>
+              <a:t>kv_empty: create an empty KV</a:t>
+            </a:r>
+            <a:endParaRPr/>
+          </a:p>
+          <a:p>
+            <a:pPr marL="685800" lvl="1" indent="-228600">
+              <a:spcBef>
+                <a:spcPts val="540"/>
+              </a:spcBef>
+              <a:spcAft>
+                <a:spcPts val="0"/>
+              </a:spcAft>
+              <a:buClr>
+                <a:schemeClr val="dk1"/>
+              </a:buClr>
+              <a:buSzPts val="1800"/>
+              <a:buFont typeface="Arial"/>
+              <a:buChar char="–"/>
+            </a:pPr>
+            <a:r>
+              <a:rPr lang="en-US" b="1">
+                <a:solidFill>
+                  <a:schemeClr val="dk1"/>
+                </a:solidFill>
+                <a:latin typeface="Arial"/>
+                <a:ea typeface="Arial"/>
+                <a:cs typeface="Arial"/>
+                <a:sym typeface="Arial"/>
+              </a:rPr>
+              <a:t>kv_add: add a key:value binding to a KV</a:t>
+            </a:r>
+            <a:endParaRPr/>
+          </a:p>
+          <a:p>
+            <a:pPr marL="685800" lvl="1" indent="-228600">
+              <a:spcBef>
+                <a:spcPts val="540"/>
+              </a:spcBef>
+              <a:spcAft>
+                <a:spcPts val="0"/>
+              </a:spcAft>
+              <a:buClr>
+                <a:schemeClr val="dk1"/>
+              </a:buClr>
+              <a:buSzPts val="1800"/>
+              <a:buFont typeface="Arial"/>
+              <a:buChar char="–"/>
+            </a:pPr>
+            <a:r>
+              <a:rPr lang="en-US" b="1">
+                <a:solidFill>
+                  <a:schemeClr val="dk1"/>
+                </a:solidFill>
+                <a:latin typeface="Arial"/>
+                <a:ea typeface="Arial"/>
+                <a:cs typeface="Arial"/>
+                <a:sym typeface="Arial"/>
+              </a:rPr>
+              <a:t>kv_create: create a KV from a list of key,value tuples</a:t>
+            </a:r>
+            <a:endParaRPr/>
+          </a:p>
+          <a:p>
+            <a:pPr marL="285750" indent="-285750">
+              <a:spcBef>
+                <a:spcPts val="720"/>
+              </a:spcBef>
+              <a:spcAft>
+                <a:spcPts val="0"/>
+              </a:spcAft>
+              <a:buClr>
+                <a:schemeClr val="dk1"/>
+              </a:buClr>
+              <a:buSzPts val="2400"/>
+              <a:buFont typeface="Arial"/>
+              <a:buChar char="•"/>
+            </a:pPr>
+            <a:r>
+              <a:rPr lang="en-US" sz="2400" b="1">
+                <a:solidFill>
+                  <a:schemeClr val="dk1"/>
+                </a:solidFill>
+                <a:latin typeface="Arial"/>
+                <a:ea typeface="Arial"/>
+                <a:cs typeface="Arial"/>
+                <a:sym typeface="Arial"/>
+              </a:rPr>
+              <a:t>Selectors</a:t>
+            </a:r>
+            <a:endParaRPr/>
+          </a:p>
+          <a:p>
+            <a:pPr marL="685800" lvl="1" indent="-228600">
+              <a:spcBef>
+                <a:spcPts val="540"/>
+              </a:spcBef>
+              <a:spcAft>
+                <a:spcPts val="0"/>
+              </a:spcAft>
+              <a:buClr>
+                <a:schemeClr val="dk1"/>
+              </a:buClr>
+              <a:buSzPts val="1800"/>
+              <a:buFont typeface="Arial"/>
+              <a:buChar char="–"/>
+            </a:pPr>
+            <a:r>
+              <a:rPr lang="en-US" b="1">
+                <a:solidFill>
+                  <a:schemeClr val="dk1"/>
+                </a:solidFill>
+                <a:latin typeface="Arial"/>
+                <a:ea typeface="Arial"/>
+                <a:cs typeface="Arial"/>
+                <a:sym typeface="Arial"/>
+              </a:rPr>
+              <a:t>kv_items: list of (key,value) tuple in KV</a:t>
+            </a:r>
+            <a:endParaRPr/>
+          </a:p>
+          <a:p>
+            <a:pPr marL="685800" lvl="1" indent="-228600">
+              <a:spcBef>
+                <a:spcPts val="540"/>
+              </a:spcBef>
+              <a:spcAft>
+                <a:spcPts val="0"/>
+              </a:spcAft>
+              <a:buClr>
+                <a:schemeClr val="dk1"/>
+              </a:buClr>
+              <a:buSzPts val="1800"/>
+              <a:buFont typeface="Arial"/>
+              <a:buChar char="–"/>
+            </a:pPr>
+            <a:r>
+              <a:rPr lang="en-US" b="1">
+                <a:solidFill>
+                  <a:schemeClr val="dk1"/>
+                </a:solidFill>
+                <a:latin typeface="Arial"/>
+                <a:ea typeface="Arial"/>
+                <a:cs typeface="Arial"/>
+                <a:sym typeface="Arial"/>
+              </a:rPr>
+              <a:t>kv_keys: list of keys in KV</a:t>
+            </a:r>
+            <a:endParaRPr/>
+          </a:p>
+          <a:p>
+            <a:pPr marL="685800" lvl="1" indent="-228600">
+              <a:spcBef>
+                <a:spcPts val="540"/>
+              </a:spcBef>
+              <a:spcAft>
+                <a:spcPts val="0"/>
+              </a:spcAft>
+              <a:buClr>
+                <a:schemeClr val="dk1"/>
+              </a:buClr>
+              <a:buSzPts val="1800"/>
+              <a:buFont typeface="Arial"/>
+              <a:buChar char="–"/>
+            </a:pPr>
+            <a:r>
+              <a:rPr lang="en-US" b="1">
+                <a:solidFill>
+                  <a:schemeClr val="dk1"/>
+                </a:solidFill>
+                <a:latin typeface="Arial"/>
+                <a:ea typeface="Arial"/>
+                <a:cs typeface="Arial"/>
+                <a:sym typeface="Arial"/>
+              </a:rPr>
+              <a:t>kv_values: list of values in KV</a:t>
+            </a:r>
+            <a:endParaRPr/>
+          </a:p>
+          <a:p>
+            <a:pPr marL="285750" indent="-285750">
+              <a:spcBef>
+                <a:spcPts val="720"/>
+              </a:spcBef>
+              <a:spcAft>
+                <a:spcPts val="0"/>
+              </a:spcAft>
+              <a:buClr>
+                <a:schemeClr val="dk1"/>
+              </a:buClr>
+              <a:buSzPts val="2400"/>
+              <a:buFont typeface="Arial"/>
+              <a:buChar char="•"/>
+            </a:pPr>
+            <a:r>
+              <a:rPr lang="en-US" sz="2400" b="1">
+                <a:solidFill>
+                  <a:schemeClr val="dk1"/>
+                </a:solidFill>
+                <a:latin typeface="Arial"/>
+                <a:ea typeface="Arial"/>
+                <a:cs typeface="Arial"/>
+                <a:sym typeface="Arial"/>
+              </a:rPr>
+              <a:t>Operations</a:t>
+            </a:r>
+            <a:endParaRPr/>
+          </a:p>
+          <a:p>
+            <a:pPr marL="685800" lvl="1" indent="-228600">
+              <a:spcBef>
+                <a:spcPts val="540"/>
+              </a:spcBef>
+              <a:spcAft>
+                <a:spcPts val="0"/>
+              </a:spcAft>
+              <a:buClr>
+                <a:schemeClr val="dk1"/>
+              </a:buClr>
+              <a:buSzPts val="1800"/>
+              <a:buFont typeface="Arial"/>
+              <a:buChar char="–"/>
+            </a:pPr>
+            <a:r>
+              <a:rPr lang="en-US" b="1">
+                <a:solidFill>
+                  <a:schemeClr val="dk1"/>
+                </a:solidFill>
+                <a:latin typeface="Arial"/>
+                <a:ea typeface="Arial"/>
+                <a:cs typeface="Arial"/>
+                <a:sym typeface="Arial"/>
+              </a:rPr>
+              <a:t>kv_len: number of bindings</a:t>
+            </a:r>
+            <a:endParaRPr/>
+          </a:p>
+          <a:p>
+            <a:pPr marL="685800" lvl="1" indent="-228600">
+              <a:spcBef>
+                <a:spcPts val="540"/>
+              </a:spcBef>
+              <a:spcAft>
+                <a:spcPts val="0"/>
+              </a:spcAft>
+              <a:buClr>
+                <a:schemeClr val="dk1"/>
+              </a:buClr>
+              <a:buSzPts val="1800"/>
+              <a:buFont typeface="Arial"/>
+              <a:buChar char="–"/>
+            </a:pPr>
+            <a:r>
+              <a:rPr lang="en-US" b="1">
+                <a:solidFill>
+                  <a:schemeClr val="dk1"/>
+                </a:solidFill>
+                <a:latin typeface="Arial"/>
+                <a:ea typeface="Arial"/>
+                <a:cs typeface="Arial"/>
+                <a:sym typeface="Arial"/>
+              </a:rPr>
+              <a:t>kv_in: presence of a binding with a key</a:t>
+            </a:r>
+            <a:endParaRPr/>
+          </a:p>
+          <a:p>
+            <a:pPr marL="685800" lvl="1" indent="-228600">
+              <a:spcBef>
+                <a:spcPts val="540"/>
+              </a:spcBef>
+              <a:spcAft>
+                <a:spcPts val="0"/>
+              </a:spcAft>
+              <a:buClr>
+                <a:schemeClr val="dk1"/>
+              </a:buClr>
+              <a:buSzPts val="1800"/>
+              <a:buFont typeface="Arial"/>
+              <a:buChar char="–"/>
+            </a:pPr>
+            <a:r>
+              <a:rPr lang="en-US" b="1">
+                <a:solidFill>
+                  <a:schemeClr val="dk1"/>
+                </a:solidFill>
+                <a:latin typeface="Arial"/>
+                <a:ea typeface="Arial"/>
+                <a:cs typeface="Arial"/>
+                <a:sym typeface="Arial"/>
+              </a:rPr>
+              <a:t>kv_display: external representation of KV</a:t>
+            </a:r>
+            <a:endParaRPr/>
+          </a:p>
+          <a:p>
+            <a:pPr marL="285750" indent="-133350">
+              <a:spcBef>
+                <a:spcPts val="720"/>
+              </a:spcBef>
+              <a:spcAft>
+                <a:spcPts val="0"/>
+              </a:spcAft>
+              <a:buClr>
+                <a:schemeClr val="dk1"/>
+              </a:buClr>
+              <a:buSzPts val="2400"/>
+              <a:buNone/>
+            </a:pPr>
+            <a:endParaRPr sz="2400" b="1">
+              <a:solidFill>
+                <a:schemeClr val="dk1"/>
+              </a:solidFill>
+              <a:latin typeface="Arial"/>
+              <a:ea typeface="Arial"/>
+              <a:cs typeface="Arial"/>
+              <a:sym typeface="Arial"/>
+            </a:endParaRPr>
+          </a:p>
+        </p:txBody>
+      </p:sp>
+      <p:sp>
+        <p:nvSpPr>
+          <p:cNvPr id="255" name="Google Shape;255;p24"/>
+          <p:cNvSpPr txBox="1">
+            <a:spLocks noGrp="1"/>
+          </p:cNvSpPr>
+          <p:nvPr>
+            <p:ph type="dt" idx="4294967295"/>
+          </p:nvPr>
+        </p:nvSpPr>
+        <p:spPr>
+          <a:xfrm>
+            <a:off x="1524000" y="6553200"/>
+            <a:ext cx="1524000" cy="304800"/>
+          </a:xfrm>
+          <a:prstGeom prst="rect">
+            <a:avLst/>
+          </a:prstGeom>
+          <a:noFill/>
+          <a:ln>
+            <a:noFill/>
+          </a:ln>
+        </p:spPr>
+        <p:txBody>
+          <a:bodyPr spcFirstLastPara="1" wrap="square" lIns="92075" tIns="46025" rIns="92075" bIns="46025" anchor="ctr" anchorCtr="0">
+            <a:noAutofit/>
+          </a:bodyPr>
+          <a:lstStyle/>
+          <a:p>
+            <a:r>
+              <a:rPr lang="en-US" sz="1200" b="1" dirty="0">
+                <a:solidFill>
+                  <a:srgbClr val="FF9900"/>
+                </a:solidFill>
+                <a:latin typeface="Times New Roman"/>
+                <a:ea typeface="Times New Roman"/>
+                <a:cs typeface="Times New Roman"/>
+                <a:sym typeface="Times New Roman"/>
+              </a:rPr>
+              <a:t>10/21/19</a:t>
+            </a:r>
+            <a:endParaRPr dirty="0"/>
+          </a:p>
+        </p:txBody>
+      </p:sp>
+      <p:sp>
+        <p:nvSpPr>
+          <p:cNvPr id="256" name="Google Shape;256;p24"/>
+          <p:cNvSpPr txBox="1">
+            <a:spLocks noGrp="1"/>
+          </p:cNvSpPr>
+          <p:nvPr>
+            <p:ph type="ftr" idx="4294967295"/>
+          </p:nvPr>
+        </p:nvSpPr>
+        <p:spPr>
+          <a:xfrm>
+            <a:off x="1524000" y="6553200"/>
+            <a:ext cx="2895600" cy="304800"/>
+          </a:xfrm>
+          <a:prstGeom prst="rect">
+            <a:avLst/>
+          </a:prstGeom>
+          <a:noFill/>
+          <a:ln>
+            <a:noFill/>
+          </a:ln>
+        </p:spPr>
+        <p:txBody>
+          <a:bodyPr spcFirstLastPara="1" wrap="square" lIns="92075" tIns="46025" rIns="92075" bIns="46025" anchor="ctr" anchorCtr="0">
+            <a:noAutofit/>
+          </a:bodyPr>
+          <a:lstStyle/>
+          <a:p>
+            <a:pPr algn="ctr"/>
+            <a:r>
+              <a:rPr lang="en-US" sz="1200" b="1" dirty="0">
+                <a:solidFill>
+                  <a:srgbClr val="114FFB"/>
+                </a:solidFill>
+                <a:latin typeface="Helvetica Neue"/>
+                <a:ea typeface="Helvetica Neue"/>
+                <a:cs typeface="Helvetica Neue"/>
+                <a:sym typeface="Helvetica Neue"/>
+              </a:rPr>
+              <a:t>UCB CS88 Fa19 L7</a:t>
+            </a:r>
+            <a:endParaRPr dirty="0"/>
+          </a:p>
+        </p:txBody>
+      </p:sp>
+      <p:sp>
+        <p:nvSpPr>
+          <p:cNvPr id="257" name="Google Shape;257;p24"/>
+          <p:cNvSpPr txBox="1">
+            <a:spLocks noGrp="1"/>
+          </p:cNvSpPr>
+          <p:nvPr>
+            <p:ph type="sldNum" idx="4294967295"/>
+          </p:nvPr>
+        </p:nvSpPr>
+        <p:spPr>
+          <a:xfrm>
+            <a:off x="10134600" y="6553200"/>
+            <a:ext cx="533400" cy="304800"/>
+          </a:xfrm>
+          <a:prstGeom prst="rect">
+            <a:avLst/>
+          </a:prstGeom>
+          <a:noFill/>
+          <a:ln>
+            <a:noFill/>
+          </a:ln>
+        </p:spPr>
+        <p:txBody>
+          <a:bodyPr spcFirstLastPara="1" wrap="square" lIns="92075" tIns="46025" rIns="92075" bIns="46025" anchor="ctr" anchorCtr="0">
+            <a:noAutofit/>
+          </a:bodyPr>
+          <a:lstStyle/>
+          <a:p>
+            <a:pPr algn="r"/>
+            <a:fld id="{00000000-1234-1234-1234-123412341234}" type="slidenum">
+              <a:rPr lang="en-US" b="1">
+                <a:solidFill>
+                  <a:srgbClr val="FF9900"/>
+                </a:solidFill>
+                <a:latin typeface="Times New Roman"/>
+                <a:ea typeface="Times New Roman"/>
+                <a:cs typeface="Times New Roman"/>
+                <a:sym typeface="Times New Roman"/>
+              </a:rPr>
+              <a:pPr algn="r"/>
+              <a:t>19</a:t>
+            </a:fld>
+            <a:endParaRPr>
+              <a:solidFill>
+                <a:srgbClr val="FF9900"/>
+              </a:solidFill>
+              <a:latin typeface="Times New Roman"/>
+              <a:ea typeface="Times New Roman"/>
+              <a:cs typeface="Times New Roman"/>
+              <a:sym typeface="Times New Roman"/>
+            </a:endParaRPr>
+          </a:p>
+        </p:txBody>
+      </p:sp>
+    </p:spTree>
+    <p:extLst>
+      <p:ext uri="{BB962C8B-B14F-4D97-AF65-F5344CB8AC3E}">
+        <p14:creationId xmlns:p14="http://schemas.microsoft.com/office/powerpoint/2010/main" val="453012430"/>
+      </p:ext>
+    </p:extLst>
+  </p:cSld>
+  <p:clrMapOvr>
+    <a:masterClrMapping/>
+  </p:clrMapOvr>
+</p:sld>
+</file>
+
+<file path=ppt/slides/slide2.xml><?xml version="1.0" encoding="utf-8"?>
+<p:sld xmlns:a="http://schemas.openxmlformats.org/drawingml/2006/main" xmlns:r="http://schemas.openxmlformats.org/officeDocument/2006/relationships" xmlns:p="http://schemas.openxmlformats.org/presentationml/2006/main">
+  <p:cSld>
+    <p:spTree>
+      <p:nvGrpSpPr>
+        <p:cNvPr id="1" name="Shape 169"/>
+        <p:cNvGrpSpPr/>
+        <p:nvPr/>
+      </p:nvGrpSpPr>
+      <p:grpSpPr>
+        <a:xfrm>
+          <a:off x="0" y="0"/>
+          <a:ext cx="0" cy="0"/>
+          <a:chOff x="0" y="0"/>
+          <a:chExt cx="0" cy="0"/>
+        </a:xfrm>
+      </p:grpSpPr>
+      <p:sp>
+        <p:nvSpPr>
+          <p:cNvPr id="170" name="Google Shape;170;p17"/>
+          <p:cNvSpPr txBox="1">
+            <a:spLocks noGrp="1"/>
+          </p:cNvSpPr>
+          <p:nvPr>
+            <p:ph type="title"/>
+          </p:nvPr>
+        </p:nvSpPr>
+        <p:spPr>
+          <a:xfrm>
+            <a:off x="533400" y="228600"/>
+            <a:ext cx="10210800" cy="736600"/>
+          </a:xfrm>
+          <a:noFill/>
+          <a:ln>
+            <a:noFill/>
+          </a:ln>
+        </p:spPr>
+        <p:txBody>
+          <a:bodyPr spcFirstLastPara="1" vert="horz" wrap="square" lIns="92075" tIns="46025" rIns="92075" bIns="46025" numCol="1" anchor="ctr" anchorCtr="0" compatLnSpc="1">
+            <a:prstTxWarp prst="textNoShape">
+              <a:avLst/>
+            </a:prstTxWarp>
+            <a:noAutofit/>
+          </a:bodyPr>
+          <a:lstStyle/>
+          <a:p>
+            <a:r>
+              <a:rPr lang="en-US" sz="3600" dirty="0">
+                <a:sym typeface="Arial"/>
+              </a:rPr>
+              <a:t>Today’s Lecture</a:t>
+            </a:r>
+            <a:endParaRPr lang="en-US" sz="3600" dirty="0"/>
+          </a:p>
+        </p:txBody>
+      </p:sp>
+      <p:sp>
+        <p:nvSpPr>
+          <p:cNvPr id="171" name="Google Shape;171;p17"/>
+          <p:cNvSpPr txBox="1">
+            <a:spLocks noGrp="1"/>
+          </p:cNvSpPr>
+          <p:nvPr>
+            <p:ph idx="1"/>
+          </p:nvPr>
+        </p:nvSpPr>
+        <p:spPr>
+          <a:xfrm>
+            <a:off x="533400" y="1066800"/>
+            <a:ext cx="11125200" cy="5257800"/>
+          </a:xfrm>
+          <a:noFill/>
+          <a:ln>
+            <a:noFill/>
+          </a:ln>
+        </p:spPr>
+        <p:txBody>
+          <a:bodyPr spcFirstLastPara="1" vert="horz" wrap="square" lIns="92075" tIns="46025" rIns="92075" bIns="46025" numCol="1" anchor="t" anchorCtr="0" compatLnSpc="1">
+            <a:prstTxWarp prst="textNoShape">
+              <a:avLst/>
+            </a:prstTxWarp>
+            <a:noAutofit/>
+          </a:bodyPr>
+          <a:lstStyle/>
+          <a:p>
+            <a:r>
+              <a:rPr lang="en-US" sz="2400" dirty="0"/>
+              <a:t>Abstract Data Types</a:t>
+            </a:r>
+          </a:p>
+          <a:p>
+            <a:pPr lvl="1"/>
+            <a:r>
+              <a:rPr lang="en-US" sz="2400" dirty="0"/>
+              <a:t>More use of functions!</a:t>
+            </a:r>
+          </a:p>
+          <a:p>
+            <a:pPr lvl="1"/>
+            <a:r>
+              <a:rPr lang="en-US" sz="2400" dirty="0"/>
+              <a:t>Value in documentation and clarity</a:t>
+            </a:r>
+          </a:p>
+        </p:txBody>
+      </p:sp>
+    </p:spTree>
+    <p:extLst>
+      <p:ext uri="{BB962C8B-B14F-4D97-AF65-F5344CB8AC3E}">
+        <p14:creationId xmlns:p14="http://schemas.microsoft.com/office/powerpoint/2010/main" val="2321860536"/>
+      </p:ext>
+    </p:extLst>
+  </p:cSld>
+  <p:clrMapOvr>
+    <a:masterClrMapping/>
+  </p:clrMapOvr>
+</p:sld>
+</file>
+
+<file path=ppt/slides/slide20.xml><?xml version="1.0" encoding="utf-8"?>
+<p:sld xmlns:a="http://schemas.openxmlformats.org/drawingml/2006/main" xmlns:r="http://schemas.openxmlformats.org/officeDocument/2006/relationships" xmlns:p="http://schemas.openxmlformats.org/presentationml/2006/main">
+  <p:cSld>
+    <p:spTree>
+      <p:nvGrpSpPr>
+        <p:cNvPr id="1" name="Shape 270"/>
+        <p:cNvGrpSpPr/>
+        <p:nvPr/>
+      </p:nvGrpSpPr>
+      <p:grpSpPr>
+        <a:xfrm>
+          <a:off x="0" y="0"/>
+          <a:ext cx="0" cy="0"/>
+          <a:chOff x="0" y="0"/>
+          <a:chExt cx="0" cy="0"/>
+        </a:xfrm>
+      </p:grpSpPr>
+      <p:sp>
+        <p:nvSpPr>
+          <p:cNvPr id="271" name="Google Shape;271;p26"/>
+          <p:cNvSpPr txBox="1">
+            <a:spLocks noGrp="1"/>
+          </p:cNvSpPr>
+          <p:nvPr>
+            <p:ph type="title"/>
+          </p:nvPr>
+        </p:nvSpPr>
+        <p:spPr>
+          <a:prstGeom prst="rect">
+            <a:avLst/>
+          </a:prstGeom>
+          <a:noFill/>
+          <a:ln>
+            <a:noFill/>
+          </a:ln>
+        </p:spPr>
+        <p:txBody>
+          <a:bodyPr spcFirstLastPara="1" vert="horz" wrap="square" lIns="92075" tIns="46025" rIns="92075" bIns="46025" numCol="1" anchor="ctr" anchorCtr="0" compatLnSpc="1">
+            <a:prstTxWarp prst="textNoShape">
+              <a:avLst/>
+            </a:prstTxWarp>
+            <a:noAutofit/>
+          </a:bodyPr>
+          <a:lstStyle/>
+          <a:p>
+            <a:pPr>
+              <a:spcBef>
+                <a:spcPts val="0"/>
+              </a:spcBef>
+              <a:spcAft>
+                <a:spcPts val="0"/>
+              </a:spcAft>
+            </a:pPr>
+            <a:r>
+              <a:rPr lang="en-US" sz="3200" dirty="0">
+                <a:latin typeface="Arial"/>
+                <a:ea typeface="Arial"/>
+                <a:cs typeface="Arial"/>
+                <a:sym typeface="Arial"/>
+              </a:rPr>
+              <a:t>A Layered Design Process</a:t>
+            </a:r>
+            <a:endParaRPr dirty="0"/>
+          </a:p>
+        </p:txBody>
+      </p:sp>
+      <p:sp>
+        <p:nvSpPr>
+          <p:cNvPr id="272" name="Google Shape;272;p26"/>
+          <p:cNvSpPr txBox="1">
+            <a:spLocks noGrp="1"/>
+          </p:cNvSpPr>
+          <p:nvPr>
+            <p:ph idx="1"/>
+          </p:nvPr>
+        </p:nvSpPr>
+        <p:spPr>
+          <a:prstGeom prst="rect">
+            <a:avLst/>
+          </a:prstGeom>
+          <a:noFill/>
+          <a:ln>
+            <a:noFill/>
+          </a:ln>
+        </p:spPr>
+        <p:txBody>
+          <a:bodyPr spcFirstLastPara="1" vert="horz" wrap="square" lIns="92075" tIns="46025" rIns="92075" bIns="46025" numCol="1" anchor="t" anchorCtr="0" compatLnSpc="1">
+            <a:prstTxWarp prst="textNoShape">
+              <a:avLst/>
+            </a:prstTxWarp>
+            <a:noAutofit/>
+          </a:bodyPr>
+          <a:lstStyle/>
+          <a:p>
+            <a:pPr marL="285750" indent="-285750">
+              <a:spcBef>
+                <a:spcPts val="0"/>
+              </a:spcBef>
+              <a:spcAft>
+                <a:spcPts val="0"/>
+              </a:spcAft>
+              <a:buClr>
+                <a:schemeClr val="dk1"/>
+              </a:buClr>
+              <a:buSzPts val="2400"/>
+              <a:buFont typeface="Arial"/>
+              <a:buChar char="•"/>
+            </a:pPr>
+            <a:r>
+              <a:rPr lang="en-US" sz="2400" b="1" dirty="0">
+                <a:solidFill>
+                  <a:schemeClr val="dk1"/>
+                </a:solidFill>
+                <a:latin typeface="Arial"/>
+                <a:ea typeface="Arial"/>
+                <a:cs typeface="Arial"/>
+                <a:sym typeface="Arial"/>
+              </a:rPr>
+              <a:t>Build the application based entirely on the ADT interface</a:t>
+            </a:r>
+            <a:endParaRPr dirty="0"/>
+          </a:p>
+          <a:p>
+            <a:pPr marL="685800" lvl="1" indent="-228600">
+              <a:spcBef>
+                <a:spcPts val="540"/>
+              </a:spcBef>
+              <a:spcAft>
+                <a:spcPts val="0"/>
+              </a:spcAft>
+              <a:buClr>
+                <a:schemeClr val="dk1"/>
+              </a:buClr>
+              <a:buSzPts val="1800"/>
+              <a:buFont typeface="Arial"/>
+              <a:buChar char="–"/>
+            </a:pPr>
+            <a:r>
+              <a:rPr lang="en-US" b="1" dirty="0">
+                <a:solidFill>
+                  <a:schemeClr val="dk1"/>
+                </a:solidFill>
+                <a:latin typeface="Arial"/>
+                <a:ea typeface="Arial"/>
+                <a:cs typeface="Arial"/>
+                <a:sym typeface="Arial"/>
+              </a:rPr>
+              <a:t>Operations, Constructors and Selectors</a:t>
+            </a:r>
+            <a:endParaRPr dirty="0"/>
+          </a:p>
+          <a:p>
+            <a:pPr marL="285750" indent="-285750">
+              <a:spcBef>
+                <a:spcPts val="720"/>
+              </a:spcBef>
+              <a:spcAft>
+                <a:spcPts val="0"/>
+              </a:spcAft>
+              <a:buClr>
+                <a:schemeClr val="dk1"/>
+              </a:buClr>
+              <a:buSzPts val="2400"/>
+              <a:buFont typeface="Arial"/>
+              <a:buChar char="•"/>
+            </a:pPr>
+            <a:r>
+              <a:rPr lang="en-US" sz="2400" b="1" dirty="0">
+                <a:solidFill>
+                  <a:schemeClr val="dk1"/>
+                </a:solidFill>
+                <a:latin typeface="Arial"/>
+                <a:ea typeface="Arial"/>
+                <a:cs typeface="Arial"/>
+                <a:sym typeface="Arial"/>
+              </a:rPr>
+              <a:t>Build the operations in ADT on Constructors and Selectors</a:t>
+            </a:r>
+            <a:endParaRPr dirty="0"/>
+          </a:p>
+          <a:p>
+            <a:pPr marL="685800" lvl="1" indent="-228600">
+              <a:spcBef>
+                <a:spcPts val="540"/>
+              </a:spcBef>
+              <a:spcAft>
+                <a:spcPts val="0"/>
+              </a:spcAft>
+              <a:buClr>
+                <a:schemeClr val="dk1"/>
+              </a:buClr>
+              <a:buSzPts val="1800"/>
+              <a:buFont typeface="Arial"/>
+              <a:buChar char="–"/>
+            </a:pPr>
+            <a:r>
+              <a:rPr lang="en-US" b="1" dirty="0">
+                <a:solidFill>
+                  <a:schemeClr val="dk1"/>
+                </a:solidFill>
+                <a:latin typeface="Arial"/>
+                <a:ea typeface="Arial"/>
+                <a:cs typeface="Arial"/>
+                <a:sym typeface="Arial"/>
+              </a:rPr>
+              <a:t>Not the implementation representation</a:t>
+            </a:r>
+          </a:p>
+          <a:p>
+            <a:pPr marL="685800" lvl="1" indent="-228600">
+              <a:spcBef>
+                <a:spcPts val="540"/>
+              </a:spcBef>
+              <a:spcAft>
+                <a:spcPts val="0"/>
+              </a:spcAft>
+              <a:buClr>
+                <a:schemeClr val="dk1"/>
+              </a:buClr>
+              <a:buSzPts val="1800"/>
+              <a:buFont typeface="Arial"/>
+              <a:buChar char="–"/>
+            </a:pPr>
+            <a:r>
+              <a:rPr lang="en-US" dirty="0"/>
+              <a:t>This is the end of the abstraction barrier.</a:t>
+            </a:r>
+            <a:endParaRPr dirty="0"/>
+          </a:p>
+          <a:p>
+            <a:pPr marL="285750" indent="-285750">
+              <a:spcBef>
+                <a:spcPts val="720"/>
+              </a:spcBef>
+              <a:spcAft>
+                <a:spcPts val="0"/>
+              </a:spcAft>
+              <a:buClr>
+                <a:schemeClr val="dk1"/>
+              </a:buClr>
+              <a:buSzPts val="2400"/>
+              <a:buFont typeface="Arial"/>
+              <a:buChar char="•"/>
+            </a:pPr>
+            <a:r>
+              <a:rPr lang="en-US" sz="2400" b="1" dirty="0">
+                <a:solidFill>
+                  <a:schemeClr val="dk1"/>
+                </a:solidFill>
+                <a:latin typeface="Arial"/>
+                <a:ea typeface="Arial"/>
+                <a:cs typeface="Arial"/>
+                <a:sym typeface="Arial"/>
+              </a:rPr>
+              <a:t>Build the constructors and selectors on some concrete representation</a:t>
+            </a:r>
+            <a:endParaRPr dirty="0"/>
+          </a:p>
+        </p:txBody>
+      </p:sp>
+    </p:spTree>
+    <p:extLst>
+      <p:ext uri="{BB962C8B-B14F-4D97-AF65-F5344CB8AC3E}">
+        <p14:creationId xmlns:p14="http://schemas.microsoft.com/office/powerpoint/2010/main" val="2381109446"/>
+      </p:ext>
+    </p:extLst>
+  </p:cSld>
+  <p:clrMapOvr>
+    <a:masterClrMapping/>
+  </p:clrMapOvr>
+</p:sld>
+</file>
+
+<file path=ppt/slides/slide21.xml><?xml version="1.0" encoding="utf-8"?>
+<p:sld xmlns:a="http://schemas.openxmlformats.org/drawingml/2006/main" xmlns:r="http://schemas.openxmlformats.org/officeDocument/2006/relationships" xmlns:p="http://schemas.openxmlformats.org/presentationml/2006/main">
+  <p:cSld>
+    <p:spTree>
+      <p:nvGrpSpPr>
+        <p:cNvPr id="1" name="Shape 279"/>
+        <p:cNvGrpSpPr/>
+        <p:nvPr/>
+      </p:nvGrpSpPr>
+      <p:grpSpPr>
+        <a:xfrm>
+          <a:off x="0" y="0"/>
+          <a:ext cx="0" cy="0"/>
+          <a:chOff x="0" y="0"/>
+          <a:chExt cx="0" cy="0"/>
+        </a:xfrm>
+      </p:grpSpPr>
+      <p:sp>
+        <p:nvSpPr>
+          <p:cNvPr id="280" name="Google Shape;280;p27"/>
+          <p:cNvSpPr txBox="1">
+            <a:spLocks noGrp="1"/>
+          </p:cNvSpPr>
+          <p:nvPr>
+            <p:ph type="title"/>
+          </p:nvPr>
+        </p:nvSpPr>
+        <p:spPr>
+          <a:xfrm>
+            <a:off x="533400" y="228600"/>
+            <a:ext cx="10210800" cy="736600"/>
+          </a:xfrm>
+          <a:noFill/>
+          <a:ln>
+            <a:noFill/>
+          </a:ln>
+        </p:spPr>
+        <p:txBody>
+          <a:bodyPr spcFirstLastPara="1" vert="horz" wrap="square" lIns="92075" tIns="46025" rIns="92075" bIns="46025" numCol="1" anchor="ctr" anchorCtr="0" compatLnSpc="1">
+            <a:prstTxWarp prst="textNoShape">
+              <a:avLst/>
+            </a:prstTxWarp>
+            <a:noAutofit/>
+          </a:bodyPr>
+          <a:lstStyle/>
+          <a:p>
+            <a:r>
+              <a:rPr lang="en-US" dirty="0">
+                <a:sym typeface="Arial"/>
+              </a:rPr>
+              <a:t>Example: Tic Tac Toe and Phone Book</a:t>
+            </a:r>
+            <a:endParaRPr lang="en-US" dirty="0"/>
+          </a:p>
+        </p:txBody>
+      </p:sp>
+      <p:sp>
+        <p:nvSpPr>
+          <p:cNvPr id="281" name="Google Shape;281;p27"/>
+          <p:cNvSpPr txBox="1">
+            <a:spLocks noGrp="1"/>
+          </p:cNvSpPr>
+          <p:nvPr>
+            <p:ph idx="1"/>
+          </p:nvPr>
+        </p:nvSpPr>
+        <p:spPr>
+          <a:xfrm>
+            <a:off x="533400" y="1066800"/>
+            <a:ext cx="11125200" cy="5257800"/>
+          </a:xfrm>
+          <a:noFill/>
+          <a:ln>
+            <a:noFill/>
+          </a:ln>
+        </p:spPr>
+        <p:txBody>
+          <a:bodyPr spcFirstLastPara="1" vert="horz" wrap="square" lIns="92075" tIns="46025" rIns="92075" bIns="46025" numCol="1" anchor="t" anchorCtr="0" compatLnSpc="1">
+            <a:prstTxWarp prst="textNoShape">
+              <a:avLst/>
+            </a:prstTxWarp>
+            <a:noAutofit/>
+          </a:bodyPr>
+          <a:lstStyle/>
+          <a:p>
+            <a:r>
+              <a:rPr lang="en-US" dirty="0"/>
+              <a:t>See the companion notebook.</a:t>
+            </a:r>
+          </a:p>
+          <a:p>
+            <a:r>
+              <a:rPr lang="en-US" dirty="0"/>
+              <a:t>Download the file "</a:t>
+            </a:r>
+            <a:r>
+              <a:rPr lang="en-US" dirty="0" err="1"/>
+              <a:t>ipynb</a:t>
+            </a:r>
+            <a:r>
+              <a:rPr lang="en-US" dirty="0"/>
+              <a:t>"</a:t>
+            </a:r>
+          </a:p>
+          <a:p>
+            <a:pPr lvl="1"/>
+            <a:r>
+              <a:rPr lang="en-US" dirty="0"/>
+              <a:t>Go to </a:t>
+            </a:r>
+            <a:r>
+              <a:rPr lang="en-US" dirty="0" err="1"/>
+              <a:t>datahub.berkeley.edu</a:t>
+            </a:r>
+            <a:endParaRPr lang="en-US" dirty="0"/>
+          </a:p>
+          <a:p>
+            <a:pPr lvl="1"/>
+            <a:r>
+              <a:rPr lang="en-US" dirty="0"/>
+              <a:t>Log in, then select "Upload"</a:t>
+            </a:r>
+          </a:p>
+        </p:txBody>
+      </p:sp>
+    </p:spTree>
+    <p:extLst>
+      <p:ext uri="{BB962C8B-B14F-4D97-AF65-F5344CB8AC3E}">
+        <p14:creationId xmlns:p14="http://schemas.microsoft.com/office/powerpoint/2010/main" val="436779345"/>
+      </p:ext>
+    </p:extLst>
+  </p:cSld>
+  <p:clrMapOvr>
+    <a:masterClrMapping/>
+  </p:clrMapOvr>
+</p:sld>
+</file>
+
+<file path=ppt/slides/slide22.xml><?xml version="1.0" encoding="utf-8"?>
+<p:sld xmlns:a="http://schemas.openxmlformats.org/drawingml/2006/main" xmlns:r="http://schemas.openxmlformats.org/officeDocument/2006/relationships" xmlns:p="http://schemas.openxmlformats.org/presentationml/2006/main">
+  <p:cSld>
+    <p:spTree>
+      <p:nvGrpSpPr>
+        <p:cNvPr id="1" name=""/>
+        <p:cNvGrpSpPr/>
+        <p:nvPr/>
+      </p:nvGrpSpPr>
+      <p:grpSpPr>
+        <a:xfrm>
+          <a:off x="0" y="0"/>
+          <a:ext cx="0" cy="0"/>
+          <a:chOff x="0" y="0"/>
+          <a:chExt cx="0" cy="0"/>
+        </a:xfrm>
+      </p:grpSpPr>
+      <p:sp>
+        <p:nvSpPr>
+          <p:cNvPr id="2" name="Title 1">
+            <a:extLst>
+              <a:ext uri="{FF2B5EF4-FFF2-40B4-BE49-F238E27FC236}">
+                <a16:creationId xmlns:a16="http://schemas.microsoft.com/office/drawing/2014/main" id="{C82B3567-CACD-6D40-99A9-5715927FF0D2}"/>
+              </a:ext>
+            </a:extLst>
+          </p:cNvPr>
+          <p:cNvSpPr>
+            <a:spLocks noGrp="1"/>
+          </p:cNvSpPr>
+          <p:nvPr>
+            <p:ph type="title"/>
+          </p:nvPr>
+        </p:nvSpPr>
+        <p:spPr/>
+        <p:txBody>
+          <a:bodyPr/>
+          <a:lstStyle/>
+          <a:p>
+            <a:r>
+              <a:rPr lang="en-US" dirty="0"/>
+              <a:t>Question: The Abstraction Barrier</a:t>
+            </a:r>
+          </a:p>
+        </p:txBody>
+      </p:sp>
+      <p:sp>
+        <p:nvSpPr>
+          <p:cNvPr id="3" name="Text Placeholder 2">
+            <a:extLst>
+              <a:ext uri="{FF2B5EF4-FFF2-40B4-BE49-F238E27FC236}">
+                <a16:creationId xmlns:a16="http://schemas.microsoft.com/office/drawing/2014/main" id="{08549D87-93D4-AF42-A483-337D73057EBA}"/>
+              </a:ext>
+            </a:extLst>
+          </p:cNvPr>
+          <p:cNvSpPr>
+            <a:spLocks noGrp="1"/>
+          </p:cNvSpPr>
+          <p:nvPr>
+            <p:ph idx="1"/>
+          </p:nvPr>
+        </p:nvSpPr>
+        <p:spPr>
+          <a:xfrm>
+            <a:off x="2209800" y="1066800"/>
+            <a:ext cx="8244840" cy="5257800"/>
+          </a:xfrm>
+        </p:spPr>
+        <p:txBody>
+          <a:bodyPr/>
+          <a:lstStyle/>
+          <a:p>
+            <a:pPr marL="76200" indent="0">
+              <a:buNone/>
+            </a:pPr>
+            <a:r>
+              <a:rPr lang="en-US" dirty="0"/>
+              <a:t>Which of these </a:t>
+            </a:r>
+            <a:r>
+              <a:rPr lang="en-US" i="1" dirty="0"/>
+              <a:t>violates</a:t>
+            </a:r>
+            <a:r>
+              <a:rPr lang="en-US" dirty="0"/>
+              <a:t> a board ADT? </a:t>
+            </a:r>
+            <a:endParaRPr lang="en-US" dirty="0">
+              <a:latin typeface="Source Code Pro" panose="020B0509030403020204" pitchFamily="49" charset="77"/>
+            </a:endParaRPr>
+          </a:p>
+          <a:p>
+            <a:pPr marL="76200" indent="0">
+              <a:buNone/>
+            </a:pPr>
+            <a:endParaRPr lang="en-US" dirty="0"/>
+          </a:p>
+          <a:p>
+            <a:endParaRPr lang="en-US" dirty="0"/>
+          </a:p>
+          <a:p>
+            <a:r>
+              <a:rPr lang="en-US" dirty="0">
+                <a:latin typeface="Source Code Pro" panose="020B0509030403020204" pitchFamily="49" charset="77"/>
+              </a:rPr>
+              <a:t>A) </a:t>
+            </a:r>
+            <a:r>
+              <a:rPr lang="en-US" dirty="0" err="1">
+                <a:latin typeface="Source Code Pro" panose="020B0509030403020204" pitchFamily="49" charset="77"/>
+              </a:rPr>
+              <a:t>diag_left</a:t>
+            </a:r>
+            <a:r>
+              <a:rPr lang="en-US" dirty="0">
+                <a:latin typeface="Source Code Pro" panose="020B0509030403020204" pitchFamily="49" charset="77"/>
+              </a:rPr>
+              <a:t> = diagonal(board, 0)</a:t>
+            </a:r>
+          </a:p>
+          <a:p>
+            <a:r>
+              <a:rPr lang="en-US" dirty="0">
+                <a:latin typeface="Source Code Pro" panose="020B0509030403020204" pitchFamily="49" charset="77"/>
+              </a:rPr>
+              <a:t>B) board[0][2] = 'x'</a:t>
+            </a:r>
+          </a:p>
+          <a:p>
+            <a:r>
+              <a:rPr lang="en-US" dirty="0">
+                <a:latin typeface="Source Code Pro" panose="020B0509030403020204" pitchFamily="49" charset="77"/>
+              </a:rPr>
+              <a:t>C) </a:t>
+            </a:r>
+            <a:r>
+              <a:rPr lang="en-US" dirty="0" err="1">
+                <a:latin typeface="Source Code Pro" panose="020B0509030403020204" pitchFamily="49" charset="77"/>
+              </a:rPr>
+              <a:t>all_rows</a:t>
+            </a:r>
+            <a:r>
+              <a:rPr lang="en-US" dirty="0">
+                <a:latin typeface="Source Code Pro" panose="020B0509030403020204" pitchFamily="49" charset="77"/>
+              </a:rPr>
+              <a:t> = rows(board)</a:t>
+            </a:r>
+          </a:p>
+          <a:p>
+            <a:r>
+              <a:rPr lang="en-US" dirty="0">
+                <a:latin typeface="Source Code Pro" panose="020B0509030403020204" pitchFamily="49" charset="77"/>
+              </a:rPr>
+              <a:t>D) board = </a:t>
+            </a:r>
+            <a:r>
+              <a:rPr lang="en-US" dirty="0" err="1">
+                <a:latin typeface="Source Code Pro" panose="020B0509030403020204" pitchFamily="49" charset="77"/>
+              </a:rPr>
+              <a:t>empty_board</a:t>
+            </a:r>
+            <a:r>
+              <a:rPr lang="en-US" dirty="0">
+                <a:latin typeface="Source Code Pro" panose="020B0509030403020204" pitchFamily="49" charset="77"/>
+              </a:rPr>
+              <a:t>()</a:t>
+            </a:r>
+          </a:p>
+          <a:p>
+            <a:r>
+              <a:rPr lang="en-US" dirty="0">
+                <a:latin typeface="Source Code Pro" panose="020B0509030403020204" pitchFamily="49" charset="77"/>
+              </a:rPr>
+              <a:t>E) None of the above</a:t>
+            </a:r>
+          </a:p>
+        </p:txBody>
+      </p:sp>
+    </p:spTree>
+    <p:extLst>
+      <p:ext uri="{BB962C8B-B14F-4D97-AF65-F5344CB8AC3E}">
+        <p14:creationId xmlns:p14="http://schemas.microsoft.com/office/powerpoint/2010/main" val="4002893810"/>
+      </p:ext>
+    </p:extLst>
+  </p:cSld>
+  <p:clrMapOvr>
+    <a:masterClrMapping/>
+  </p:clrMapOvr>
+</p:sld>
+</file>
+
+<file path=ppt/slides/slide3.xml><?xml version="1.0" encoding="utf-8"?>
+<p:sld xmlns:a="http://schemas.openxmlformats.org/drawingml/2006/main" xmlns:r="http://schemas.openxmlformats.org/officeDocument/2006/relationships" xmlns:p="http://schemas.openxmlformats.org/presentationml/2006/main">
+  <p:cSld>
+    <p:spTree>
+      <p:nvGrpSpPr>
+        <p:cNvPr id="1" name=""/>
+        <p:cNvGrpSpPr/>
+        <p:nvPr/>
+      </p:nvGrpSpPr>
+      <p:grpSpPr>
+        <a:xfrm>
+          <a:off x="0" y="0"/>
+          <a:ext cx="0" cy="0"/>
+          <a:chOff x="0" y="0"/>
+          <a:chExt cx="0" cy="0"/>
+        </a:xfrm>
+      </p:grpSpPr>
+      <p:sp>
+        <p:nvSpPr>
+          <p:cNvPr id="2" name="Title 1">
+            <a:extLst>
+              <a:ext uri="{FF2B5EF4-FFF2-40B4-BE49-F238E27FC236}">
+                <a16:creationId xmlns:a16="http://schemas.microsoft.com/office/drawing/2014/main" id="{D2340843-39A8-4E4A-A923-FEDC64A7AE32}"/>
+              </a:ext>
+            </a:extLst>
+          </p:cNvPr>
+          <p:cNvSpPr>
+            <a:spLocks noGrp="1"/>
+          </p:cNvSpPr>
+          <p:nvPr>
+            <p:ph type="ctrTitle"/>
+          </p:nvPr>
+        </p:nvSpPr>
+        <p:spPr>
+          <a:xfrm>
+            <a:off x="2819400" y="2686486"/>
+            <a:ext cx="8458200" cy="1470025"/>
+          </a:xfrm>
+        </p:spPr>
+        <p:txBody>
+          <a:bodyPr/>
+          <a:lstStyle/>
+          <a:p>
+            <a:r>
+              <a:rPr lang="en-US" dirty="0"/>
+              <a:t>Dictionaries</a:t>
+            </a:r>
+          </a:p>
+        </p:txBody>
+      </p:sp>
+    </p:spTree>
+    <p:extLst>
+      <p:ext uri="{BB962C8B-B14F-4D97-AF65-F5344CB8AC3E}">
+        <p14:creationId xmlns:p14="http://schemas.microsoft.com/office/powerpoint/2010/main" val="3597601288"/>
+      </p:ext>
+    </p:extLst>
+  </p:cSld>
+  <p:clrMapOvr>
+    <a:masterClrMapping/>
+  </p:clrMapOvr>
+  <p:timing>
+    <p:tnLst>
+      <p:par>
+        <p:cTn id="1" dur="indefinite" restart="never" nodeType="tmRoot">
+          <p:childTnLst>
+            <p:seq>
+              <p:cTn id="2" nodeType="mainSeq"/>
+              <p:prevCondLst>
+                <p:cond evt="onPrev" delay="0">
+                  <p:tgtEl>
+                    <p:sldTgt/>
+                  </p:tgtEl>
+                </p:cond>
+              </p:prevCondLst>
+              <p:nextCondLst>
+                <p:cond evt="onNext" delay="0">
+                  <p:tgtEl>
+                    <p:sldTgt/>
+                  </p:tgtEl>
+                </p:cond>
+              </p:nextCondLst>
+            </p:seq>
+          </p:childTnLst>
+        </p:cTn>
+      </p:par>
+    </p:tnLst>
+  </p:timing>
+</p:sld>
+</file>
+
+<file path=ppt/slides/slide4.xml><?xml version="1.0" encoding="utf-8"?>
+<p:sld xmlns:a="http://schemas.openxmlformats.org/drawingml/2006/main" xmlns:r="http://schemas.openxmlformats.org/officeDocument/2006/relationships" xmlns:p="http://schemas.openxmlformats.org/presentationml/2006/main">
+  <p:cSld>
+    <p:spTree>
+      <p:nvGrpSpPr>
+        <p:cNvPr id="1" name=""/>
+        <p:cNvGrpSpPr/>
+        <p:nvPr/>
+      </p:nvGrpSpPr>
+      <p:grpSpPr>
+        <a:xfrm>
+          <a:off x="0" y="0"/>
+          <a:ext cx="0" cy="0"/>
+          <a:chOff x="0" y="0"/>
+          <a:chExt cx="0" cy="0"/>
+        </a:xfrm>
+      </p:grpSpPr>
+      <p:sp>
+        <p:nvSpPr>
+          <p:cNvPr id="2" name="Title 1">
+            <a:extLst>
+              <a:ext uri="{FF2B5EF4-FFF2-40B4-BE49-F238E27FC236}">
+                <a16:creationId xmlns:a16="http://schemas.microsoft.com/office/drawing/2014/main" id="{86CE4ECB-3913-984A-8900-3A3C9941BA0A}"/>
+              </a:ext>
+            </a:extLst>
+          </p:cNvPr>
+          <p:cNvSpPr>
+            <a:spLocks noGrp="1"/>
+          </p:cNvSpPr>
+          <p:nvPr>
+            <p:ph type="title"/>
+          </p:nvPr>
+        </p:nvSpPr>
+        <p:spPr/>
+        <p:txBody>
+          <a:bodyPr/>
+          <a:lstStyle/>
+          <a:p>
+            <a:r>
+              <a:rPr lang="en-US" dirty="0"/>
+              <a:t>Learning Objectives</a:t>
+            </a:r>
+          </a:p>
+        </p:txBody>
+      </p:sp>
+      <p:sp>
+        <p:nvSpPr>
+          <p:cNvPr id="3" name="Content Placeholder 2">
+            <a:extLst>
+              <a:ext uri="{FF2B5EF4-FFF2-40B4-BE49-F238E27FC236}">
+                <a16:creationId xmlns:a16="http://schemas.microsoft.com/office/drawing/2014/main" id="{741E0C4C-8E74-DA4D-816B-038E0E097E0C}"/>
+              </a:ext>
+            </a:extLst>
+          </p:cNvPr>
+          <p:cNvSpPr>
+            <a:spLocks noGrp="1"/>
+          </p:cNvSpPr>
+          <p:nvPr>
+            <p:ph idx="1"/>
+          </p:nvPr>
+        </p:nvSpPr>
+        <p:spPr/>
+        <p:txBody>
+          <a:bodyPr/>
+          <a:lstStyle/>
+          <a:p>
+            <a:r>
+              <a:rPr lang="en-US" dirty="0"/>
+              <a:t>Dictionaries are a new type in Python</a:t>
+            </a:r>
+          </a:p>
+          <a:p>
+            <a:r>
+              <a:rPr lang="en-US" dirty="0"/>
+              <a:t>Lists let us index a value by a number, or position.</a:t>
+            </a:r>
+          </a:p>
+          <a:p>
+            <a:r>
+              <a:rPr lang="en-US" dirty="0"/>
+              <a:t>Dictionaries let us index data by other kinds of data.</a:t>
+            </a:r>
+          </a:p>
+          <a:p>
+            <a:pPr marL="0" indent="0">
+              <a:buNone/>
+            </a:pPr>
+            <a:endParaRPr lang="en-US" dirty="0"/>
+          </a:p>
+          <a:p>
+            <a:endParaRPr lang="en-US" dirty="0"/>
+          </a:p>
+        </p:txBody>
+      </p:sp>
+    </p:spTree>
+    <p:extLst>
+      <p:ext uri="{BB962C8B-B14F-4D97-AF65-F5344CB8AC3E}">
+        <p14:creationId xmlns:p14="http://schemas.microsoft.com/office/powerpoint/2010/main" val="3358452104"/>
+      </p:ext>
+    </p:extLst>
+  </p:cSld>
+  <p:clrMapOvr>
+    <a:masterClrMapping/>
+  </p:clrMapOvr>
+</p:sld>
+</file>
+
+<file path=ppt/slides/slide5.xml><?xml version="1.0" encoding="utf-8"?>
+<p:sld xmlns:a="http://schemas.openxmlformats.org/drawingml/2006/main" xmlns:r="http://schemas.openxmlformats.org/officeDocument/2006/relationships" xmlns:p="http://schemas.openxmlformats.org/presentationml/2006/main">
+  <p:cSld>
+    <p:spTree>
+      <p:nvGrpSpPr>
+        <p:cNvPr id="1" name=""/>
+        <p:cNvGrpSpPr/>
+        <p:nvPr/>
+      </p:nvGrpSpPr>
+      <p:grpSpPr>
+        <a:xfrm>
+          <a:off x="0" y="0"/>
+          <a:ext cx="0" cy="0"/>
+          <a:chOff x="0" y="0"/>
+          <a:chExt cx="0" cy="0"/>
+        </a:xfrm>
+      </p:grpSpPr>
+      <p:sp>
+        <p:nvSpPr>
+          <p:cNvPr id="2" name="Title 1">
+            <a:extLst>
+              <a:ext uri="{FF2B5EF4-FFF2-40B4-BE49-F238E27FC236}">
+                <a16:creationId xmlns:a16="http://schemas.microsoft.com/office/drawing/2014/main" id="{C86A5E43-8DC9-1FAA-011D-8A247E609F6C}"/>
+              </a:ext>
+            </a:extLst>
+          </p:cNvPr>
+          <p:cNvSpPr>
+            <a:spLocks noGrp="1"/>
+          </p:cNvSpPr>
+          <p:nvPr>
+            <p:ph type="title"/>
+          </p:nvPr>
+        </p:nvSpPr>
+        <p:spPr/>
+        <p:txBody>
+          <a:bodyPr/>
+          <a:lstStyle/>
+          <a:p>
+            <a:r>
+              <a:rPr lang="en-US" dirty="0"/>
+              <a:t>Dictionaries vs Lists</a:t>
+            </a:r>
+          </a:p>
+        </p:txBody>
+      </p:sp>
+      <p:sp>
+        <p:nvSpPr>
+          <p:cNvPr id="3" name="Content Placeholder 2">
+            <a:extLst>
+              <a:ext uri="{FF2B5EF4-FFF2-40B4-BE49-F238E27FC236}">
+                <a16:creationId xmlns:a16="http://schemas.microsoft.com/office/drawing/2014/main" id="{1B030040-BF98-F542-5C3A-7D2D6D65390F}"/>
+              </a:ext>
+            </a:extLst>
+          </p:cNvPr>
+          <p:cNvSpPr>
+            <a:spLocks noGrp="1"/>
+          </p:cNvSpPr>
+          <p:nvPr>
+            <p:ph idx="1"/>
+          </p:nvPr>
+        </p:nvSpPr>
+        <p:spPr/>
+        <p:txBody>
+          <a:bodyPr/>
+          <a:lstStyle/>
+          <a:p>
+            <a:r>
+              <a:rPr lang="en-US" sz="2800" dirty="0"/>
+              <a:t>Lists: Collect any number of items together in a single entity</a:t>
+            </a:r>
+          </a:p>
+          <a:p>
+            <a:pPr lvl="1"/>
+            <a:r>
+              <a:rPr lang="en-US" sz="2575" dirty="0"/>
+              <a:t> Each item has an </a:t>
+            </a:r>
+            <a:r>
+              <a:rPr lang="en-US" sz="2575" i="1" dirty="0"/>
+              <a:t>index</a:t>
+            </a:r>
+            <a:r>
+              <a:rPr lang="en-US" sz="2575" dirty="0"/>
+              <a:t> or position</a:t>
+            </a:r>
+          </a:p>
+          <a:p>
+            <a:pPr lvl="1"/>
+            <a:r>
+              <a:rPr lang="en-US" sz="2575" dirty="0"/>
+              <a:t> A list has a distinct order. </a:t>
+            </a:r>
+          </a:p>
+          <a:p>
+            <a:r>
+              <a:rPr lang="en-US" sz="2800" dirty="0"/>
+              <a:t> Dictionaries: Map a "key" to a "value"</a:t>
+            </a:r>
+          </a:p>
+          <a:p>
+            <a:pPr lvl="1"/>
+            <a:r>
+              <a:rPr lang="en-US" sz="2575" dirty="0"/>
+              <a:t> Keys can be many things, but most commonly strings, numbers, tuple</a:t>
+            </a:r>
+          </a:p>
+          <a:p>
+            <a:pPr lvl="1"/>
+            <a:r>
+              <a:rPr lang="en-US" sz="2575" dirty="0"/>
+              <a:t> Values can be any data</a:t>
+            </a:r>
+          </a:p>
+          <a:p>
+            <a:pPr lvl="1"/>
+            <a:r>
+              <a:rPr lang="en-US" sz="2575" dirty="0"/>
+              <a:t> Items have no inherent order</a:t>
+            </a:r>
+          </a:p>
+          <a:p>
+            <a:r>
+              <a:rPr lang="en-US" sz="2800" dirty="0"/>
+              <a:t> If we know an item's index, or a dictionary's key then looking up and item is fast </a:t>
+            </a:r>
+            <a:r>
+              <a:rPr lang="en-US" sz="2800"/>
+              <a:t>and easy.</a:t>
+            </a:r>
+            <a:endParaRPr lang="en-US" sz="2800" dirty="0"/>
+          </a:p>
+        </p:txBody>
+      </p:sp>
+    </p:spTree>
+    <p:extLst>
+      <p:ext uri="{BB962C8B-B14F-4D97-AF65-F5344CB8AC3E}">
+        <p14:creationId xmlns:p14="http://schemas.microsoft.com/office/powerpoint/2010/main" val="1718670743"/>
+      </p:ext>
+    </p:extLst>
+  </p:cSld>
+  <p:clrMapOvr>
+    <a:masterClrMapping/>
+  </p:clrMapOvr>
+</p:sld>
+</file>
+
+<file path=ppt/slides/slide6.xml><?xml version="1.0" encoding="utf-8"?>
+<p:sld xmlns:a="http://schemas.openxmlformats.org/drawingml/2006/main" xmlns:r="http://schemas.openxmlformats.org/officeDocument/2006/relationships" xmlns:p="http://schemas.openxmlformats.org/presentationml/2006/main">
+  <p:cSld>
+    <p:spTree>
+      <p:nvGrpSpPr>
+        <p:cNvPr id="1" name="Shape 307"/>
+        <p:cNvGrpSpPr/>
+        <p:nvPr/>
+      </p:nvGrpSpPr>
+      <p:grpSpPr>
+        <a:xfrm>
+          <a:off x="0" y="0"/>
+          <a:ext cx="0" cy="0"/>
+          <a:chOff x="0" y="0"/>
+          <a:chExt cx="0" cy="0"/>
+        </a:xfrm>
+      </p:grpSpPr>
+      <p:sp>
+        <p:nvSpPr>
+          <p:cNvPr id="308" name="Google Shape;308;p30"/>
+          <p:cNvSpPr txBox="1">
+            <a:spLocks noGrp="1"/>
+          </p:cNvSpPr>
+          <p:nvPr>
+            <p:ph type="title"/>
+          </p:nvPr>
+        </p:nvSpPr>
+        <p:spPr>
+          <a:xfrm>
+            <a:off x="533400" y="228600"/>
+            <a:ext cx="10210800" cy="736600"/>
+          </a:xfrm>
+          <a:noFill/>
+          <a:ln>
+            <a:noFill/>
+          </a:ln>
+        </p:spPr>
+        <p:txBody>
+          <a:bodyPr spcFirstLastPara="1" vert="horz" wrap="square" lIns="92075" tIns="46025" rIns="92075" bIns="46025" numCol="1" anchor="ctr" anchorCtr="0" compatLnSpc="1">
+            <a:prstTxWarp prst="textNoShape">
+              <a:avLst/>
+            </a:prstTxWarp>
+            <a:noAutofit/>
+          </a:bodyPr>
+          <a:lstStyle/>
+          <a:p>
+            <a:r>
+              <a:rPr lang="en-US" dirty="0">
+                <a:sym typeface="Arial"/>
+              </a:rPr>
+              <a:t>Dictionaries</a:t>
+            </a:r>
+            <a:endParaRPr lang="en-US" dirty="0"/>
+          </a:p>
+        </p:txBody>
+      </p:sp>
+      <p:sp>
+        <p:nvSpPr>
+          <p:cNvPr id="309" name="Google Shape;309;p30"/>
+          <p:cNvSpPr txBox="1">
+            <a:spLocks noGrp="1"/>
+          </p:cNvSpPr>
+          <p:nvPr>
+            <p:ph idx="1"/>
+          </p:nvPr>
+        </p:nvSpPr>
+        <p:spPr>
+          <a:xfrm>
+            <a:off x="533400" y="1066800"/>
+            <a:ext cx="11125200" cy="5257800"/>
+          </a:xfrm>
+          <a:noFill/>
+          <a:ln>
+            <a:noFill/>
+          </a:ln>
+        </p:spPr>
+        <p:txBody>
+          <a:bodyPr spcFirstLastPara="1" vert="horz" wrap="square" lIns="92075" tIns="46025" rIns="92075" bIns="46025" numCol="1" anchor="t" anchorCtr="0" compatLnSpc="1">
+            <a:prstTxWarp prst="textNoShape">
+              <a:avLst/>
+            </a:prstTxWarp>
+            <a:noAutofit/>
+          </a:bodyPr>
+          <a:lstStyle/>
+          <a:p>
+            <a:r>
+              <a:rPr lang="en-US" dirty="0">
+                <a:sym typeface="Arial"/>
+              </a:rPr>
+              <a:t>Constructors</a:t>
+            </a:r>
+            <a:r>
+              <a:rPr lang="en-US" dirty="0">
+                <a:sym typeface="Courier"/>
+              </a:rPr>
+              <a:t>: </a:t>
+            </a:r>
+            <a:endParaRPr lang="en-US" dirty="0"/>
+          </a:p>
+          <a:p>
+            <a:pPr lvl="2"/>
+            <a:r>
+              <a:rPr lang="en-US" dirty="0" err="1">
+                <a:latin typeface="Source Code Pro" panose="020B0509030403020204" pitchFamily="49" charset="77"/>
+                <a:sym typeface="Courier"/>
+              </a:rPr>
+              <a:t>dict</a:t>
+            </a:r>
+            <a:r>
+              <a:rPr lang="en-US" dirty="0">
+                <a:latin typeface="Source Code Pro" panose="020B0509030403020204" pitchFamily="49" charset="77"/>
+                <a:sym typeface="Courier"/>
+              </a:rPr>
+              <a:t>( &lt;list of 2-tuples&gt; )</a:t>
+            </a:r>
+            <a:endParaRPr lang="en-US" dirty="0">
+              <a:latin typeface="Source Code Pro" panose="020B0509030403020204" pitchFamily="49" charset="77"/>
+            </a:endParaRPr>
+          </a:p>
+          <a:p>
+            <a:pPr lvl="2"/>
+            <a:r>
+              <a:rPr lang="en-US" dirty="0" err="1">
+                <a:latin typeface="Source Code Pro" panose="020B0509030403020204" pitchFamily="49" charset="77"/>
+                <a:sym typeface="Courier"/>
+              </a:rPr>
+              <a:t>dict</a:t>
+            </a:r>
+            <a:r>
+              <a:rPr lang="en-US" dirty="0">
+                <a:latin typeface="Source Code Pro" panose="020B0509030403020204" pitchFamily="49" charset="77"/>
+                <a:sym typeface="Courier"/>
+              </a:rPr>
+              <a:t>( &lt;key&gt;=&lt;</a:t>
+            </a:r>
+            <a:r>
+              <a:rPr lang="en-US" dirty="0" err="1">
+                <a:latin typeface="Source Code Pro" panose="020B0509030403020204" pitchFamily="49" charset="77"/>
+                <a:sym typeface="Courier"/>
+              </a:rPr>
+              <a:t>val</a:t>
+            </a:r>
+            <a:r>
+              <a:rPr lang="en-US" dirty="0">
+                <a:latin typeface="Source Code Pro" panose="020B0509030403020204" pitchFamily="49" charset="77"/>
+                <a:sym typeface="Courier"/>
+              </a:rPr>
+              <a:t>&gt;, ...) # like </a:t>
+            </a:r>
+            <a:r>
+              <a:rPr lang="en-US" dirty="0" err="1">
+                <a:latin typeface="Source Code Pro" panose="020B0509030403020204" pitchFamily="49" charset="77"/>
+                <a:sym typeface="Courier"/>
+              </a:rPr>
+              <a:t>kwargs</a:t>
+            </a:r>
+            <a:endParaRPr lang="en-US" dirty="0">
+              <a:latin typeface="Source Code Pro" panose="020B0509030403020204" pitchFamily="49" charset="77"/>
+              <a:sym typeface="Courier"/>
+            </a:endParaRPr>
+          </a:p>
+          <a:p>
+            <a:pPr lvl="2"/>
+            <a:r>
+              <a:rPr lang="en-US" dirty="0">
+                <a:latin typeface="Source Code Pro" panose="020B0509030403020204" pitchFamily="49" charset="77"/>
+                <a:sym typeface="Courier"/>
+              </a:rPr>
+              <a:t>{ &lt;key exp&gt;:&lt;</a:t>
+            </a:r>
+            <a:r>
+              <a:rPr lang="en-US" dirty="0" err="1">
+                <a:latin typeface="Source Code Pro" panose="020B0509030403020204" pitchFamily="49" charset="77"/>
+                <a:sym typeface="Courier"/>
+              </a:rPr>
+              <a:t>val</a:t>
+            </a:r>
+            <a:r>
+              <a:rPr lang="en-US" dirty="0">
+                <a:latin typeface="Source Code Pro" panose="020B0509030403020204" pitchFamily="49" charset="77"/>
+                <a:sym typeface="Courier"/>
+              </a:rPr>
+              <a:t> exp&gt;, …  } </a:t>
+            </a:r>
+            <a:endParaRPr lang="en-US" dirty="0">
+              <a:latin typeface="Source Code Pro" panose="020B0509030403020204" pitchFamily="49" charset="77"/>
+            </a:endParaRPr>
+          </a:p>
+          <a:p>
+            <a:pPr lvl="2"/>
+            <a:r>
+              <a:rPr lang="en-US" dirty="0">
+                <a:latin typeface="Source Code Pro" panose="020B0509030403020204" pitchFamily="49" charset="77"/>
+                <a:sym typeface="Courier"/>
+              </a:rPr>
+              <a:t>{ &lt;key&gt;:&lt;</a:t>
+            </a:r>
+            <a:r>
+              <a:rPr lang="en-US" dirty="0" err="1">
+                <a:latin typeface="Source Code Pro" panose="020B0509030403020204" pitchFamily="49" charset="77"/>
+                <a:sym typeface="Courier"/>
+              </a:rPr>
+              <a:t>val</a:t>
+            </a:r>
+            <a:r>
+              <a:rPr lang="en-US" dirty="0">
+                <a:latin typeface="Source Code Pro" panose="020B0509030403020204" pitchFamily="49" charset="77"/>
+                <a:sym typeface="Courier"/>
+              </a:rPr>
+              <a:t>&gt; for &lt;iteration expression&gt; }</a:t>
+            </a:r>
+            <a:endParaRPr lang="en-US" dirty="0">
+              <a:latin typeface="Source Code Pro" panose="020B0509030403020204" pitchFamily="49" charset="77"/>
+            </a:endParaRPr>
+          </a:p>
+          <a:p>
+            <a:pPr lvl="3"/>
+            <a:r>
+              <a:rPr lang="en-US" dirty="0">
+                <a:latin typeface="Source Code Pro" panose="020B0509030403020204" pitchFamily="49" charset="77"/>
+                <a:sym typeface="Courier"/>
+              </a:rPr>
+              <a:t>&gt;&gt;&gt; {</a:t>
+            </a:r>
+            <a:r>
+              <a:rPr lang="en-US" dirty="0" err="1">
+                <a:latin typeface="Source Code Pro" panose="020B0509030403020204" pitchFamily="49" charset="77"/>
+                <a:sym typeface="Courier"/>
+              </a:rPr>
+              <a:t>x:y</a:t>
+            </a:r>
+            <a:r>
+              <a:rPr lang="en-US" dirty="0">
+                <a:latin typeface="Source Code Pro" panose="020B0509030403020204" pitchFamily="49" charset="77"/>
+                <a:sym typeface="Courier"/>
+              </a:rPr>
+              <a:t> for </a:t>
+            </a:r>
+            <a:r>
+              <a:rPr lang="en-US" dirty="0" err="1">
+                <a:latin typeface="Source Code Pro" panose="020B0509030403020204" pitchFamily="49" charset="77"/>
+                <a:sym typeface="Courier"/>
+              </a:rPr>
+              <a:t>x,y</a:t>
+            </a:r>
+            <a:r>
+              <a:rPr lang="en-US" dirty="0">
+                <a:latin typeface="Source Code Pro" panose="020B0509030403020204" pitchFamily="49" charset="77"/>
+                <a:sym typeface="Courier"/>
+              </a:rPr>
+              <a:t> in zip(["</a:t>
+            </a:r>
+            <a:r>
+              <a:rPr lang="en-US" dirty="0" err="1">
+                <a:latin typeface="Source Code Pro" panose="020B0509030403020204" pitchFamily="49" charset="77"/>
+                <a:sym typeface="Courier"/>
+              </a:rPr>
+              <a:t>a","b</a:t>
+            </a:r>
+            <a:r>
+              <a:rPr lang="en-US" dirty="0">
+                <a:latin typeface="Source Code Pro" panose="020B0509030403020204" pitchFamily="49" charset="77"/>
+                <a:sym typeface="Courier"/>
+              </a:rPr>
+              <a:t>"],[1,2])}</a:t>
+            </a:r>
+            <a:endParaRPr lang="en-US" dirty="0">
+              <a:latin typeface="Source Code Pro" panose="020B0509030403020204" pitchFamily="49" charset="77"/>
+            </a:endParaRPr>
+          </a:p>
+          <a:p>
+            <a:pPr lvl="3"/>
+            <a:r>
+              <a:rPr lang="en-US" dirty="0">
+                <a:latin typeface="Source Code Pro" panose="020B0509030403020204" pitchFamily="49" charset="77"/>
+                <a:sym typeface="Courier"/>
+              </a:rPr>
+              <a:t>{'a': 1, 'b': 2}</a:t>
+            </a:r>
+          </a:p>
+          <a:p>
+            <a:r>
+              <a:rPr lang="en-US" dirty="0">
+                <a:sym typeface="Arial"/>
+              </a:rPr>
+              <a:t>Selectors</a:t>
+            </a:r>
+            <a:r>
+              <a:rPr lang="en-US" dirty="0">
+                <a:sym typeface="Courier"/>
+              </a:rPr>
+              <a:t>: </a:t>
+            </a:r>
+            <a:r>
+              <a:rPr lang="en-US" dirty="0">
+                <a:latin typeface="Source Code Pro" panose="020B0509030403020204" pitchFamily="49" charset="77"/>
+                <a:sym typeface="Courier"/>
+              </a:rPr>
+              <a:t>&lt;</a:t>
+            </a:r>
+            <a:r>
+              <a:rPr lang="en-US" dirty="0" err="1">
+                <a:latin typeface="Source Code Pro" panose="020B0509030403020204" pitchFamily="49" charset="77"/>
+                <a:sym typeface="Courier"/>
+              </a:rPr>
+              <a:t>dict</a:t>
+            </a:r>
+            <a:r>
+              <a:rPr lang="en-US" dirty="0">
+                <a:latin typeface="Source Code Pro" panose="020B0509030403020204" pitchFamily="49" charset="77"/>
+                <a:sym typeface="Courier"/>
+              </a:rPr>
+              <a:t>&gt; [ &lt;key&gt; ]</a:t>
+            </a:r>
+            <a:endParaRPr lang="en-US" dirty="0">
+              <a:latin typeface="Source Code Pro" panose="020B0509030403020204" pitchFamily="49" charset="77"/>
+            </a:endParaRPr>
+          </a:p>
+          <a:p>
+            <a:pPr lvl="2"/>
+            <a:r>
+              <a:rPr lang="en-US" dirty="0">
+                <a:sym typeface="Courier"/>
+              </a:rPr>
+              <a:t>&lt;</a:t>
+            </a:r>
+            <a:r>
+              <a:rPr lang="en-US" dirty="0" err="1">
+                <a:sym typeface="Courier"/>
+              </a:rPr>
+              <a:t>dict</a:t>
+            </a:r>
+            <a:r>
+              <a:rPr lang="en-US" dirty="0">
+                <a:sym typeface="Courier"/>
+              </a:rPr>
+              <a:t>&gt;.keys(), .items(), .values()</a:t>
+            </a:r>
+            <a:endParaRPr lang="en-US" dirty="0"/>
+          </a:p>
+          <a:p>
+            <a:pPr lvl="2"/>
+            <a:r>
+              <a:rPr lang="en-US" dirty="0">
+                <a:sym typeface="Courier"/>
+              </a:rPr>
+              <a:t>&lt;</a:t>
+            </a:r>
+            <a:r>
+              <a:rPr lang="en-US" dirty="0" err="1">
+                <a:sym typeface="Courier"/>
+              </a:rPr>
+              <a:t>dict</a:t>
+            </a:r>
+            <a:r>
+              <a:rPr lang="en-US" dirty="0">
+                <a:sym typeface="Courier"/>
+              </a:rPr>
+              <a:t>&gt;.get(key [, default] )</a:t>
+            </a:r>
+            <a:endParaRPr lang="en-US" dirty="0"/>
+          </a:p>
+          <a:p>
+            <a:r>
+              <a:rPr lang="en-US" dirty="0">
+                <a:sym typeface="Arial"/>
+              </a:rPr>
+              <a:t>Operations</a:t>
+            </a:r>
+            <a:r>
+              <a:rPr lang="en-US" dirty="0">
+                <a:sym typeface="Courier"/>
+              </a:rPr>
+              <a:t>: </a:t>
+            </a:r>
+            <a:endParaRPr lang="en-US" dirty="0"/>
+          </a:p>
+          <a:p>
+            <a:pPr lvl="2"/>
+            <a:r>
+              <a:rPr lang="en-US" dirty="0">
+                <a:sym typeface="Courier"/>
+              </a:rPr>
+              <a:t> Key in, not in, </a:t>
+            </a:r>
+            <a:r>
+              <a:rPr lang="en-US" dirty="0" err="1">
+                <a:sym typeface="Courier"/>
+              </a:rPr>
+              <a:t>len</a:t>
+            </a:r>
+            <a:r>
+              <a:rPr lang="en-US" dirty="0">
+                <a:sym typeface="Courier"/>
+              </a:rPr>
+              <a:t>, min, max</a:t>
+            </a:r>
+            <a:endParaRPr lang="en-US" dirty="0"/>
+          </a:p>
+          <a:p>
+            <a:pPr lvl="2"/>
+            <a:r>
+              <a:rPr lang="en-US" dirty="0">
+                <a:sym typeface="Arial"/>
+              </a:rPr>
+              <a:t> &lt;</a:t>
+            </a:r>
+            <a:r>
+              <a:rPr lang="en-US" dirty="0" err="1">
+                <a:sym typeface="Arial"/>
+              </a:rPr>
+              <a:t>dict</a:t>
+            </a:r>
+            <a:r>
+              <a:rPr lang="en-US" dirty="0">
+                <a:sym typeface="Arial"/>
+              </a:rPr>
+              <a:t>&gt;[ &lt;key&gt; ] = &lt;</a:t>
+            </a:r>
+            <a:r>
+              <a:rPr lang="en-US" dirty="0" err="1">
+                <a:sym typeface="Arial"/>
+              </a:rPr>
+              <a:t>val</a:t>
+            </a:r>
+            <a:r>
+              <a:rPr lang="en-US" dirty="0">
+                <a:sym typeface="Arial"/>
+              </a:rPr>
+              <a:t>&gt;</a:t>
+            </a:r>
+            <a:endParaRPr lang="en-US" dirty="0"/>
+          </a:p>
+          <a:p>
+            <a:endParaRPr lang="en-US" dirty="0">
+              <a:sym typeface="Arial"/>
+            </a:endParaRPr>
+          </a:p>
+          <a:p>
+            <a:endParaRPr lang="en-US" dirty="0">
+              <a:sym typeface="Arial"/>
+            </a:endParaRPr>
+          </a:p>
+        </p:txBody>
+      </p:sp>
+    </p:spTree>
+    <p:extLst>
+      <p:ext uri="{BB962C8B-B14F-4D97-AF65-F5344CB8AC3E}">
+        <p14:creationId xmlns:p14="http://schemas.microsoft.com/office/powerpoint/2010/main" val="2135907917"/>
+      </p:ext>
+    </p:extLst>
+  </p:cSld>
+  <p:clrMapOvr>
+    <a:masterClrMapping/>
+  </p:clrMapOvr>
+</p:sld>
+</file>
+
+<file path=ppt/slides/slide7.xml><?xml version="1.0" encoding="utf-8"?>
+<p:sld xmlns:a="http://schemas.openxmlformats.org/drawingml/2006/main" xmlns:r="http://schemas.openxmlformats.org/officeDocument/2006/relationships" xmlns:p="http://schemas.openxmlformats.org/presentationml/2006/main">
+  <p:cSld>
+    <p:spTree>
+      <p:nvGrpSpPr>
+        <p:cNvPr id="1" name="Shape 317"/>
+        <p:cNvGrpSpPr/>
+        <p:nvPr/>
+      </p:nvGrpSpPr>
+      <p:grpSpPr>
+        <a:xfrm>
+          <a:off x="0" y="0"/>
+          <a:ext cx="0" cy="0"/>
+          <a:chOff x="0" y="0"/>
+          <a:chExt cx="0" cy="0"/>
+        </a:xfrm>
+      </p:grpSpPr>
+      <p:sp>
+        <p:nvSpPr>
+          <p:cNvPr id="318" name="Google Shape;318;p31"/>
+          <p:cNvSpPr txBox="1">
+            <a:spLocks noGrp="1"/>
+          </p:cNvSpPr>
+          <p:nvPr>
+            <p:ph type="title"/>
+          </p:nvPr>
+        </p:nvSpPr>
+        <p:spPr/>
+        <p:txBody>
+          <a:bodyPr/>
+          <a:lstStyle/>
+          <a:p>
+            <a:r>
+              <a:rPr lang="en-US" dirty="0">
+                <a:sym typeface="Arial"/>
+              </a:rPr>
+              <a:t>Dictionary Example</a:t>
+            </a:r>
+            <a:endParaRPr lang="en-US" dirty="0"/>
+          </a:p>
+        </p:txBody>
+      </p:sp>
+      <p:sp>
+        <p:nvSpPr>
+          <p:cNvPr id="5" name="Content Placeholder 4">
+            <a:extLst>
+              <a:ext uri="{FF2B5EF4-FFF2-40B4-BE49-F238E27FC236}">
+                <a16:creationId xmlns:a16="http://schemas.microsoft.com/office/drawing/2014/main" id="{09FEC5F8-A6E4-1328-6B22-5B98497F06B0}"/>
+              </a:ext>
+            </a:extLst>
+          </p:cNvPr>
+          <p:cNvSpPr>
+            <a:spLocks noGrp="1"/>
+          </p:cNvSpPr>
+          <p:nvPr>
+            <p:ph idx="1"/>
+          </p:nvPr>
+        </p:nvSpPr>
+        <p:spPr/>
+        <p:txBody>
+          <a:bodyPr/>
+          <a:lstStyle/>
+          <a:p>
+            <a:endParaRPr lang="en-US" dirty="0"/>
+          </a:p>
+        </p:txBody>
+      </p:sp>
+      <p:pic>
+        <p:nvPicPr>
+          <p:cNvPr id="322" name="Google Shape;322;p31" descr="Screen Shot 2016-03-06 at 8.30.16 PM.png"/>
+          <p:cNvPicPr preferRelativeResize="0"/>
+          <p:nvPr/>
+        </p:nvPicPr>
+        <p:blipFill rotWithShape="1">
+          <a:blip r:embed="rId3">
+            <a:alphaModFix/>
+          </a:blip>
+          <a:srcRect/>
+          <a:stretch/>
+        </p:blipFill>
+        <p:spPr>
+          <a:xfrm>
+            <a:off x="3048000" y="988484"/>
+            <a:ext cx="6134100" cy="5793317"/>
+          </a:xfrm>
+          <a:prstGeom prst="rect">
+            <a:avLst/>
+          </a:prstGeom>
+          <a:noFill/>
+          <a:ln>
+            <a:noFill/>
+          </a:ln>
+        </p:spPr>
+      </p:pic>
+    </p:spTree>
+    <p:extLst>
+      <p:ext uri="{BB962C8B-B14F-4D97-AF65-F5344CB8AC3E}">
+        <p14:creationId xmlns:p14="http://schemas.microsoft.com/office/powerpoint/2010/main" val="2619465865"/>
+      </p:ext>
+    </p:extLst>
+  </p:cSld>
+  <p:clrMapOvr>
+    <a:masterClrMapping/>
+  </p:clrMapOvr>
+</p:sld>
+</file>
+
+<file path=ppt/slides/slide8.xml><?xml version="1.0" encoding="utf-8"?>
+<p:sld xmlns:a="http://schemas.openxmlformats.org/drawingml/2006/main" xmlns:r="http://schemas.openxmlformats.org/officeDocument/2006/relationships" xmlns:p="http://schemas.openxmlformats.org/presentationml/2006/main">
+  <p:cSld>
+    <p:spTree>
+      <p:nvGrpSpPr>
+        <p:cNvPr id="1" name="Shape 317"/>
+        <p:cNvGrpSpPr/>
+        <p:nvPr/>
+      </p:nvGrpSpPr>
+      <p:grpSpPr>
+        <a:xfrm>
+          <a:off x="0" y="0"/>
+          <a:ext cx="0" cy="0"/>
+          <a:chOff x="0" y="0"/>
+          <a:chExt cx="0" cy="0"/>
+        </a:xfrm>
+      </p:grpSpPr>
+      <p:sp>
+        <p:nvSpPr>
+          <p:cNvPr id="318" name="Google Shape;318;p31"/>
+          <p:cNvSpPr txBox="1">
+            <a:spLocks noGrp="1"/>
+          </p:cNvSpPr>
+          <p:nvPr>
+            <p:ph type="title"/>
+          </p:nvPr>
+        </p:nvSpPr>
+        <p:spPr>
+          <a:xfrm>
+            <a:off x="2209800" y="228600"/>
+            <a:ext cx="7696200" cy="736600"/>
+          </a:xfrm>
+          <a:prstGeom prst="rect">
+            <a:avLst/>
+          </a:prstGeom>
+          <a:noFill/>
+          <a:ln>
+            <a:noFill/>
+          </a:ln>
+        </p:spPr>
+        <p:txBody>
+          <a:bodyPr spcFirstLastPara="1" vert="horz" wrap="square" lIns="92075" tIns="46025" rIns="92075" bIns="46025" numCol="1" anchor="ctr" anchorCtr="0" compatLnSpc="1">
+            <a:prstTxWarp prst="textNoShape">
+              <a:avLst/>
+            </a:prstTxWarp>
+            <a:noAutofit/>
+          </a:bodyPr>
+          <a:lstStyle/>
+          <a:p>
+            <a:pPr>
+              <a:spcBef>
+                <a:spcPts val="0"/>
+              </a:spcBef>
+              <a:spcAft>
+                <a:spcPts val="0"/>
+              </a:spcAft>
+            </a:pPr>
+            <a:r>
+              <a:rPr lang="en-US" sz="3200">
+                <a:latin typeface="Arial"/>
+                <a:ea typeface="Arial"/>
+                <a:cs typeface="Arial"/>
+                <a:sym typeface="Arial"/>
+              </a:rPr>
+              <a:t>Dictionary Example</a:t>
+            </a:r>
+            <a:endParaRPr/>
+          </a:p>
+        </p:txBody>
+      </p:sp>
+      <p:pic>
+        <p:nvPicPr>
+          <p:cNvPr id="322" name="Google Shape;322;p31" descr="Screen Shot 2016-03-06 at 8.30.16 PM.png"/>
+          <p:cNvPicPr preferRelativeResize="0"/>
+          <p:nvPr/>
+        </p:nvPicPr>
+        <p:blipFill rotWithShape="1">
+          <a:blip r:embed="rId3">
+            <a:alphaModFix/>
+          </a:blip>
+          <a:srcRect/>
+          <a:stretch/>
+        </p:blipFill>
+        <p:spPr>
+          <a:xfrm>
+            <a:off x="3048000" y="988484"/>
+            <a:ext cx="6134100" cy="5793317"/>
+          </a:xfrm>
+          <a:prstGeom prst="rect">
+            <a:avLst/>
+          </a:prstGeom>
+          <a:noFill/>
+          <a:ln>
+            <a:noFill/>
+          </a:ln>
+        </p:spPr>
+      </p:pic>
+    </p:spTree>
+    <p:extLst>
+      <p:ext uri="{BB962C8B-B14F-4D97-AF65-F5344CB8AC3E}">
+        <p14:creationId xmlns:p14="http://schemas.microsoft.com/office/powerpoint/2010/main" val="2071456477"/>
+      </p:ext>
+    </p:extLst>
+  </p:cSld>
+  <p:clrMapOvr>
+    <a:masterClrMapping/>
+  </p:clrMapOvr>
+</p:sld>
+</file>
+
+<file path=ppt/slides/slide9.xml><?xml version="1.0" encoding="utf-8"?>
+<p:sld xmlns:a="http://schemas.openxmlformats.org/drawingml/2006/main" xmlns:r="http://schemas.openxmlformats.org/officeDocument/2006/relationships" xmlns:p="http://schemas.openxmlformats.org/presentationml/2006/main">
+  <p:cSld>
+    <p:spTree>
+      <p:nvGrpSpPr>
+        <p:cNvPr id="1" name=""/>
+        <p:cNvGrpSpPr/>
+        <p:nvPr/>
+      </p:nvGrpSpPr>
+      <p:grpSpPr>
+        <a:xfrm>
+          <a:off x="0" y="0"/>
+          <a:ext cx="0" cy="0"/>
+          <a:chOff x="0" y="0"/>
+          <a:chExt cx="0" cy="0"/>
+        </a:xfrm>
+      </p:grpSpPr>
+      <p:sp>
+        <p:nvSpPr>
+          <p:cNvPr id="2" name="Title 1">
+            <a:extLst>
+              <a:ext uri="{FF2B5EF4-FFF2-40B4-BE49-F238E27FC236}">
+                <a16:creationId xmlns:a16="http://schemas.microsoft.com/office/drawing/2014/main" id="{EB14EB12-0C9F-3746-854D-651CEBFE86CE}"/>
+              </a:ext>
+            </a:extLst>
+          </p:cNvPr>
+          <p:cNvSpPr>
+            <a:spLocks noGrp="1"/>
+          </p:cNvSpPr>
+          <p:nvPr>
+            <p:ph type="title"/>
+          </p:nvPr>
+        </p:nvSpPr>
+        <p:spPr/>
+        <p:txBody>
+          <a:bodyPr/>
+          <a:lstStyle/>
+          <a:p>
+            <a:r>
+              <a:rPr lang="en-US" sz="3600" dirty="0"/>
+              <a:t>Abstract Data Type</a:t>
+            </a:r>
+          </a:p>
+        </p:txBody>
+      </p:sp>
+      <p:sp>
+        <p:nvSpPr>
+          <p:cNvPr id="3" name="Content Placeholder 2">
+            <a:extLst>
+              <a:ext uri="{FF2B5EF4-FFF2-40B4-BE49-F238E27FC236}">
+                <a16:creationId xmlns:a16="http://schemas.microsoft.com/office/drawing/2014/main" id="{D4238813-95CA-8B45-825F-2253C2678B52}"/>
+              </a:ext>
+            </a:extLst>
+          </p:cNvPr>
+          <p:cNvSpPr>
+            <a:spLocks noGrp="1"/>
+          </p:cNvSpPr>
+          <p:nvPr>
+            <p:ph idx="1"/>
+          </p:nvPr>
+        </p:nvSpPr>
+        <p:spPr/>
+        <p:txBody>
+          <a:bodyPr/>
+          <a:lstStyle/>
+          <a:p>
+            <a:r>
+              <a:rPr lang="en-US" sz="2600" dirty="0"/>
+              <a:t>Uses pure functions to encapsulate some logic as part of a program.</a:t>
+            </a:r>
+          </a:p>
+          <a:p>
+            <a:r>
+              <a:rPr lang="en-US" sz="2600" dirty="0"/>
+              <a:t>We rely of built-in types (int, str, list, </a:t>
+            </a:r>
+            <a:r>
+              <a:rPr lang="en-US" sz="2600" dirty="0" err="1"/>
+              <a:t>etc</a:t>
+            </a:r>
+            <a:r>
+              <a:rPr lang="en-US" sz="2600" dirty="0"/>
+              <a:t>) to build ADTs</a:t>
+            </a:r>
+          </a:p>
+          <a:p>
+            <a:r>
+              <a:rPr lang="en-US" sz="2600" dirty="0"/>
+              <a:t>This is a contrast to object-oriented programming</a:t>
+            </a:r>
+          </a:p>
+          <a:p>
+            <a:pPr lvl="1"/>
+            <a:r>
+              <a:rPr lang="en-US" sz="2600" dirty="0"/>
+              <a:t>Which is coming soon!</a:t>
+            </a:r>
+          </a:p>
+        </p:txBody>
+      </p:sp>
+    </p:spTree>
+    <p:extLst>
+      <p:ext uri="{BB962C8B-B14F-4D97-AF65-F5344CB8AC3E}">
+        <p14:creationId xmlns:p14="http://schemas.microsoft.com/office/powerpoint/2010/main" val="3290418895"/>
       </p:ext>
     </p:extLst>
   </p:cSld>
